--- a/Presentación TG1.pptx
+++ b/Presentación TG1.pptx
@@ -1,6 +1,6 @@
 
 <file path=ppt/presentation.xml><?xml version="1.0" encoding="utf-8"?>
-<p:presentation xmlns:a="http://schemas.openxmlformats.org/drawingml/2006/main" xmlns:r="http://schemas.openxmlformats.org/officeDocument/2006/relationships" xmlns:p="http://schemas.openxmlformats.org/presentationml/2006/main" autoCompressPictures="0">
+<p:presentation xmlns:a="http://schemas.openxmlformats.org/drawingml/2006/main" xmlns:r="http://schemas.openxmlformats.org/officeDocument/2006/relationships" xmlns:p="http://schemas.openxmlformats.org/presentationml/2006/main" saveSubsetFonts="1" autoCompressPictures="0">
   <p:sldMasterIdLst>
     <p:sldMasterId id="2147483840" r:id="rId1"/>
   </p:sldMasterIdLst>
@@ -120,6 +120,11 @@
       </a:defRPr>
     </a:lvl9pPr>
   </p:defaultTextStyle>
+  <p:extLst>
+    <p:ext uri="{EFAFB233-063F-42B5-8137-9DF3F51BA10A}">
+      <p15:sldGuideLst xmlns:p15="http://schemas.microsoft.com/office/powerpoint/2012/main"/>
+    </p:ext>
+  </p:extLst>
 </p:presentation>
 </file>
 
@@ -309,7 +314,7 @@
             <a:fld id="{8E36636D-D922-432D-A958-524484B5923D}" type="datetimeFigureOut">
               <a:rPr lang="en-US" dirty="0"/>
               <a:pPr/>
-              <a:t>3/13/2016</a:t>
+              <a:t>3/13/16</a:t>
             </a:fld>
             <a:endParaRPr lang="en-US" dirty="0"/>
           </a:p>
@@ -352,7 +357,7 @@
             <a:fld id="{DF28FB93-0A08-4E7D-8E63-9EFA29F1E093}" type="slidenum">
               <a:rPr lang="en-US" dirty="0"/>
               <a:pPr/>
-              <a:t>‹Nº›</a:t>
+              <a:t>‹Nr.›</a:t>
             </a:fld>
             <a:endParaRPr lang="en-US" dirty="0"/>
           </a:p>
@@ -603,7 +608,7 @@
           <a:p>
             <a:fld id="{48A87A34-81AB-432B-8DAE-1953F412C126}" type="datetimeFigureOut">
               <a:rPr lang="en-US" dirty="0"/>
-              <a:t>3/13/2016</a:t>
+              <a:t>3/13/16</a:t>
             </a:fld>
             <a:endParaRPr lang="en-US" dirty="0"/>
           </a:p>
@@ -645,7 +650,7 @@
           <a:p>
             <a:fld id="{6D22F896-40B5-4ADD-8801-0D06FADFA095}" type="slidenum">
               <a:rPr lang="en-US" dirty="0"/>
-              <a:t>‹Nº›</a:t>
+              <a:t>‹Nr.›</a:t>
             </a:fld>
             <a:endParaRPr lang="en-US" dirty="0"/>
           </a:p>
@@ -790,7 +795,7 @@
           <a:p>
             <a:fld id="{48A87A34-81AB-432B-8DAE-1953F412C126}" type="datetimeFigureOut">
               <a:rPr lang="en-US" dirty="0"/>
-              <a:t>3/13/2016</a:t>
+              <a:t>3/13/16</a:t>
             </a:fld>
             <a:endParaRPr lang="en-US" dirty="0"/>
           </a:p>
@@ -832,7 +837,7 @@
           <a:p>
             <a:fld id="{6D22F896-40B5-4ADD-8801-0D06FADFA095}" type="slidenum">
               <a:rPr lang="en-US" dirty="0"/>
-              <a:t>‹Nº›</a:t>
+              <a:t>‹Nr.›</a:t>
             </a:fld>
             <a:endParaRPr lang="en-US" dirty="0"/>
           </a:p>
@@ -1046,7 +1051,7 @@
           <a:p>
             <a:fld id="{48A87A34-81AB-432B-8DAE-1953F412C126}" type="datetimeFigureOut">
               <a:rPr lang="en-US" dirty="0"/>
-              <a:t>3/13/2016</a:t>
+              <a:t>3/13/16</a:t>
             </a:fld>
             <a:endParaRPr lang="en-US" dirty="0"/>
           </a:p>
@@ -1088,7 +1093,7 @@
           <a:p>
             <a:fld id="{6D22F896-40B5-4ADD-8801-0D06FADFA095}" type="slidenum">
               <a:rPr lang="en-US" dirty="0"/>
-              <a:t>‹Nº›</a:t>
+              <a:t>‹Nr.›</a:t>
             </a:fld>
             <a:endParaRPr lang="en-US" dirty="0"/>
           </a:p>
@@ -1465,7 +1470,7 @@
           <a:p>
             <a:fld id="{48A87A34-81AB-432B-8DAE-1953F412C126}" type="datetimeFigureOut">
               <a:rPr lang="en-US" dirty="0"/>
-              <a:t>3/13/2016</a:t>
+              <a:t>3/13/16</a:t>
             </a:fld>
             <a:endParaRPr lang="en-US" dirty="0"/>
           </a:p>
@@ -1507,7 +1512,7 @@
           <a:p>
             <a:fld id="{6D22F896-40B5-4ADD-8801-0D06FADFA095}" type="slidenum">
               <a:rPr lang="en-US" dirty="0"/>
-              <a:t>‹Nº›</a:t>
+              <a:t>‹Nr.›</a:t>
             </a:fld>
             <a:endParaRPr lang="en-US" dirty="0"/>
           </a:p>
@@ -1997,7 +2002,7 @@
           <a:p>
             <a:fld id="{48A87A34-81AB-432B-8DAE-1953F412C126}" type="datetimeFigureOut">
               <a:rPr lang="en-US" dirty="0"/>
-              <a:t>3/13/2016</a:t>
+              <a:t>3/13/16</a:t>
             </a:fld>
             <a:endParaRPr lang="en-US" dirty="0"/>
           </a:p>
@@ -2039,7 +2044,7 @@
           <a:p>
             <a:fld id="{6D22F896-40B5-4ADD-8801-0D06FADFA095}" type="slidenum">
               <a:rPr lang="en-US" dirty="0"/>
-              <a:t>‹Nº›</a:t>
+              <a:t>‹Nr.›</a:t>
             </a:fld>
             <a:endParaRPr lang="en-US" dirty="0"/>
           </a:p>
@@ -2856,7 +2861,7 @@
           <a:p>
             <a:fld id="{48A87A34-81AB-432B-8DAE-1953F412C126}" type="datetimeFigureOut">
               <a:rPr lang="en-US" dirty="0"/>
-              <a:t>3/13/2016</a:t>
+              <a:t>3/13/16</a:t>
             </a:fld>
             <a:endParaRPr lang="en-US" dirty="0"/>
           </a:p>
@@ -2898,7 +2903,7 @@
           <a:p>
             <a:fld id="{6D22F896-40B5-4ADD-8801-0D06FADFA095}" type="slidenum">
               <a:rPr lang="en-US" dirty="0"/>
-              <a:t>‹Nº›</a:t>
+              <a:t>‹Nr.›</a:t>
             </a:fld>
             <a:endParaRPr lang="en-US" dirty="0"/>
           </a:p>
@@ -3022,7 +3027,7 @@
             <a:fld id="{8E36636D-D922-432D-A958-524484B5923D}" type="datetimeFigureOut">
               <a:rPr lang="en-US" dirty="0"/>
               <a:pPr/>
-              <a:t>3/13/2016</a:t>
+              <a:t>3/13/16</a:t>
             </a:fld>
             <a:endParaRPr lang="en-US" dirty="0"/>
           </a:p>
@@ -3065,7 +3070,7 @@
             <a:fld id="{DF28FB93-0A08-4E7D-8E63-9EFA29F1E093}" type="slidenum">
               <a:rPr lang="en-US" dirty="0"/>
               <a:pPr/>
-              <a:t>‹Nº›</a:t>
+              <a:t>‹Nr.›</a:t>
             </a:fld>
             <a:endParaRPr lang="en-US" dirty="0"/>
           </a:p>
@@ -3203,7 +3208,7 @@
             <a:fld id="{8E36636D-D922-432D-A958-524484B5923D}" type="datetimeFigureOut">
               <a:rPr lang="en-US" dirty="0"/>
               <a:pPr/>
-              <a:t>3/13/2016</a:t>
+              <a:t>3/13/16</a:t>
             </a:fld>
             <a:endParaRPr lang="en-US" dirty="0"/>
           </a:p>
@@ -3246,7 +3251,7 @@
             <a:fld id="{DF28FB93-0A08-4E7D-8E63-9EFA29F1E093}" type="slidenum">
               <a:rPr lang="en-US" dirty="0"/>
               <a:pPr/>
-              <a:t>‹Nº›</a:t>
+              <a:t>‹Nr.›</a:t>
             </a:fld>
             <a:endParaRPr lang="en-US" dirty="0"/>
           </a:p>
@@ -3370,7 +3375,7 @@
             <a:fld id="{8E36636D-D922-432D-A958-524484B5923D}" type="datetimeFigureOut">
               <a:rPr lang="en-US" dirty="0"/>
               <a:pPr/>
-              <a:t>3/13/2016</a:t>
+              <a:t>3/13/16</a:t>
             </a:fld>
             <a:endParaRPr lang="en-US" dirty="0"/>
           </a:p>
@@ -3413,7 +3418,7 @@
             <a:fld id="{DF28FB93-0A08-4E7D-8E63-9EFA29F1E093}" type="slidenum">
               <a:rPr lang="en-US" dirty="0"/>
               <a:pPr/>
-              <a:t>‹Nº›</a:t>
+              <a:t>‹Nr.›</a:t>
             </a:fld>
             <a:endParaRPr lang="en-US" dirty="0"/>
           </a:p>
@@ -3611,7 +3616,7 @@
             <a:fld id="{8E36636D-D922-432D-A958-524484B5923D}" type="datetimeFigureOut">
               <a:rPr lang="en-US" dirty="0"/>
               <a:pPr/>
-              <a:t>3/13/2016</a:t>
+              <a:t>3/13/16</a:t>
             </a:fld>
             <a:endParaRPr lang="en-US" dirty="0"/>
           </a:p>
@@ -3654,7 +3659,7 @@
             <a:fld id="{DF28FB93-0A08-4E7D-8E63-9EFA29F1E093}" type="slidenum">
               <a:rPr lang="en-US" dirty="0"/>
               <a:pPr/>
-              <a:t>‹Nº›</a:t>
+              <a:t>‹Nr.›</a:t>
             </a:fld>
             <a:endParaRPr lang="en-US" dirty="0"/>
           </a:p>
@@ -3844,7 +3849,7 @@
             <a:fld id="{8E36636D-D922-432D-A958-524484B5923D}" type="datetimeFigureOut">
               <a:rPr lang="en-US" dirty="0"/>
               <a:pPr/>
-              <a:t>3/13/2016</a:t>
+              <a:t>3/13/16</a:t>
             </a:fld>
             <a:endParaRPr lang="en-US" dirty="0"/>
           </a:p>
@@ -3887,7 +3892,7 @@
             <a:fld id="{DF28FB93-0A08-4E7D-8E63-9EFA29F1E093}" type="slidenum">
               <a:rPr lang="en-US" dirty="0"/>
               <a:pPr/>
-              <a:t>‹Nº›</a:t>
+              <a:t>‹Nr.›</a:t>
             </a:fld>
             <a:endParaRPr lang="en-US" dirty="0"/>
           </a:p>
@@ -4307,7 +4312,7 @@
             <a:fld id="{8E36636D-D922-432D-A958-524484B5923D}" type="datetimeFigureOut">
               <a:rPr lang="en-US" dirty="0"/>
               <a:pPr/>
-              <a:t>3/13/2016</a:t>
+              <a:t>3/13/16</a:t>
             </a:fld>
             <a:endParaRPr lang="en-US" dirty="0"/>
           </a:p>
@@ -4350,7 +4355,7 @@
             <a:fld id="{DF28FB93-0A08-4E7D-8E63-9EFA29F1E093}" type="slidenum">
               <a:rPr lang="en-US" dirty="0"/>
               <a:pPr/>
-              <a:t>‹Nº›</a:t>
+              <a:t>‹Nr.›</a:t>
             </a:fld>
             <a:endParaRPr lang="en-US" dirty="0"/>
           </a:p>
@@ -4422,7 +4427,7 @@
             <a:fld id="{8E36636D-D922-432D-A958-524484B5923D}" type="datetimeFigureOut">
               <a:rPr lang="en-US" dirty="0"/>
               <a:pPr/>
-              <a:t>3/13/2016</a:t>
+              <a:t>3/13/16</a:t>
             </a:fld>
             <a:endParaRPr lang="en-US" dirty="0"/>
           </a:p>
@@ -4465,7 +4470,7 @@
             <a:fld id="{DF28FB93-0A08-4E7D-8E63-9EFA29F1E093}" type="slidenum">
               <a:rPr lang="en-US" dirty="0"/>
               <a:pPr/>
-              <a:t>‹Nº›</a:t>
+              <a:t>‹Nr.›</a:t>
             </a:fld>
             <a:endParaRPr lang="en-US" dirty="0"/>
           </a:p>
@@ -4514,7 +4519,7 @@
             <a:fld id="{8E36636D-D922-432D-A958-524484B5923D}" type="datetimeFigureOut">
               <a:rPr lang="en-US" dirty="0"/>
               <a:pPr/>
-              <a:t>3/13/2016</a:t>
+              <a:t>3/13/16</a:t>
             </a:fld>
             <a:endParaRPr lang="en-US" dirty="0"/>
           </a:p>
@@ -4557,7 +4562,7 @@
             <a:fld id="{DF28FB93-0A08-4E7D-8E63-9EFA29F1E093}" type="slidenum">
               <a:rPr lang="en-US" dirty="0"/>
               <a:pPr/>
-              <a:t>‹Nº›</a:t>
+              <a:t>‹Nr.›</a:t>
             </a:fld>
             <a:endParaRPr lang="en-US" dirty="0"/>
           </a:p>
@@ -4766,7 +4771,7 @@
             <a:fld id="{8E36636D-D922-432D-A958-524484B5923D}" type="datetimeFigureOut">
               <a:rPr lang="en-US" dirty="0"/>
               <a:pPr/>
-              <a:t>3/13/2016</a:t>
+              <a:t>3/13/16</a:t>
             </a:fld>
             <a:endParaRPr lang="en-US" dirty="0"/>
           </a:p>
@@ -4809,7 +4814,7 @@
             <a:fld id="{DF28FB93-0A08-4E7D-8E63-9EFA29F1E093}" type="slidenum">
               <a:rPr lang="en-US" dirty="0"/>
               <a:pPr/>
-              <a:t>‹Nº›</a:t>
+              <a:t>‹Nr.›</a:t>
             </a:fld>
             <a:endParaRPr lang="en-US" dirty="0"/>
           </a:p>
@@ -5063,7 +5068,7 @@
             <a:fld id="{8E36636D-D922-432D-A958-524484B5923D}" type="datetimeFigureOut">
               <a:rPr lang="en-US" dirty="0"/>
               <a:pPr/>
-              <a:t>3/13/2016</a:t>
+              <a:t>3/13/16</a:t>
             </a:fld>
             <a:endParaRPr lang="en-US" dirty="0"/>
           </a:p>
@@ -5106,7 +5111,7 @@
             <a:fld id="{DF28FB93-0A08-4E7D-8E63-9EFA29F1E093}" type="slidenum">
               <a:rPr lang="en-US" dirty="0"/>
               <a:pPr/>
-              <a:t>‹Nº›</a:t>
+              <a:t>‹Nr.›</a:t>
             </a:fld>
             <a:endParaRPr lang="en-US" dirty="0"/>
           </a:p>
@@ -5294,7 +5299,7 @@
             <a:fld id="{8E36636D-D922-432D-A958-524484B5923D}" type="datetimeFigureOut">
               <a:rPr lang="en-US" dirty="0"/>
               <a:pPr/>
-              <a:t>3/13/2016</a:t>
+              <a:t>3/13/16</a:t>
             </a:fld>
             <a:endParaRPr lang="en-US" dirty="0"/>
           </a:p>
@@ -5387,7 +5392,7 @@
             <a:fld id="{DF28FB93-0A08-4E7D-8E63-9EFA29F1E093}" type="slidenum">
               <a:rPr lang="en-US" dirty="0"/>
               <a:pPr/>
-              <a:t>‹Nº›</a:t>
+              <a:t>‹Nr.›</a:t>
             </a:fld>
             <a:endParaRPr lang="en-US" dirty="0"/>
           </a:p>
@@ -6159,15 +6164,624 @@
             <p:ph idx="1"/>
           </p:nvPr>
         </p:nvSpPr>
-        <p:spPr/>
-        <p:txBody>
-          <a:bodyPr/>
+        <p:spPr>
+          <a:xfrm>
+            <a:off x="913795" y="3749147"/>
+            <a:ext cx="5769527" cy="2371241"/>
+          </a:xfrm>
+        </p:spPr>
+        <p:txBody>
+          <a:bodyPr>
+            <a:normAutofit fontScale="92500" lnSpcReduction="10000"/>
+          </a:bodyPr>
           <a:lstStyle/>
           <a:p>
-            <a:endParaRPr lang="es-ES"/>
-          </a:p>
-        </p:txBody>
-      </p:sp>
+            <a:pPr marL="36900" indent="0">
+              <a:buNone/>
+            </a:pPr>
+            <a:r>
+              <a:rPr lang="es-ES_tradnl" sz="2400" b="1" dirty="0">
+                <a:effectLst/>
+              </a:rPr>
+              <a:t>Motores gráficos en videojuegos: </a:t>
+            </a:r>
+            <a:r>
+              <a:rPr lang="es-ES_tradnl" sz="2400" b="1" dirty="0" err="1">
+                <a:effectLst/>
+              </a:rPr>
+              <a:t>game</a:t>
+            </a:r>
+            <a:r>
+              <a:rPr lang="es-ES_tradnl" sz="2400" b="1" dirty="0">
+                <a:effectLst/>
+              </a:rPr>
+              <a:t> </a:t>
+            </a:r>
+            <a:r>
+              <a:rPr lang="es-ES_tradnl" sz="2400" b="1" dirty="0" err="1" smtClean="0">
+                <a:effectLst/>
+              </a:rPr>
+              <a:t>engine</a:t>
+            </a:r>
+            <a:endParaRPr lang="es-ES_tradnl" sz="2400" b="1" dirty="0" smtClean="0">
+              <a:effectLst/>
+            </a:endParaRPr>
+          </a:p>
+          <a:p>
+            <a:r>
+              <a:rPr lang="es-ES_tradnl" b="1" dirty="0" smtClean="0">
+                <a:effectLst/>
+              </a:rPr>
+              <a:t>Conceptos</a:t>
+            </a:r>
+          </a:p>
+          <a:p>
+            <a:r>
+              <a:rPr lang="es-ES_tradnl" b="1" dirty="0" smtClean="0">
+                <a:effectLst/>
+              </a:rPr>
+              <a:t>Utilidades</a:t>
+            </a:r>
+          </a:p>
+          <a:p>
+            <a:r>
+              <a:rPr lang="es-ES_tradnl" b="1" dirty="0" err="1" smtClean="0">
+                <a:effectLst/>
+              </a:rPr>
+              <a:t>Creaci</a:t>
+            </a:r>
+            <a:r>
+              <a:rPr lang="es-ES" b="1" dirty="0" err="1" smtClean="0">
+                <a:effectLst/>
+              </a:rPr>
+              <a:t>ón</a:t>
+            </a:r>
+            <a:r>
+              <a:rPr lang="es-ES" b="1" dirty="0" smtClean="0">
+                <a:effectLst/>
+              </a:rPr>
+              <a:t> de un motor de videojuegos</a:t>
+            </a:r>
+          </a:p>
+          <a:p>
+            <a:r>
+              <a:rPr lang="es-ES" b="1" dirty="0" smtClean="0">
+                <a:effectLst/>
+              </a:rPr>
+              <a:t>Diseño y creación de un videojuego</a:t>
+            </a:r>
+            <a:endParaRPr lang="es-ES_tradnl" b="1" dirty="0" smtClean="0">
+              <a:effectLst/>
+            </a:endParaRPr>
+          </a:p>
+        </p:txBody>
+      </p:sp>
+      <p:sp>
+        <p:nvSpPr>
+          <p:cNvPr id="5" name="Marcador de contenido 2"/>
+          <p:cNvSpPr txBox="1">
+            <a:spLocks/>
+          </p:cNvSpPr>
+          <p:nvPr/>
+        </p:nvSpPr>
+        <p:spPr>
+          <a:xfrm>
+            <a:off x="6369805" y="1362110"/>
+            <a:ext cx="5238716" cy="2901544"/>
+          </a:xfrm>
+          <a:prstGeom prst="rect">
+            <a:avLst/>
+          </a:prstGeom>
+          <a:effectLst>
+            <a:outerShdw blurRad="25400" dir="17880000">
+              <a:srgbClr val="000000">
+                <a:alpha val="46000"/>
+              </a:srgbClr>
+            </a:outerShdw>
+          </a:effectLst>
+        </p:spPr>
+        <p:txBody>
+          <a:bodyPr vert="horz" lIns="91440" tIns="45720" rIns="91440" bIns="45720" rtlCol="0" anchor="t">
+            <a:normAutofit/>
+          </a:bodyPr>
+          <a:lstStyle>
+            <a:lvl1pPr marL="342900" indent="-306000" algn="l" defTabSz="457200" rtl="0" eaLnBrk="1" latinLnBrk="0" hangingPunct="1">
+              <a:spcBef>
+                <a:spcPct val="20000"/>
+              </a:spcBef>
+              <a:spcAft>
+                <a:spcPts val="600"/>
+              </a:spcAft>
+              <a:buClr>
+                <a:schemeClr val="tx2"/>
+              </a:buClr>
+              <a:buSzPct val="70000"/>
+              <a:buFont typeface="Wingdings 2" charset="2"/>
+              <a:buChar char=""/>
+              <a:defRPr sz="2000" kern="1200">
+                <a:ln>
+                  <a:solidFill>
+                    <a:schemeClr val="bg1">
+                      <a:lumMod val="75000"/>
+                      <a:lumOff val="25000"/>
+                      <a:alpha val="10000"/>
+                    </a:schemeClr>
+                  </a:solidFill>
+                </a:ln>
+                <a:solidFill>
+                  <a:schemeClr val="tx2"/>
+                </a:solidFill>
+                <a:effectLst>
+                  <a:outerShdw blurRad="9525" dist="25400" dir="14640000" algn="tl" rotWithShape="0">
+                    <a:schemeClr val="bg1">
+                      <a:alpha val="30000"/>
+                    </a:schemeClr>
+                  </a:outerShdw>
+                </a:effectLst>
+                <a:latin typeface="+mn-lt"/>
+                <a:ea typeface="+mn-ea"/>
+                <a:cs typeface="+mn-cs"/>
+              </a:defRPr>
+            </a:lvl1pPr>
+            <a:lvl2pPr marL="720000" indent="-270000" algn="l" defTabSz="457200" rtl="0" eaLnBrk="1" latinLnBrk="0" hangingPunct="1">
+              <a:spcBef>
+                <a:spcPct val="20000"/>
+              </a:spcBef>
+              <a:spcAft>
+                <a:spcPts val="600"/>
+              </a:spcAft>
+              <a:buClr>
+                <a:schemeClr val="tx2"/>
+              </a:buClr>
+              <a:buSzPct val="70000"/>
+              <a:buFont typeface="Wingdings 2" charset="2"/>
+              <a:buChar char=""/>
+              <a:defRPr sz="1800" kern="1200">
+                <a:ln>
+                  <a:solidFill>
+                    <a:schemeClr val="bg1">
+                      <a:lumMod val="75000"/>
+                      <a:lumOff val="25000"/>
+                      <a:alpha val="10000"/>
+                    </a:schemeClr>
+                  </a:solidFill>
+                </a:ln>
+                <a:solidFill>
+                  <a:schemeClr val="tx2"/>
+                </a:solidFill>
+                <a:effectLst>
+                  <a:outerShdw blurRad="9525" dist="25400" dir="14640000" algn="tl" rotWithShape="0">
+                    <a:schemeClr val="bg1">
+                      <a:alpha val="30000"/>
+                    </a:schemeClr>
+                  </a:outerShdw>
+                </a:effectLst>
+                <a:latin typeface="+mn-lt"/>
+                <a:ea typeface="+mn-ea"/>
+                <a:cs typeface="+mn-cs"/>
+              </a:defRPr>
+            </a:lvl2pPr>
+            <a:lvl3pPr marL="1026000" indent="-216000" algn="l" defTabSz="457200" rtl="0" eaLnBrk="1" latinLnBrk="0" hangingPunct="1">
+              <a:spcBef>
+                <a:spcPct val="20000"/>
+              </a:spcBef>
+              <a:spcAft>
+                <a:spcPts val="600"/>
+              </a:spcAft>
+              <a:buClr>
+                <a:schemeClr val="tx2"/>
+              </a:buClr>
+              <a:buSzPct val="70000"/>
+              <a:buFont typeface="Wingdings 2" charset="2"/>
+              <a:buChar char=""/>
+              <a:defRPr sz="1600" kern="1200">
+                <a:ln>
+                  <a:solidFill>
+                    <a:schemeClr val="bg1">
+                      <a:lumMod val="75000"/>
+                      <a:lumOff val="25000"/>
+                      <a:alpha val="10000"/>
+                    </a:schemeClr>
+                  </a:solidFill>
+                </a:ln>
+                <a:solidFill>
+                  <a:schemeClr val="tx2"/>
+                </a:solidFill>
+                <a:effectLst>
+                  <a:outerShdw blurRad="9525" dist="25400" dir="14640000" algn="tl" rotWithShape="0">
+                    <a:schemeClr val="bg1">
+                      <a:alpha val="30000"/>
+                    </a:schemeClr>
+                  </a:outerShdw>
+                </a:effectLst>
+                <a:latin typeface="+mn-lt"/>
+                <a:ea typeface="+mn-ea"/>
+                <a:cs typeface="+mn-cs"/>
+              </a:defRPr>
+            </a:lvl3pPr>
+            <a:lvl4pPr marL="1386000" indent="-216000" algn="l" defTabSz="457200" rtl="0" eaLnBrk="1" latinLnBrk="0" hangingPunct="1">
+              <a:spcBef>
+                <a:spcPct val="20000"/>
+              </a:spcBef>
+              <a:spcAft>
+                <a:spcPts val="600"/>
+              </a:spcAft>
+              <a:buClr>
+                <a:schemeClr val="tx2"/>
+              </a:buClr>
+              <a:buSzPct val="70000"/>
+              <a:buFont typeface="Wingdings 2" charset="2"/>
+              <a:buChar char=""/>
+              <a:defRPr sz="1400" kern="1200">
+                <a:ln>
+                  <a:solidFill>
+                    <a:schemeClr val="bg1">
+                      <a:lumMod val="75000"/>
+                      <a:lumOff val="25000"/>
+                      <a:alpha val="10000"/>
+                    </a:schemeClr>
+                  </a:solidFill>
+                </a:ln>
+                <a:solidFill>
+                  <a:schemeClr val="tx2"/>
+                </a:solidFill>
+                <a:effectLst>
+                  <a:outerShdw blurRad="9525" dist="25400" dir="14640000" algn="tl" rotWithShape="0">
+                    <a:schemeClr val="bg1">
+                      <a:alpha val="30000"/>
+                    </a:schemeClr>
+                  </a:outerShdw>
+                </a:effectLst>
+                <a:latin typeface="+mn-lt"/>
+                <a:ea typeface="+mn-ea"/>
+                <a:cs typeface="+mn-cs"/>
+              </a:defRPr>
+            </a:lvl4pPr>
+            <a:lvl5pPr marL="1674000" indent="-216000" algn="l" defTabSz="457200" rtl="0" eaLnBrk="1" latinLnBrk="0" hangingPunct="1">
+              <a:spcBef>
+                <a:spcPct val="20000"/>
+              </a:spcBef>
+              <a:spcAft>
+                <a:spcPts val="600"/>
+              </a:spcAft>
+              <a:buClr>
+                <a:schemeClr val="tx2"/>
+              </a:buClr>
+              <a:buSzPct val="70000"/>
+              <a:buFont typeface="Wingdings 2" charset="2"/>
+              <a:buChar char=""/>
+              <a:defRPr sz="1400" kern="1200">
+                <a:ln>
+                  <a:solidFill>
+                    <a:schemeClr val="bg1">
+                      <a:lumMod val="75000"/>
+                      <a:lumOff val="25000"/>
+                      <a:alpha val="10000"/>
+                    </a:schemeClr>
+                  </a:solidFill>
+                </a:ln>
+                <a:solidFill>
+                  <a:schemeClr val="tx2"/>
+                </a:solidFill>
+                <a:effectLst>
+                  <a:outerShdw blurRad="9525" dist="25400" dir="14640000" algn="tl" rotWithShape="0">
+                    <a:schemeClr val="bg1">
+                      <a:alpha val="30000"/>
+                    </a:schemeClr>
+                  </a:outerShdw>
+                </a:effectLst>
+                <a:latin typeface="+mn-lt"/>
+                <a:ea typeface="+mn-ea"/>
+                <a:cs typeface="+mn-cs"/>
+              </a:defRPr>
+            </a:lvl5pPr>
+            <a:lvl6pPr marL="2014600" indent="-228600" algn="l" defTabSz="457200" rtl="0" eaLnBrk="1" latinLnBrk="0" hangingPunct="1">
+              <a:spcBef>
+                <a:spcPct val="20000"/>
+              </a:spcBef>
+              <a:spcAft>
+                <a:spcPts val="600"/>
+              </a:spcAft>
+              <a:buClr>
+                <a:schemeClr val="tx2"/>
+              </a:buClr>
+              <a:buSzPct val="70000"/>
+              <a:buFont typeface="Wingdings 2" charset="2"/>
+              <a:buChar char=""/>
+              <a:defRPr sz="1400" kern="1200">
+                <a:ln>
+                  <a:solidFill>
+                    <a:schemeClr val="bg1">
+                      <a:lumMod val="75000"/>
+                      <a:lumOff val="25000"/>
+                      <a:alpha val="10000"/>
+                    </a:schemeClr>
+                  </a:solidFill>
+                </a:ln>
+                <a:solidFill>
+                  <a:schemeClr val="tx2"/>
+                </a:solidFill>
+                <a:effectLst>
+                  <a:outerShdw blurRad="9525" dist="25400" dir="14640000" algn="tl" rotWithShape="0">
+                    <a:schemeClr val="bg1">
+                      <a:alpha val="30000"/>
+                    </a:schemeClr>
+                  </a:outerShdw>
+                </a:effectLst>
+                <a:latin typeface="+mn-lt"/>
+                <a:ea typeface="+mn-ea"/>
+                <a:cs typeface="+mn-cs"/>
+              </a:defRPr>
+            </a:lvl6pPr>
+            <a:lvl7pPr marL="2401800" indent="-228600" algn="l" defTabSz="457200" rtl="0" eaLnBrk="1" latinLnBrk="0" hangingPunct="1">
+              <a:spcBef>
+                <a:spcPct val="20000"/>
+              </a:spcBef>
+              <a:spcAft>
+                <a:spcPts val="600"/>
+              </a:spcAft>
+              <a:buClr>
+                <a:schemeClr val="tx2"/>
+              </a:buClr>
+              <a:buSzPct val="70000"/>
+              <a:buFont typeface="Wingdings 2" charset="2"/>
+              <a:buChar char=""/>
+              <a:defRPr sz="1400" kern="1200">
+                <a:ln>
+                  <a:solidFill>
+                    <a:schemeClr val="bg1">
+                      <a:lumMod val="75000"/>
+                      <a:lumOff val="25000"/>
+                      <a:alpha val="10000"/>
+                    </a:schemeClr>
+                  </a:solidFill>
+                </a:ln>
+                <a:solidFill>
+                  <a:schemeClr val="tx2"/>
+                </a:solidFill>
+                <a:effectLst>
+                  <a:outerShdw blurRad="9525" dist="25400" dir="14640000" algn="tl" rotWithShape="0">
+                    <a:schemeClr val="bg1">
+                      <a:alpha val="30000"/>
+                    </a:schemeClr>
+                  </a:outerShdw>
+                </a:effectLst>
+                <a:latin typeface="+mn-lt"/>
+                <a:ea typeface="+mn-ea"/>
+                <a:cs typeface="+mn-cs"/>
+              </a:defRPr>
+            </a:lvl7pPr>
+            <a:lvl8pPr marL="2789000" indent="-228600" algn="l" defTabSz="457200" rtl="0" eaLnBrk="1" latinLnBrk="0" hangingPunct="1">
+              <a:spcBef>
+                <a:spcPct val="20000"/>
+              </a:spcBef>
+              <a:spcAft>
+                <a:spcPts val="600"/>
+              </a:spcAft>
+              <a:buClr>
+                <a:schemeClr val="tx2"/>
+              </a:buClr>
+              <a:buSzPct val="70000"/>
+              <a:buFont typeface="Wingdings 2" charset="2"/>
+              <a:buChar char=""/>
+              <a:defRPr sz="1400" kern="1200">
+                <a:ln>
+                  <a:solidFill>
+                    <a:schemeClr val="bg1">
+                      <a:lumMod val="75000"/>
+                      <a:lumOff val="25000"/>
+                      <a:alpha val="10000"/>
+                    </a:schemeClr>
+                  </a:solidFill>
+                </a:ln>
+                <a:solidFill>
+                  <a:schemeClr val="tx2"/>
+                </a:solidFill>
+                <a:effectLst>
+                  <a:outerShdw blurRad="9525" dist="25400" dir="14640000" algn="tl" rotWithShape="0">
+                    <a:schemeClr val="bg1">
+                      <a:alpha val="30000"/>
+                    </a:schemeClr>
+                  </a:outerShdw>
+                </a:effectLst>
+                <a:latin typeface="+mn-lt"/>
+                <a:ea typeface="+mn-ea"/>
+                <a:cs typeface="+mn-cs"/>
+              </a:defRPr>
+            </a:lvl8pPr>
+            <a:lvl9pPr marL="3106200" indent="-228600" algn="l" defTabSz="457200" rtl="0" eaLnBrk="1" latinLnBrk="0" hangingPunct="1">
+              <a:spcBef>
+                <a:spcPct val="20000"/>
+              </a:spcBef>
+              <a:spcAft>
+                <a:spcPts val="600"/>
+              </a:spcAft>
+              <a:buClr>
+                <a:schemeClr val="tx2"/>
+              </a:buClr>
+              <a:buSzPct val="70000"/>
+              <a:buFont typeface="Wingdings 2" charset="2"/>
+              <a:buChar char=""/>
+              <a:defRPr sz="1400" kern="1200">
+                <a:ln>
+                  <a:solidFill>
+                    <a:schemeClr val="bg1">
+                      <a:lumMod val="75000"/>
+                      <a:lumOff val="25000"/>
+                      <a:alpha val="10000"/>
+                    </a:schemeClr>
+                  </a:solidFill>
+                </a:ln>
+                <a:solidFill>
+                  <a:schemeClr val="tx2"/>
+                </a:solidFill>
+                <a:effectLst>
+                  <a:outerShdw blurRad="9525" dist="25400" dir="14640000" algn="tl" rotWithShape="0">
+                    <a:schemeClr val="bg1">
+                      <a:alpha val="30000"/>
+                    </a:schemeClr>
+                  </a:outerShdw>
+                </a:effectLst>
+                <a:latin typeface="+mn-lt"/>
+                <a:ea typeface="+mn-ea"/>
+                <a:cs typeface="+mn-cs"/>
+              </a:defRPr>
+            </a:lvl9pPr>
+          </a:lstStyle>
+          <a:p>
+            <a:pPr marL="36900" indent="0">
+              <a:buNone/>
+            </a:pPr>
+            <a:r>
+              <a:rPr lang="es-ES" sz="2400" b="1" dirty="0" err="1" smtClean="0">
+                <a:effectLst/>
+              </a:rPr>
+              <a:t>Game</a:t>
+            </a:r>
+            <a:r>
+              <a:rPr lang="es-ES" sz="2400" b="1" dirty="0" smtClean="0">
+                <a:effectLst/>
+              </a:rPr>
+              <a:t> </a:t>
+            </a:r>
+            <a:r>
+              <a:rPr lang="es-ES" sz="2400" b="1" dirty="0" err="1" smtClean="0">
+                <a:effectLst/>
+              </a:rPr>
+              <a:t>Engine</a:t>
+            </a:r>
+            <a:r>
+              <a:rPr lang="es-ES" sz="2400" b="1" dirty="0" smtClean="0">
+                <a:effectLst/>
+              </a:rPr>
+              <a:t> </a:t>
+            </a:r>
+            <a:r>
+              <a:rPr lang="es-ES" sz="2400" b="1" dirty="0" err="1" smtClean="0">
+                <a:effectLst/>
+              </a:rPr>
+              <a:t>Programming</a:t>
+            </a:r>
+            <a:r>
+              <a:rPr lang="es-ES_tradnl" sz="2400" b="1" dirty="0" smtClean="0">
+                <a:effectLst/>
+              </a:rPr>
+              <a:t> </a:t>
+            </a:r>
+          </a:p>
+          <a:p>
+            <a:r>
+              <a:rPr lang="es-ES_tradnl" b="1" dirty="0" smtClean="0">
+                <a:effectLst/>
+              </a:rPr>
+              <a:t>Conceptos b</a:t>
+            </a:r>
+            <a:r>
+              <a:rPr lang="es-ES" b="1" dirty="0" err="1" smtClean="0">
+                <a:effectLst/>
+              </a:rPr>
+              <a:t>ásicos</a:t>
+            </a:r>
+            <a:r>
+              <a:rPr lang="es-ES" b="1" dirty="0" smtClean="0">
+                <a:effectLst/>
+              </a:rPr>
+              <a:t> de C++</a:t>
+            </a:r>
+          </a:p>
+          <a:p>
+            <a:r>
+              <a:rPr lang="es-ES" b="1" dirty="0" smtClean="0">
+                <a:effectLst/>
+              </a:rPr>
+              <a:t>Técnicas de programación utilizadas en motores de videojuegos.</a:t>
+            </a:r>
+          </a:p>
+          <a:p>
+            <a:r>
+              <a:rPr lang="es-ES" b="1" dirty="0" smtClean="0">
+                <a:effectLst/>
+              </a:rPr>
+              <a:t>Estructura y arquitectura de motores de videojuegos</a:t>
+            </a:r>
+            <a:endParaRPr lang="es-ES_tradnl" dirty="0" smtClean="0">
+              <a:effectLst/>
+            </a:endParaRPr>
+          </a:p>
+        </p:txBody>
+      </p:sp>
+      <p:pic>
+        <p:nvPicPr>
+          <p:cNvPr id="6" name="Imagen 5"/>
+          <p:cNvPicPr>
+            <a:picLocks noChangeAspect="1"/>
+          </p:cNvPicPr>
+          <p:nvPr/>
+        </p:nvPicPr>
+        <p:blipFill>
+          <a:blip r:embed="rId2"/>
+          <a:stretch>
+            <a:fillRect/>
+          </a:stretch>
+        </p:blipFill>
+        <p:spPr>
+          <a:xfrm>
+            <a:off x="8077077" y="4122257"/>
+            <a:ext cx="1824172" cy="1810709"/>
+          </a:xfrm>
+          <a:prstGeom prst="rect">
+            <a:avLst/>
+          </a:prstGeom>
+        </p:spPr>
+      </p:pic>
+      <p:pic>
+        <p:nvPicPr>
+          <p:cNvPr id="7" name="Imagen 6"/>
+          <p:cNvPicPr>
+            <a:picLocks noChangeAspect="1"/>
+          </p:cNvPicPr>
+          <p:nvPr/>
+        </p:nvPicPr>
+        <p:blipFill>
+          <a:blip r:embed="rId3"/>
+          <a:stretch>
+            <a:fillRect/>
+          </a:stretch>
+        </p:blipFill>
+        <p:spPr>
+          <a:xfrm>
+            <a:off x="7438338" y="5932966"/>
+            <a:ext cx="3101650" cy="374844"/>
+          </a:xfrm>
+          <a:prstGeom prst="rect">
+            <a:avLst/>
+          </a:prstGeom>
+        </p:spPr>
+      </p:pic>
+      <p:pic>
+        <p:nvPicPr>
+          <p:cNvPr id="8" name="Imagen 7"/>
+          <p:cNvPicPr>
+            <a:picLocks noChangeAspect="1"/>
+          </p:cNvPicPr>
+          <p:nvPr/>
+        </p:nvPicPr>
+        <p:blipFill>
+          <a:blip r:embed="rId4"/>
+          <a:stretch>
+            <a:fillRect/>
+          </a:stretch>
+        </p:blipFill>
+        <p:spPr>
+          <a:xfrm>
+            <a:off x="1700428" y="1820834"/>
+            <a:ext cx="2794291" cy="1469590"/>
+          </a:xfrm>
+          <a:prstGeom prst="rect">
+            <a:avLst/>
+          </a:prstGeom>
+        </p:spPr>
+      </p:pic>
     </p:spTree>
     <p:extLst>
       <p:ext uri="{BB962C8B-B14F-4D97-AF65-F5344CB8AC3E}">
@@ -6249,15 +6863,550 @@
             <p:ph idx="1"/>
           </p:nvPr>
         </p:nvSpPr>
-        <p:spPr/>
+        <p:spPr>
+          <a:xfrm>
+            <a:off x="913795" y="1617525"/>
+            <a:ext cx="5231824" cy="2849527"/>
+          </a:xfrm>
+        </p:spPr>
         <p:txBody>
           <a:bodyPr/>
           <a:lstStyle/>
           <a:p>
-            <a:endParaRPr lang="es-ES"/>
-          </a:p>
-        </p:txBody>
-      </p:sp>
+            <a:pPr marL="36900" indent="0">
+              <a:buNone/>
+            </a:pPr>
+            <a:r>
+              <a:rPr lang="es-ES" sz="2400" dirty="0">
+                <a:effectLst/>
+              </a:rPr>
+              <a:t>Desarrollo de </a:t>
+            </a:r>
+            <a:r>
+              <a:rPr lang="es-ES" sz="2400" dirty="0" smtClean="0">
+                <a:effectLst/>
+              </a:rPr>
+              <a:t>videojuegos </a:t>
+            </a:r>
+            <a:r>
+              <a:rPr lang="es-ES" sz="2400" dirty="0">
+                <a:effectLst/>
+              </a:rPr>
+              <a:t>en </a:t>
+            </a:r>
+            <a:r>
+              <a:rPr lang="es-ES" sz="2400" dirty="0" err="1">
+                <a:effectLst/>
+              </a:rPr>
+              <a:t>Unity</a:t>
+            </a:r>
+            <a:r>
+              <a:rPr lang="es-ES" sz="2400" dirty="0">
+                <a:effectLst/>
+              </a:rPr>
+              <a:t>: una introducción</a:t>
+            </a:r>
+            <a:r>
+              <a:rPr lang="es-ES" sz="2400" dirty="0" smtClean="0">
+                <a:effectLst/>
+              </a:rPr>
+              <a:t>.</a:t>
+            </a:r>
+          </a:p>
+          <a:p>
+            <a:pPr algn="ctr"/>
+            <a:r>
+              <a:rPr lang="es-ES" dirty="0" smtClean="0">
+                <a:effectLst/>
+              </a:rPr>
+              <a:t>Videojuegos en 2D</a:t>
+            </a:r>
+          </a:p>
+          <a:p>
+            <a:pPr algn="ctr"/>
+            <a:r>
+              <a:rPr lang="es-ES" dirty="0" smtClean="0"/>
+              <a:t>Conceptos necesarios</a:t>
+            </a:r>
+          </a:p>
+          <a:p>
+            <a:pPr algn="ctr"/>
+            <a:r>
+              <a:rPr lang="es-ES" dirty="0" smtClean="0"/>
+              <a:t>Programación</a:t>
+            </a:r>
+          </a:p>
+          <a:p>
+            <a:pPr algn="ctr"/>
+            <a:r>
+              <a:rPr lang="es-ES" dirty="0" smtClean="0"/>
+              <a:t>Diseño</a:t>
+            </a:r>
+            <a:endParaRPr lang="es-ES" dirty="0"/>
+          </a:p>
+        </p:txBody>
+      </p:sp>
+      <p:sp>
+        <p:nvSpPr>
+          <p:cNvPr id="4" name="Marcador de contenido 2"/>
+          <p:cNvSpPr txBox="1">
+            <a:spLocks/>
+          </p:cNvSpPr>
+          <p:nvPr/>
+        </p:nvSpPr>
+        <p:spPr>
+          <a:xfrm>
+            <a:off x="6358271" y="1617525"/>
+            <a:ext cx="5309370" cy="2818287"/>
+          </a:xfrm>
+          <a:prstGeom prst="rect">
+            <a:avLst/>
+          </a:prstGeom>
+          <a:effectLst>
+            <a:outerShdw blurRad="25400" dir="17880000">
+              <a:srgbClr val="000000">
+                <a:alpha val="46000"/>
+              </a:srgbClr>
+            </a:outerShdw>
+          </a:effectLst>
+        </p:spPr>
+        <p:txBody>
+          <a:bodyPr vert="horz" lIns="91440" tIns="45720" rIns="91440" bIns="45720" rtlCol="0" anchor="t">
+            <a:normAutofit/>
+          </a:bodyPr>
+          <a:lstStyle>
+            <a:lvl1pPr marL="342900" indent="-306000" algn="l" defTabSz="457200" rtl="0" eaLnBrk="1" latinLnBrk="0" hangingPunct="1">
+              <a:spcBef>
+                <a:spcPct val="20000"/>
+              </a:spcBef>
+              <a:spcAft>
+                <a:spcPts val="600"/>
+              </a:spcAft>
+              <a:buClr>
+                <a:schemeClr val="tx2"/>
+              </a:buClr>
+              <a:buSzPct val="70000"/>
+              <a:buFont typeface="Wingdings 2" charset="2"/>
+              <a:buChar char=""/>
+              <a:defRPr sz="2000" kern="1200">
+                <a:ln>
+                  <a:solidFill>
+                    <a:schemeClr val="bg1">
+                      <a:lumMod val="75000"/>
+                      <a:lumOff val="25000"/>
+                      <a:alpha val="10000"/>
+                    </a:schemeClr>
+                  </a:solidFill>
+                </a:ln>
+                <a:solidFill>
+                  <a:schemeClr val="tx2"/>
+                </a:solidFill>
+                <a:effectLst>
+                  <a:outerShdw blurRad="9525" dist="25400" dir="14640000" algn="tl" rotWithShape="0">
+                    <a:schemeClr val="bg1">
+                      <a:alpha val="30000"/>
+                    </a:schemeClr>
+                  </a:outerShdw>
+                </a:effectLst>
+                <a:latin typeface="+mn-lt"/>
+                <a:ea typeface="+mn-ea"/>
+                <a:cs typeface="+mn-cs"/>
+              </a:defRPr>
+            </a:lvl1pPr>
+            <a:lvl2pPr marL="720000" indent="-270000" algn="l" defTabSz="457200" rtl="0" eaLnBrk="1" latinLnBrk="0" hangingPunct="1">
+              <a:spcBef>
+                <a:spcPct val="20000"/>
+              </a:spcBef>
+              <a:spcAft>
+                <a:spcPts val="600"/>
+              </a:spcAft>
+              <a:buClr>
+                <a:schemeClr val="tx2"/>
+              </a:buClr>
+              <a:buSzPct val="70000"/>
+              <a:buFont typeface="Wingdings 2" charset="2"/>
+              <a:buChar char=""/>
+              <a:defRPr sz="1800" kern="1200">
+                <a:ln>
+                  <a:solidFill>
+                    <a:schemeClr val="bg1">
+                      <a:lumMod val="75000"/>
+                      <a:lumOff val="25000"/>
+                      <a:alpha val="10000"/>
+                    </a:schemeClr>
+                  </a:solidFill>
+                </a:ln>
+                <a:solidFill>
+                  <a:schemeClr val="tx2"/>
+                </a:solidFill>
+                <a:effectLst>
+                  <a:outerShdw blurRad="9525" dist="25400" dir="14640000" algn="tl" rotWithShape="0">
+                    <a:schemeClr val="bg1">
+                      <a:alpha val="30000"/>
+                    </a:schemeClr>
+                  </a:outerShdw>
+                </a:effectLst>
+                <a:latin typeface="+mn-lt"/>
+                <a:ea typeface="+mn-ea"/>
+                <a:cs typeface="+mn-cs"/>
+              </a:defRPr>
+            </a:lvl2pPr>
+            <a:lvl3pPr marL="1026000" indent="-216000" algn="l" defTabSz="457200" rtl="0" eaLnBrk="1" latinLnBrk="0" hangingPunct="1">
+              <a:spcBef>
+                <a:spcPct val="20000"/>
+              </a:spcBef>
+              <a:spcAft>
+                <a:spcPts val="600"/>
+              </a:spcAft>
+              <a:buClr>
+                <a:schemeClr val="tx2"/>
+              </a:buClr>
+              <a:buSzPct val="70000"/>
+              <a:buFont typeface="Wingdings 2" charset="2"/>
+              <a:buChar char=""/>
+              <a:defRPr sz="1600" kern="1200">
+                <a:ln>
+                  <a:solidFill>
+                    <a:schemeClr val="bg1">
+                      <a:lumMod val="75000"/>
+                      <a:lumOff val="25000"/>
+                      <a:alpha val="10000"/>
+                    </a:schemeClr>
+                  </a:solidFill>
+                </a:ln>
+                <a:solidFill>
+                  <a:schemeClr val="tx2"/>
+                </a:solidFill>
+                <a:effectLst>
+                  <a:outerShdw blurRad="9525" dist="25400" dir="14640000" algn="tl" rotWithShape="0">
+                    <a:schemeClr val="bg1">
+                      <a:alpha val="30000"/>
+                    </a:schemeClr>
+                  </a:outerShdw>
+                </a:effectLst>
+                <a:latin typeface="+mn-lt"/>
+                <a:ea typeface="+mn-ea"/>
+                <a:cs typeface="+mn-cs"/>
+              </a:defRPr>
+            </a:lvl3pPr>
+            <a:lvl4pPr marL="1386000" indent="-216000" algn="l" defTabSz="457200" rtl="0" eaLnBrk="1" latinLnBrk="0" hangingPunct="1">
+              <a:spcBef>
+                <a:spcPct val="20000"/>
+              </a:spcBef>
+              <a:spcAft>
+                <a:spcPts val="600"/>
+              </a:spcAft>
+              <a:buClr>
+                <a:schemeClr val="tx2"/>
+              </a:buClr>
+              <a:buSzPct val="70000"/>
+              <a:buFont typeface="Wingdings 2" charset="2"/>
+              <a:buChar char=""/>
+              <a:defRPr sz="1400" kern="1200">
+                <a:ln>
+                  <a:solidFill>
+                    <a:schemeClr val="bg1">
+                      <a:lumMod val="75000"/>
+                      <a:lumOff val="25000"/>
+                      <a:alpha val="10000"/>
+                    </a:schemeClr>
+                  </a:solidFill>
+                </a:ln>
+                <a:solidFill>
+                  <a:schemeClr val="tx2"/>
+                </a:solidFill>
+                <a:effectLst>
+                  <a:outerShdw blurRad="9525" dist="25400" dir="14640000" algn="tl" rotWithShape="0">
+                    <a:schemeClr val="bg1">
+                      <a:alpha val="30000"/>
+                    </a:schemeClr>
+                  </a:outerShdw>
+                </a:effectLst>
+                <a:latin typeface="+mn-lt"/>
+                <a:ea typeface="+mn-ea"/>
+                <a:cs typeface="+mn-cs"/>
+              </a:defRPr>
+            </a:lvl4pPr>
+            <a:lvl5pPr marL="1674000" indent="-216000" algn="l" defTabSz="457200" rtl="0" eaLnBrk="1" latinLnBrk="0" hangingPunct="1">
+              <a:spcBef>
+                <a:spcPct val="20000"/>
+              </a:spcBef>
+              <a:spcAft>
+                <a:spcPts val="600"/>
+              </a:spcAft>
+              <a:buClr>
+                <a:schemeClr val="tx2"/>
+              </a:buClr>
+              <a:buSzPct val="70000"/>
+              <a:buFont typeface="Wingdings 2" charset="2"/>
+              <a:buChar char=""/>
+              <a:defRPr sz="1400" kern="1200">
+                <a:ln>
+                  <a:solidFill>
+                    <a:schemeClr val="bg1">
+                      <a:lumMod val="75000"/>
+                      <a:lumOff val="25000"/>
+                      <a:alpha val="10000"/>
+                    </a:schemeClr>
+                  </a:solidFill>
+                </a:ln>
+                <a:solidFill>
+                  <a:schemeClr val="tx2"/>
+                </a:solidFill>
+                <a:effectLst>
+                  <a:outerShdw blurRad="9525" dist="25400" dir="14640000" algn="tl" rotWithShape="0">
+                    <a:schemeClr val="bg1">
+                      <a:alpha val="30000"/>
+                    </a:schemeClr>
+                  </a:outerShdw>
+                </a:effectLst>
+                <a:latin typeface="+mn-lt"/>
+                <a:ea typeface="+mn-ea"/>
+                <a:cs typeface="+mn-cs"/>
+              </a:defRPr>
+            </a:lvl5pPr>
+            <a:lvl6pPr marL="2014600" indent="-228600" algn="l" defTabSz="457200" rtl="0" eaLnBrk="1" latinLnBrk="0" hangingPunct="1">
+              <a:spcBef>
+                <a:spcPct val="20000"/>
+              </a:spcBef>
+              <a:spcAft>
+                <a:spcPts val="600"/>
+              </a:spcAft>
+              <a:buClr>
+                <a:schemeClr val="tx2"/>
+              </a:buClr>
+              <a:buSzPct val="70000"/>
+              <a:buFont typeface="Wingdings 2" charset="2"/>
+              <a:buChar char=""/>
+              <a:defRPr sz="1400" kern="1200">
+                <a:ln>
+                  <a:solidFill>
+                    <a:schemeClr val="bg1">
+                      <a:lumMod val="75000"/>
+                      <a:lumOff val="25000"/>
+                      <a:alpha val="10000"/>
+                    </a:schemeClr>
+                  </a:solidFill>
+                </a:ln>
+                <a:solidFill>
+                  <a:schemeClr val="tx2"/>
+                </a:solidFill>
+                <a:effectLst>
+                  <a:outerShdw blurRad="9525" dist="25400" dir="14640000" algn="tl" rotWithShape="0">
+                    <a:schemeClr val="bg1">
+                      <a:alpha val="30000"/>
+                    </a:schemeClr>
+                  </a:outerShdw>
+                </a:effectLst>
+                <a:latin typeface="+mn-lt"/>
+                <a:ea typeface="+mn-ea"/>
+                <a:cs typeface="+mn-cs"/>
+              </a:defRPr>
+            </a:lvl6pPr>
+            <a:lvl7pPr marL="2401800" indent="-228600" algn="l" defTabSz="457200" rtl="0" eaLnBrk="1" latinLnBrk="0" hangingPunct="1">
+              <a:spcBef>
+                <a:spcPct val="20000"/>
+              </a:spcBef>
+              <a:spcAft>
+                <a:spcPts val="600"/>
+              </a:spcAft>
+              <a:buClr>
+                <a:schemeClr val="tx2"/>
+              </a:buClr>
+              <a:buSzPct val="70000"/>
+              <a:buFont typeface="Wingdings 2" charset="2"/>
+              <a:buChar char=""/>
+              <a:defRPr sz="1400" kern="1200">
+                <a:ln>
+                  <a:solidFill>
+                    <a:schemeClr val="bg1">
+                      <a:lumMod val="75000"/>
+                      <a:lumOff val="25000"/>
+                      <a:alpha val="10000"/>
+                    </a:schemeClr>
+                  </a:solidFill>
+                </a:ln>
+                <a:solidFill>
+                  <a:schemeClr val="tx2"/>
+                </a:solidFill>
+                <a:effectLst>
+                  <a:outerShdw blurRad="9525" dist="25400" dir="14640000" algn="tl" rotWithShape="0">
+                    <a:schemeClr val="bg1">
+                      <a:alpha val="30000"/>
+                    </a:schemeClr>
+                  </a:outerShdw>
+                </a:effectLst>
+                <a:latin typeface="+mn-lt"/>
+                <a:ea typeface="+mn-ea"/>
+                <a:cs typeface="+mn-cs"/>
+              </a:defRPr>
+            </a:lvl7pPr>
+            <a:lvl8pPr marL="2789000" indent="-228600" algn="l" defTabSz="457200" rtl="0" eaLnBrk="1" latinLnBrk="0" hangingPunct="1">
+              <a:spcBef>
+                <a:spcPct val="20000"/>
+              </a:spcBef>
+              <a:spcAft>
+                <a:spcPts val="600"/>
+              </a:spcAft>
+              <a:buClr>
+                <a:schemeClr val="tx2"/>
+              </a:buClr>
+              <a:buSzPct val="70000"/>
+              <a:buFont typeface="Wingdings 2" charset="2"/>
+              <a:buChar char=""/>
+              <a:defRPr sz="1400" kern="1200">
+                <a:ln>
+                  <a:solidFill>
+                    <a:schemeClr val="bg1">
+                      <a:lumMod val="75000"/>
+                      <a:lumOff val="25000"/>
+                      <a:alpha val="10000"/>
+                    </a:schemeClr>
+                  </a:solidFill>
+                </a:ln>
+                <a:solidFill>
+                  <a:schemeClr val="tx2"/>
+                </a:solidFill>
+                <a:effectLst>
+                  <a:outerShdw blurRad="9525" dist="25400" dir="14640000" algn="tl" rotWithShape="0">
+                    <a:schemeClr val="bg1">
+                      <a:alpha val="30000"/>
+                    </a:schemeClr>
+                  </a:outerShdw>
+                </a:effectLst>
+                <a:latin typeface="+mn-lt"/>
+                <a:ea typeface="+mn-ea"/>
+                <a:cs typeface="+mn-cs"/>
+              </a:defRPr>
+            </a:lvl8pPr>
+            <a:lvl9pPr marL="3106200" indent="-228600" algn="l" defTabSz="457200" rtl="0" eaLnBrk="1" latinLnBrk="0" hangingPunct="1">
+              <a:spcBef>
+                <a:spcPct val="20000"/>
+              </a:spcBef>
+              <a:spcAft>
+                <a:spcPts val="600"/>
+              </a:spcAft>
+              <a:buClr>
+                <a:schemeClr val="tx2"/>
+              </a:buClr>
+              <a:buSzPct val="70000"/>
+              <a:buFont typeface="Wingdings 2" charset="2"/>
+              <a:buChar char=""/>
+              <a:defRPr sz="1400" kern="1200">
+                <a:ln>
+                  <a:solidFill>
+                    <a:schemeClr val="bg1">
+                      <a:lumMod val="75000"/>
+                      <a:lumOff val="25000"/>
+                      <a:alpha val="10000"/>
+                    </a:schemeClr>
+                  </a:solidFill>
+                </a:ln>
+                <a:solidFill>
+                  <a:schemeClr val="tx2"/>
+                </a:solidFill>
+                <a:effectLst>
+                  <a:outerShdw blurRad="9525" dist="25400" dir="14640000" algn="tl" rotWithShape="0">
+                    <a:schemeClr val="bg1">
+                      <a:alpha val="30000"/>
+                    </a:schemeClr>
+                  </a:outerShdw>
+                </a:effectLst>
+                <a:latin typeface="+mn-lt"/>
+                <a:ea typeface="+mn-ea"/>
+                <a:cs typeface="+mn-cs"/>
+              </a:defRPr>
+            </a:lvl9pPr>
+          </a:lstStyle>
+          <a:p>
+            <a:pPr marL="36900" indent="0">
+              <a:buNone/>
+            </a:pPr>
+            <a:r>
+              <a:rPr lang="es-ES" sz="2400" dirty="0" smtClean="0">
+                <a:effectLst/>
+              </a:rPr>
+              <a:t>Desarrollo de videojuegos en </a:t>
+            </a:r>
+            <a:r>
+              <a:rPr lang="es-ES" sz="2400" dirty="0" err="1" smtClean="0">
+                <a:effectLst/>
+              </a:rPr>
+              <a:t>Unity</a:t>
+            </a:r>
+            <a:r>
+              <a:rPr lang="es-ES" sz="2400" dirty="0" smtClean="0">
+                <a:effectLst/>
+              </a:rPr>
+              <a:t>: una introducción.</a:t>
+            </a:r>
+          </a:p>
+          <a:p>
+            <a:pPr algn="ctr"/>
+            <a:r>
+              <a:rPr lang="es-ES" dirty="0">
+                <a:effectLst/>
+              </a:rPr>
+              <a:t>Videojuegos en </a:t>
+            </a:r>
+            <a:r>
+              <a:rPr lang="es-ES" dirty="0" smtClean="0">
+                <a:effectLst/>
+              </a:rPr>
+              <a:t>3D</a:t>
+            </a:r>
+            <a:endParaRPr lang="es-ES" dirty="0">
+              <a:effectLst/>
+            </a:endParaRPr>
+          </a:p>
+          <a:p>
+            <a:pPr algn="ctr"/>
+            <a:r>
+              <a:rPr lang="es-ES" dirty="0"/>
+              <a:t>Conceptos necesarios</a:t>
+            </a:r>
+          </a:p>
+          <a:p>
+            <a:pPr algn="ctr"/>
+            <a:r>
+              <a:rPr lang="es-ES" dirty="0"/>
+              <a:t>Programación</a:t>
+            </a:r>
+          </a:p>
+          <a:p>
+            <a:pPr algn="ctr"/>
+            <a:r>
+              <a:rPr lang="es-ES" dirty="0"/>
+              <a:t>Diseño</a:t>
+            </a:r>
+            <a:endParaRPr lang="es-ES" dirty="0"/>
+          </a:p>
+        </p:txBody>
+      </p:sp>
+      <p:pic>
+        <p:nvPicPr>
+          <p:cNvPr id="5" name="Imagen 4"/>
+          <p:cNvPicPr>
+            <a:picLocks noChangeAspect="1"/>
+          </p:cNvPicPr>
+          <p:nvPr/>
+        </p:nvPicPr>
+        <p:blipFill>
+          <a:blip r:embed="rId2"/>
+          <a:stretch>
+            <a:fillRect/>
+          </a:stretch>
+        </p:blipFill>
+        <p:spPr>
+          <a:xfrm>
+            <a:off x="4067237" y="4910927"/>
+            <a:ext cx="4046877" cy="1618751"/>
+          </a:xfrm>
+          <a:prstGeom prst="rect">
+            <a:avLst/>
+          </a:prstGeom>
+        </p:spPr>
+      </p:pic>
     </p:spTree>
     <p:extLst>
       <p:ext uri="{BB962C8B-B14F-4D97-AF65-F5344CB8AC3E}">
@@ -6339,15 +7488,199 @@
             <p:ph idx="1"/>
           </p:nvPr>
         </p:nvSpPr>
-        <p:spPr/>
+        <p:spPr>
+          <a:xfrm>
+            <a:off x="1905999" y="1569950"/>
+            <a:ext cx="8369353" cy="2958821"/>
+          </a:xfrm>
+        </p:spPr>
         <p:txBody>
           <a:bodyPr/>
           <a:lstStyle/>
           <a:p>
-            <a:endParaRPr lang="es-ES"/>
-          </a:p>
-        </p:txBody>
-      </p:sp>
+            <a:pPr marL="36900" indent="0">
+              <a:buNone/>
+            </a:pPr>
+            <a:r>
+              <a:rPr lang="es-ES_tradnl" sz="2400" dirty="0" err="1">
+                <a:effectLst/>
+              </a:rPr>
+              <a:t>Step</a:t>
+            </a:r>
+            <a:r>
+              <a:rPr lang="es-ES_tradnl" sz="2400" dirty="0">
+                <a:effectLst/>
+              </a:rPr>
+              <a:t> </a:t>
+            </a:r>
+            <a:r>
+              <a:rPr lang="es-ES_tradnl" sz="2400" dirty="0" err="1">
+                <a:effectLst/>
+              </a:rPr>
+              <a:t>Crash</a:t>
+            </a:r>
+            <a:r>
+              <a:rPr lang="es-ES_tradnl" sz="2400" dirty="0">
+                <a:effectLst/>
+              </a:rPr>
+              <a:t> </a:t>
+            </a:r>
+            <a:r>
+              <a:rPr lang="es-ES_tradnl" sz="2400" dirty="0" err="1">
+                <a:effectLst/>
+              </a:rPr>
+              <a:t>Course</a:t>
+            </a:r>
+            <a:r>
+              <a:rPr lang="es-ES_tradnl" sz="2400" dirty="0">
+                <a:effectLst/>
+              </a:rPr>
+              <a:t> to </a:t>
+            </a:r>
+            <a:r>
+              <a:rPr lang="es-ES_tradnl" sz="2400" dirty="0" err="1">
+                <a:effectLst/>
+              </a:rPr>
+              <a:t>Getting</a:t>
+            </a:r>
+            <a:r>
+              <a:rPr lang="es-ES_tradnl" sz="2400" dirty="0">
+                <a:effectLst/>
+              </a:rPr>
+              <a:t> </a:t>
+            </a:r>
+            <a:r>
+              <a:rPr lang="es-ES_tradnl" sz="2400" dirty="0" err="1">
+                <a:effectLst/>
+              </a:rPr>
+              <a:t>Started</a:t>
+            </a:r>
+            <a:r>
+              <a:rPr lang="es-ES_tradnl" sz="2400" dirty="0">
+                <a:effectLst/>
+              </a:rPr>
+              <a:t> </a:t>
+            </a:r>
+            <a:r>
+              <a:rPr lang="es-ES_tradnl" sz="2400" dirty="0" err="1">
+                <a:effectLst/>
+              </a:rPr>
+              <a:t>with</a:t>
+            </a:r>
+            <a:r>
+              <a:rPr lang="es-ES_tradnl" sz="2400" dirty="0">
+                <a:effectLst/>
+              </a:rPr>
+              <a:t> </a:t>
+            </a:r>
+            <a:r>
+              <a:rPr lang="es-ES_tradnl" sz="2400" dirty="0" err="1">
+                <a:effectLst/>
+              </a:rPr>
+              <a:t>Unreal</a:t>
+            </a:r>
+            <a:r>
+              <a:rPr lang="es-ES_tradnl" sz="2400" dirty="0">
+                <a:effectLst/>
+              </a:rPr>
+              <a:t> </a:t>
+            </a:r>
+            <a:r>
+              <a:rPr lang="es-ES_tradnl" sz="2400" dirty="0" err="1">
+                <a:effectLst/>
+              </a:rPr>
+              <a:t>Engine</a:t>
+            </a:r>
+            <a:r>
+              <a:rPr lang="es-ES_tradnl" sz="2400" dirty="0">
+                <a:effectLst/>
+              </a:rPr>
+              <a:t> </a:t>
+            </a:r>
+            <a:r>
+              <a:rPr lang="es-ES_tradnl" sz="2400" dirty="0" smtClean="0">
+                <a:effectLst/>
+              </a:rPr>
+              <a:t>4</a:t>
+            </a:r>
+          </a:p>
+          <a:p>
+            <a:pPr algn="ctr"/>
+            <a:r>
+              <a:rPr lang="es-ES_tradnl" dirty="0" smtClean="0">
+                <a:effectLst/>
+              </a:rPr>
+              <a:t>Conceptos necesarios</a:t>
+            </a:r>
+          </a:p>
+          <a:p>
+            <a:pPr algn="ctr"/>
+            <a:r>
+              <a:rPr lang="es-ES_tradnl" dirty="0" smtClean="0">
+                <a:effectLst/>
+              </a:rPr>
+              <a:t>No se necesitan conocimientos previos</a:t>
+            </a:r>
+          </a:p>
+          <a:p>
+            <a:pPr algn="ctr"/>
+            <a:r>
+              <a:rPr lang="es-ES_tradnl" dirty="0" smtClean="0">
+                <a:effectLst/>
+              </a:rPr>
+              <a:t>Instalación</a:t>
+            </a:r>
+            <a:r>
+              <a:rPr lang="es-ES" dirty="0" smtClean="0">
+                <a:effectLst/>
+              </a:rPr>
+              <a:t>, creación de proyectos</a:t>
+            </a:r>
+          </a:p>
+          <a:p>
+            <a:pPr algn="ctr"/>
+            <a:r>
+              <a:rPr lang="es-ES" dirty="0" smtClean="0">
+                <a:effectLst/>
+              </a:rPr>
+              <a:t>Trabajos con ventanas</a:t>
+            </a:r>
+          </a:p>
+          <a:p>
+            <a:pPr algn="ctr"/>
+            <a:r>
+              <a:rPr lang="es-ES" dirty="0" smtClean="0">
+                <a:effectLst/>
+              </a:rPr>
+              <a:t>Navegar por ventanas gráficas</a:t>
+            </a:r>
+          </a:p>
+        </p:txBody>
+      </p:sp>
+      <p:pic>
+        <p:nvPicPr>
+          <p:cNvPr id="4" name="Imagen 3"/>
+          <p:cNvPicPr>
+            <a:picLocks noChangeAspect="1"/>
+          </p:cNvPicPr>
+          <p:nvPr/>
+        </p:nvPicPr>
+        <p:blipFill>
+          <a:blip r:embed="rId2"/>
+          <a:stretch>
+            <a:fillRect/>
+          </a:stretch>
+        </p:blipFill>
+        <p:spPr>
+          <a:xfrm>
+            <a:off x="2890275" y="4528771"/>
+            <a:ext cx="6760029" cy="1833228"/>
+          </a:xfrm>
+          <a:prstGeom prst="rect">
+            <a:avLst/>
+          </a:prstGeom>
+        </p:spPr>
+      </p:pic>
     </p:spTree>
     <p:extLst>
       <p:ext uri="{BB962C8B-B14F-4D97-AF65-F5344CB8AC3E}">
@@ -6466,7 +7799,41 @@
               <a:rPr lang="es-ES" sz="2400" dirty="0" smtClean="0">
                 <a:effectLst/>
               </a:rPr>
-              <a:t> en la Escuela CICE.</a:t>
+              <a:t> en la Escuela CICE</a:t>
+            </a:r>
+            <a:r>
+              <a:rPr lang="es-ES" sz="2400" dirty="0" smtClean="0">
+                <a:effectLst/>
+              </a:rPr>
+              <a:t>.</a:t>
+            </a:r>
+          </a:p>
+          <a:p>
+            <a:r>
+              <a:rPr lang="es-ES" sz="2400" dirty="0" smtClean="0">
+                <a:effectLst/>
+              </a:rPr>
+              <a:t>Licencias para estudiantes con precios reducidos y convenios con instituciones educacionales de </a:t>
+            </a:r>
+            <a:r>
+              <a:rPr lang="es-ES" sz="2400" dirty="0" err="1" smtClean="0">
+                <a:effectLst/>
+              </a:rPr>
+              <a:t>Unity</a:t>
+            </a:r>
+            <a:r>
+              <a:rPr lang="es-ES" sz="2400" dirty="0" smtClean="0">
+                <a:effectLst/>
+              </a:rPr>
+              <a:t>.</a:t>
+            </a:r>
+          </a:p>
+          <a:p>
+            <a:r>
+              <a:rPr lang="es-ES" sz="2400" dirty="0" smtClean="0">
+                <a:effectLst/>
+              </a:rPr>
+              <a:t>Packs de licencias gratuitas para estudiantes y profesores de la Universidad de Las Palmas de Gran Canaria.</a:t>
             </a:r>
             <a:endParaRPr lang="es-ES" sz="2400" dirty="0"/>
           </a:p>
@@ -6566,7 +7933,27 @@
               <a:rPr lang="es-ES" sz="2400" dirty="0">
                 <a:effectLst/>
               </a:rPr>
-              <a:t> se trata de un hardware que permite capturar el movimiento real de una persona con el fin de transferirlo al juego</a:t>
+              <a:t> se trata de un hardware que permite capturar el movimiento real de una persona con el fin de transferirlo al </a:t>
+            </a:r>
+            <a:r>
+              <a:rPr lang="es-ES" sz="2400" dirty="0" smtClean="0">
+                <a:effectLst/>
+              </a:rPr>
+              <a:t>juego.</a:t>
+            </a:r>
+          </a:p>
+          <a:p>
+            <a:r>
+              <a:rPr lang="es-ES" sz="2400" b="1" dirty="0" smtClean="0">
+                <a:effectLst/>
+              </a:rPr>
+              <a:t>Photoshop: </a:t>
+            </a:r>
+            <a:r>
+              <a:rPr lang="es-ES" sz="2400" dirty="0" smtClean="0">
+                <a:effectLst/>
+              </a:rPr>
+              <a:t>software de edición y diseño que tiene gran utilidad en la creación de personajes que se pueden exportar para ser utilizados por los motores de videojuegos.</a:t>
             </a:r>
             <a:endParaRPr lang="es-ES" sz="2400" dirty="0"/>
           </a:p>

--- a/Presentación TG1.pptx
+++ b/Presentación TG1.pptx
@@ -314,7 +314,7 @@
             <a:fld id="{8E36636D-D922-432D-A958-524484B5923D}" type="datetimeFigureOut">
               <a:rPr lang="en-US" dirty="0"/>
               <a:pPr/>
-              <a:t>3/13/16</a:t>
+              <a:t>3/14/2016</a:t>
             </a:fld>
             <a:endParaRPr lang="en-US" dirty="0"/>
           </a:p>
@@ -357,7 +357,7 @@
             <a:fld id="{DF28FB93-0A08-4E7D-8E63-9EFA29F1E093}" type="slidenum">
               <a:rPr lang="en-US" dirty="0"/>
               <a:pPr/>
-              <a:t>‹Nr.›</a:t>
+              <a:t>‹Nº›</a:t>
             </a:fld>
             <a:endParaRPr lang="en-US" dirty="0"/>
           </a:p>
@@ -608,7 +608,7 @@
           <a:p>
             <a:fld id="{48A87A34-81AB-432B-8DAE-1953F412C126}" type="datetimeFigureOut">
               <a:rPr lang="en-US" dirty="0"/>
-              <a:t>3/13/16</a:t>
+              <a:t>3/14/2016</a:t>
             </a:fld>
             <a:endParaRPr lang="en-US" dirty="0"/>
           </a:p>
@@ -650,7 +650,7 @@
           <a:p>
             <a:fld id="{6D22F896-40B5-4ADD-8801-0D06FADFA095}" type="slidenum">
               <a:rPr lang="en-US" dirty="0"/>
-              <a:t>‹Nr.›</a:t>
+              <a:t>‹Nº›</a:t>
             </a:fld>
             <a:endParaRPr lang="en-US" dirty="0"/>
           </a:p>
@@ -795,7 +795,7 @@
           <a:p>
             <a:fld id="{48A87A34-81AB-432B-8DAE-1953F412C126}" type="datetimeFigureOut">
               <a:rPr lang="en-US" dirty="0"/>
-              <a:t>3/13/16</a:t>
+              <a:t>3/14/2016</a:t>
             </a:fld>
             <a:endParaRPr lang="en-US" dirty="0"/>
           </a:p>
@@ -837,7 +837,7 @@
           <a:p>
             <a:fld id="{6D22F896-40B5-4ADD-8801-0D06FADFA095}" type="slidenum">
               <a:rPr lang="en-US" dirty="0"/>
-              <a:t>‹Nr.›</a:t>
+              <a:t>‹Nº›</a:t>
             </a:fld>
             <a:endParaRPr lang="en-US" dirty="0"/>
           </a:p>
@@ -1051,7 +1051,7 @@
           <a:p>
             <a:fld id="{48A87A34-81AB-432B-8DAE-1953F412C126}" type="datetimeFigureOut">
               <a:rPr lang="en-US" dirty="0"/>
-              <a:t>3/13/16</a:t>
+              <a:t>3/14/2016</a:t>
             </a:fld>
             <a:endParaRPr lang="en-US" dirty="0"/>
           </a:p>
@@ -1093,7 +1093,7 @@
           <a:p>
             <a:fld id="{6D22F896-40B5-4ADD-8801-0D06FADFA095}" type="slidenum">
               <a:rPr lang="en-US" dirty="0"/>
-              <a:t>‹Nr.›</a:t>
+              <a:t>‹Nº›</a:t>
             </a:fld>
             <a:endParaRPr lang="en-US" dirty="0"/>
           </a:p>
@@ -1470,7 +1470,7 @@
           <a:p>
             <a:fld id="{48A87A34-81AB-432B-8DAE-1953F412C126}" type="datetimeFigureOut">
               <a:rPr lang="en-US" dirty="0"/>
-              <a:t>3/13/16</a:t>
+              <a:t>3/14/2016</a:t>
             </a:fld>
             <a:endParaRPr lang="en-US" dirty="0"/>
           </a:p>
@@ -1512,7 +1512,7 @@
           <a:p>
             <a:fld id="{6D22F896-40B5-4ADD-8801-0D06FADFA095}" type="slidenum">
               <a:rPr lang="en-US" dirty="0"/>
-              <a:t>‹Nr.›</a:t>
+              <a:t>‹Nº›</a:t>
             </a:fld>
             <a:endParaRPr lang="en-US" dirty="0"/>
           </a:p>
@@ -2002,7 +2002,7 @@
           <a:p>
             <a:fld id="{48A87A34-81AB-432B-8DAE-1953F412C126}" type="datetimeFigureOut">
               <a:rPr lang="en-US" dirty="0"/>
-              <a:t>3/13/16</a:t>
+              <a:t>3/14/2016</a:t>
             </a:fld>
             <a:endParaRPr lang="en-US" dirty="0"/>
           </a:p>
@@ -2044,7 +2044,7 @@
           <a:p>
             <a:fld id="{6D22F896-40B5-4ADD-8801-0D06FADFA095}" type="slidenum">
               <a:rPr lang="en-US" dirty="0"/>
-              <a:t>‹Nr.›</a:t>
+              <a:t>‹Nº›</a:t>
             </a:fld>
             <a:endParaRPr lang="en-US" dirty="0"/>
           </a:p>
@@ -2861,7 +2861,7 @@
           <a:p>
             <a:fld id="{48A87A34-81AB-432B-8DAE-1953F412C126}" type="datetimeFigureOut">
               <a:rPr lang="en-US" dirty="0"/>
-              <a:t>3/13/16</a:t>
+              <a:t>3/14/2016</a:t>
             </a:fld>
             <a:endParaRPr lang="en-US" dirty="0"/>
           </a:p>
@@ -2903,7 +2903,7 @@
           <a:p>
             <a:fld id="{6D22F896-40B5-4ADD-8801-0D06FADFA095}" type="slidenum">
               <a:rPr lang="en-US" dirty="0"/>
-              <a:t>‹Nr.›</a:t>
+              <a:t>‹Nº›</a:t>
             </a:fld>
             <a:endParaRPr lang="en-US" dirty="0"/>
           </a:p>
@@ -3027,7 +3027,7 @@
             <a:fld id="{8E36636D-D922-432D-A958-524484B5923D}" type="datetimeFigureOut">
               <a:rPr lang="en-US" dirty="0"/>
               <a:pPr/>
-              <a:t>3/13/16</a:t>
+              <a:t>3/14/2016</a:t>
             </a:fld>
             <a:endParaRPr lang="en-US" dirty="0"/>
           </a:p>
@@ -3070,7 +3070,7 @@
             <a:fld id="{DF28FB93-0A08-4E7D-8E63-9EFA29F1E093}" type="slidenum">
               <a:rPr lang="en-US" dirty="0"/>
               <a:pPr/>
-              <a:t>‹Nr.›</a:t>
+              <a:t>‹Nº›</a:t>
             </a:fld>
             <a:endParaRPr lang="en-US" dirty="0"/>
           </a:p>
@@ -3208,7 +3208,7 @@
             <a:fld id="{8E36636D-D922-432D-A958-524484B5923D}" type="datetimeFigureOut">
               <a:rPr lang="en-US" dirty="0"/>
               <a:pPr/>
-              <a:t>3/13/16</a:t>
+              <a:t>3/14/2016</a:t>
             </a:fld>
             <a:endParaRPr lang="en-US" dirty="0"/>
           </a:p>
@@ -3251,7 +3251,7 @@
             <a:fld id="{DF28FB93-0A08-4E7D-8E63-9EFA29F1E093}" type="slidenum">
               <a:rPr lang="en-US" dirty="0"/>
               <a:pPr/>
-              <a:t>‹Nr.›</a:t>
+              <a:t>‹Nº›</a:t>
             </a:fld>
             <a:endParaRPr lang="en-US" dirty="0"/>
           </a:p>
@@ -3375,7 +3375,7 @@
             <a:fld id="{8E36636D-D922-432D-A958-524484B5923D}" type="datetimeFigureOut">
               <a:rPr lang="en-US" dirty="0"/>
               <a:pPr/>
-              <a:t>3/13/16</a:t>
+              <a:t>3/14/2016</a:t>
             </a:fld>
             <a:endParaRPr lang="en-US" dirty="0"/>
           </a:p>
@@ -3418,7 +3418,7 @@
             <a:fld id="{DF28FB93-0A08-4E7D-8E63-9EFA29F1E093}" type="slidenum">
               <a:rPr lang="en-US" dirty="0"/>
               <a:pPr/>
-              <a:t>‹Nr.›</a:t>
+              <a:t>‹Nº›</a:t>
             </a:fld>
             <a:endParaRPr lang="en-US" dirty="0"/>
           </a:p>
@@ -3616,7 +3616,7 @@
             <a:fld id="{8E36636D-D922-432D-A958-524484B5923D}" type="datetimeFigureOut">
               <a:rPr lang="en-US" dirty="0"/>
               <a:pPr/>
-              <a:t>3/13/16</a:t>
+              <a:t>3/14/2016</a:t>
             </a:fld>
             <a:endParaRPr lang="en-US" dirty="0"/>
           </a:p>
@@ -3659,7 +3659,7 @@
             <a:fld id="{DF28FB93-0A08-4E7D-8E63-9EFA29F1E093}" type="slidenum">
               <a:rPr lang="en-US" dirty="0"/>
               <a:pPr/>
-              <a:t>‹Nr.›</a:t>
+              <a:t>‹Nº›</a:t>
             </a:fld>
             <a:endParaRPr lang="en-US" dirty="0"/>
           </a:p>
@@ -3849,7 +3849,7 @@
             <a:fld id="{8E36636D-D922-432D-A958-524484B5923D}" type="datetimeFigureOut">
               <a:rPr lang="en-US" dirty="0"/>
               <a:pPr/>
-              <a:t>3/13/16</a:t>
+              <a:t>3/14/2016</a:t>
             </a:fld>
             <a:endParaRPr lang="en-US" dirty="0"/>
           </a:p>
@@ -3892,7 +3892,7 @@
             <a:fld id="{DF28FB93-0A08-4E7D-8E63-9EFA29F1E093}" type="slidenum">
               <a:rPr lang="en-US" dirty="0"/>
               <a:pPr/>
-              <a:t>‹Nr.›</a:t>
+              <a:t>‹Nº›</a:t>
             </a:fld>
             <a:endParaRPr lang="en-US" dirty="0"/>
           </a:p>
@@ -4312,7 +4312,7 @@
             <a:fld id="{8E36636D-D922-432D-A958-524484B5923D}" type="datetimeFigureOut">
               <a:rPr lang="en-US" dirty="0"/>
               <a:pPr/>
-              <a:t>3/13/16</a:t>
+              <a:t>3/14/2016</a:t>
             </a:fld>
             <a:endParaRPr lang="en-US" dirty="0"/>
           </a:p>
@@ -4355,7 +4355,7 @@
             <a:fld id="{DF28FB93-0A08-4E7D-8E63-9EFA29F1E093}" type="slidenum">
               <a:rPr lang="en-US" dirty="0"/>
               <a:pPr/>
-              <a:t>‹Nr.›</a:t>
+              <a:t>‹Nº›</a:t>
             </a:fld>
             <a:endParaRPr lang="en-US" dirty="0"/>
           </a:p>
@@ -4427,7 +4427,7 @@
             <a:fld id="{8E36636D-D922-432D-A958-524484B5923D}" type="datetimeFigureOut">
               <a:rPr lang="en-US" dirty="0"/>
               <a:pPr/>
-              <a:t>3/13/16</a:t>
+              <a:t>3/14/2016</a:t>
             </a:fld>
             <a:endParaRPr lang="en-US" dirty="0"/>
           </a:p>
@@ -4470,7 +4470,7 @@
             <a:fld id="{DF28FB93-0A08-4E7D-8E63-9EFA29F1E093}" type="slidenum">
               <a:rPr lang="en-US" dirty="0"/>
               <a:pPr/>
-              <a:t>‹Nr.›</a:t>
+              <a:t>‹Nº›</a:t>
             </a:fld>
             <a:endParaRPr lang="en-US" dirty="0"/>
           </a:p>
@@ -4519,7 +4519,7 @@
             <a:fld id="{8E36636D-D922-432D-A958-524484B5923D}" type="datetimeFigureOut">
               <a:rPr lang="en-US" dirty="0"/>
               <a:pPr/>
-              <a:t>3/13/16</a:t>
+              <a:t>3/14/2016</a:t>
             </a:fld>
             <a:endParaRPr lang="en-US" dirty="0"/>
           </a:p>
@@ -4562,7 +4562,7 @@
             <a:fld id="{DF28FB93-0A08-4E7D-8E63-9EFA29F1E093}" type="slidenum">
               <a:rPr lang="en-US" dirty="0"/>
               <a:pPr/>
-              <a:t>‹Nr.›</a:t>
+              <a:t>‹Nº›</a:t>
             </a:fld>
             <a:endParaRPr lang="en-US" dirty="0"/>
           </a:p>
@@ -4771,7 +4771,7 @@
             <a:fld id="{8E36636D-D922-432D-A958-524484B5923D}" type="datetimeFigureOut">
               <a:rPr lang="en-US" dirty="0"/>
               <a:pPr/>
-              <a:t>3/13/16</a:t>
+              <a:t>3/14/2016</a:t>
             </a:fld>
             <a:endParaRPr lang="en-US" dirty="0"/>
           </a:p>
@@ -4814,7 +4814,7 @@
             <a:fld id="{DF28FB93-0A08-4E7D-8E63-9EFA29F1E093}" type="slidenum">
               <a:rPr lang="en-US" dirty="0"/>
               <a:pPr/>
-              <a:t>‹Nr.›</a:t>
+              <a:t>‹Nº›</a:t>
             </a:fld>
             <a:endParaRPr lang="en-US" dirty="0"/>
           </a:p>
@@ -5068,7 +5068,7 @@
             <a:fld id="{8E36636D-D922-432D-A958-524484B5923D}" type="datetimeFigureOut">
               <a:rPr lang="en-US" dirty="0"/>
               <a:pPr/>
-              <a:t>3/13/16</a:t>
+              <a:t>3/14/2016</a:t>
             </a:fld>
             <a:endParaRPr lang="en-US" dirty="0"/>
           </a:p>
@@ -5111,7 +5111,7 @@
             <a:fld id="{DF28FB93-0A08-4E7D-8E63-9EFA29F1E093}" type="slidenum">
               <a:rPr lang="en-US" dirty="0"/>
               <a:pPr/>
-              <a:t>‹Nr.›</a:t>
+              <a:t>‹Nº›</a:t>
             </a:fld>
             <a:endParaRPr lang="en-US" dirty="0"/>
           </a:p>
@@ -5299,7 +5299,7 @@
             <a:fld id="{8E36636D-D922-432D-A958-524484B5923D}" type="datetimeFigureOut">
               <a:rPr lang="en-US" dirty="0"/>
               <a:pPr/>
-              <a:t>3/13/16</a:t>
+              <a:t>3/14/2016</a:t>
             </a:fld>
             <a:endParaRPr lang="en-US" dirty="0"/>
           </a:p>
@@ -5392,7 +5392,7 @@
             <a:fld id="{DF28FB93-0A08-4E7D-8E63-9EFA29F1E093}" type="slidenum">
               <a:rPr lang="en-US" dirty="0"/>
               <a:pPr/>
-              <a:t>‹Nr.›</a:t>
+              <a:t>‹Nº›</a:t>
             </a:fld>
             <a:endParaRPr lang="en-US" dirty="0"/>
           </a:p>
@@ -7379,7 +7379,6 @@
               <a:rPr lang="es-ES" dirty="0"/>
               <a:t>Diseño</a:t>
             </a:r>
-            <a:endParaRPr lang="es-ES" dirty="0"/>
           </a:p>
         </p:txBody>
       </p:sp>
@@ -7766,7 +7765,45 @@
           <a:lstStyle/>
           <a:p>
             <a:r>
-              <a:rPr lang="es-ES" sz="2400" b="1" dirty="0">
+              <a:rPr lang="es-ES" sz="2400" b="1" dirty="0" smtClean="0">
+                <a:effectLst/>
+              </a:rPr>
+              <a:t>Becas MEC </a:t>
+            </a:r>
+            <a:r>
+              <a:rPr lang="es-ES" sz="2400" dirty="0" smtClean="0">
+                <a:effectLst/>
+              </a:rPr>
+              <a:t>para estudios de </a:t>
+            </a:r>
+            <a:r>
+              <a:rPr lang="es-ES" sz="2400" b="1" dirty="0" smtClean="0">
+                <a:effectLst/>
+              </a:rPr>
+              <a:t>Grado </a:t>
+            </a:r>
+            <a:r>
+              <a:rPr lang="es-ES" sz="2400" dirty="0" smtClean="0">
+                <a:effectLst/>
+              </a:rPr>
+              <a:t>o </a:t>
+            </a:r>
+            <a:r>
+              <a:rPr lang="es-ES" sz="2400" b="1" dirty="0" smtClean="0">
+                <a:effectLst/>
+              </a:rPr>
+              <a:t>Master </a:t>
+            </a:r>
+            <a:r>
+              <a:rPr lang="es-ES" sz="2400" dirty="0" smtClean="0">
+                <a:effectLst/>
+              </a:rPr>
+              <a:t>universitarios.</a:t>
+            </a:r>
+          </a:p>
+          <a:p>
+            <a:r>
+              <a:rPr lang="es-ES" sz="2400" b="1" dirty="0" smtClean="0">
                 <a:effectLst/>
               </a:rPr>
               <a:t>Becas </a:t>
@@ -7799,13 +7836,7 @@
               <a:rPr lang="es-ES" sz="2400" dirty="0" smtClean="0">
                 <a:effectLst/>
               </a:rPr>
-              <a:t> en la Escuela CICE</a:t>
-            </a:r>
-            <a:r>
-              <a:rPr lang="es-ES" sz="2400" dirty="0" smtClean="0">
-                <a:effectLst/>
-              </a:rPr>
-              <a:t>.</a:t>
+              <a:t> en la Escuela CICE.</a:t>
             </a:r>
           </a:p>
           <a:p>
@@ -7923,6 +7954,7 @@
           </a:bodyPr>
           <a:lstStyle/>
           <a:p>
+            <a:pPr algn="just"/>
             <a:r>
               <a:rPr lang="es-ES" sz="2400" b="1" dirty="0">
                 <a:effectLst/>
@@ -7943,6 +7975,7 @@
             </a:r>
           </a:p>
           <a:p>
+            <a:pPr algn="just"/>
             <a:r>
               <a:rPr lang="es-ES" sz="2400" b="1" dirty="0" smtClean="0">
                 <a:effectLst/>
@@ -7953,12 +7986,151 @@
               <a:rPr lang="es-ES" sz="2400" dirty="0" smtClean="0">
                 <a:effectLst/>
               </a:rPr>
-              <a:t>software de edición y diseño que tiene gran utilidad en la creación de personajes que se pueden exportar para ser utilizados por los motores de videojuegos.</a:t>
+              <a:t>software de edición y diseño que tiene gran utilidad en la creación de personajes que se pueden exportar para ser utilizados por los motores de videojuegos</a:t>
+            </a:r>
+            <a:r>
+              <a:rPr lang="es-ES" sz="2400" dirty="0" smtClean="0">
+                <a:effectLst/>
+              </a:rPr>
+              <a:t>.</a:t>
+            </a:r>
+          </a:p>
+          <a:p>
+            <a:pPr algn="just"/>
+            <a:r>
+              <a:rPr lang="es-ES" sz="2400" b="1" dirty="0" smtClean="0">
+                <a:effectLst/>
+              </a:rPr>
+              <a:t>Microsoft Visual Studio: </a:t>
+            </a:r>
+            <a:r>
+              <a:rPr lang="es-ES" sz="2400" dirty="0" smtClean="0">
+                <a:effectLst/>
+              </a:rPr>
+              <a:t>IDE enfocado al desarrollo de tecnologías </a:t>
+            </a:r>
+            <a:r>
+              <a:rPr lang="es-ES" sz="2400" dirty="0" err="1" smtClean="0">
+                <a:effectLst/>
+              </a:rPr>
+              <a:t>.Net</a:t>
+            </a:r>
+            <a:r>
+              <a:rPr lang="es-ES" sz="2400" dirty="0" smtClean="0">
+                <a:effectLst/>
+              </a:rPr>
+              <a:t>, utilizado tanto por </a:t>
+            </a:r>
+            <a:r>
+              <a:rPr lang="es-ES" sz="2400" dirty="0" err="1" smtClean="0">
+                <a:effectLst/>
+              </a:rPr>
+              <a:t>Unity</a:t>
+            </a:r>
+            <a:r>
+              <a:rPr lang="es-ES" sz="2400" dirty="0" smtClean="0">
+                <a:effectLst/>
+              </a:rPr>
+              <a:t> como por </a:t>
+            </a:r>
+            <a:r>
+              <a:rPr lang="es-ES" sz="2400" dirty="0" err="1" smtClean="0">
+                <a:effectLst/>
+              </a:rPr>
+              <a:t>Unreal</a:t>
+            </a:r>
+            <a:r>
+              <a:rPr lang="es-ES" sz="2400" dirty="0" smtClean="0">
+                <a:effectLst/>
+              </a:rPr>
+              <a:t> para la generación del código de los videojuegos.</a:t>
             </a:r>
             <a:endParaRPr lang="es-ES" sz="2400" dirty="0"/>
           </a:p>
         </p:txBody>
       </p:sp>
+      <p:pic>
+        <p:nvPicPr>
+          <p:cNvPr id="2050" name="Picture 2" descr="https://pbs.twimg.com/profile_images/505104774153256960/SR2hUhQN_400x400.png"/>
+          <p:cNvPicPr>
+            <a:picLocks noChangeAspect="1" noChangeArrowheads="1"/>
+          </p:cNvPicPr>
+          <p:nvPr/>
+        </p:nvPicPr>
+        <p:blipFill>
+          <a:blip r:embed="rId2">
+            <a:extLst>
+              <a:ext uri="{28A0092B-C50C-407E-A947-70E740481C1C}">
+                <a14:useLocalDpi xmlns:a14="http://schemas.microsoft.com/office/drawing/2010/main" val="0"/>
+              </a:ext>
+            </a:extLst>
+          </a:blip>
+          <a:srcRect/>
+          <a:stretch>
+            <a:fillRect/>
+          </a:stretch>
+        </p:blipFill>
+        <p:spPr bwMode="auto">
+          <a:xfrm>
+            <a:off x="9354763" y="286788"/>
+            <a:ext cx="1443237" cy="1443237"/>
+          </a:xfrm>
+          <a:prstGeom prst="rect">
+            <a:avLst/>
+          </a:prstGeom>
+          <a:noFill/>
+          <a:extLst>
+            <a:ext uri="{909E8E84-426E-40DD-AFC4-6F175D3DCCD1}">
+              <a14:hiddenFill xmlns:a14="http://schemas.microsoft.com/office/drawing/2010/main">
+                <a:solidFill>
+                  <a:srgbClr val="FFFFFF"/>
+                </a:solidFill>
+              </a14:hiddenFill>
+            </a:ext>
+          </a:extLst>
+        </p:spPr>
+      </p:pic>
+      <p:pic>
+        <p:nvPicPr>
+          <p:cNvPr id="2052" name="Picture 4" descr="https://pixabay.com/static/uploads/photo/2015/11/27/10/55/photoshop-1065296_960_720.jpg"/>
+          <p:cNvPicPr>
+            <a:picLocks noChangeAspect="1" noChangeArrowheads="1"/>
+          </p:cNvPicPr>
+          <p:nvPr/>
+        </p:nvPicPr>
+        <p:blipFill>
+          <a:blip r:embed="rId3">
+            <a:extLst>
+              <a:ext uri="{28A0092B-C50C-407E-A947-70E740481C1C}">
+                <a14:useLocalDpi xmlns:a14="http://schemas.microsoft.com/office/drawing/2010/main" val="0"/>
+              </a:ext>
+            </a:extLst>
+          </a:blip>
+          <a:srcRect/>
+          <a:stretch>
+            <a:fillRect/>
+          </a:stretch>
+        </p:blipFill>
+        <p:spPr bwMode="auto">
+          <a:xfrm>
+            <a:off x="1184485" y="313211"/>
+            <a:ext cx="1152867" cy="1152867"/>
+          </a:xfrm>
+          <a:prstGeom prst="rect">
+            <a:avLst/>
+          </a:prstGeom>
+          <a:noFill/>
+          <a:extLst>
+            <a:ext uri="{909E8E84-426E-40DD-AFC4-6F175D3DCCD1}">
+              <a14:hiddenFill xmlns:a14="http://schemas.microsoft.com/office/drawing/2010/main">
+                <a:solidFill>
+                  <a:srgbClr val="FFFFFF"/>
+                </a:solidFill>
+              </a14:hiddenFill>
+            </a:ext>
+          </a:extLst>
+        </p:spPr>
+      </p:pic>
     </p:spTree>
     <p:extLst>
       <p:ext uri="{BB962C8B-B14F-4D97-AF65-F5344CB8AC3E}">
@@ -8047,10 +8219,92 @@
           </a:bodyPr>
           <a:lstStyle/>
           <a:p>
+            <a:endParaRPr lang="es-ES" sz="2400" dirty="0" smtClean="0"/>
+          </a:p>
+          <a:p>
             <a:endParaRPr lang="es-ES" sz="2400" dirty="0"/>
           </a:p>
-        </p:txBody>
-      </p:sp>
+          <a:p>
+            <a:endParaRPr lang="es-ES" sz="2400" dirty="0" smtClean="0"/>
+          </a:p>
+          <a:p>
+            <a:endParaRPr lang="es-ES" sz="2400" dirty="0"/>
+          </a:p>
+          <a:p>
+            <a:pPr algn="just"/>
+            <a:r>
+              <a:rPr lang="es-ES" sz="2400" dirty="0" err="1" smtClean="0"/>
+              <a:t>Asset</a:t>
+            </a:r>
+            <a:r>
+              <a:rPr lang="es-ES" sz="2400" dirty="0" smtClean="0"/>
+              <a:t> Store: en la </a:t>
+            </a:r>
+            <a:r>
+              <a:rPr lang="es-ES" sz="2400" dirty="0" err="1"/>
+              <a:t>A</a:t>
+            </a:r>
+            <a:r>
+              <a:rPr lang="es-ES" sz="2400" dirty="0" err="1" smtClean="0"/>
+              <a:t>sset</a:t>
+            </a:r>
+            <a:r>
+              <a:rPr lang="es-ES" sz="2400" dirty="0" smtClean="0"/>
+              <a:t> Store de </a:t>
+            </a:r>
+            <a:r>
+              <a:rPr lang="es-ES" sz="2400" dirty="0" err="1" smtClean="0"/>
+              <a:t>Unity</a:t>
+            </a:r>
+            <a:r>
+              <a:rPr lang="es-ES" sz="2400" dirty="0" smtClean="0"/>
+              <a:t> encontramos mucho material creado por lo usuarios tanto gratis como de pago para implementarlo en nuestros proyectos.</a:t>
+            </a:r>
+            <a:endParaRPr lang="es-ES" sz="2400" dirty="0"/>
+          </a:p>
+        </p:txBody>
+      </p:sp>
+      <p:pic>
+        <p:nvPicPr>
+          <p:cNvPr id="5122" name="Picture 2" descr="http://cinema-suite.com/store/home_files/resources/img/Asset%20Store%20Button.png"/>
+          <p:cNvPicPr>
+            <a:picLocks noChangeAspect="1" noChangeArrowheads="1"/>
+          </p:cNvPicPr>
+          <p:nvPr/>
+        </p:nvPicPr>
+        <p:blipFill>
+          <a:blip r:embed="rId2">
+            <a:extLst>
+              <a:ext uri="{28A0092B-C50C-407E-A947-70E740481C1C}">
+                <a14:useLocalDpi xmlns:a14="http://schemas.microsoft.com/office/drawing/2010/main" val="0"/>
+              </a:ext>
+            </a:extLst>
+          </a:blip>
+          <a:srcRect/>
+          <a:stretch>
+            <a:fillRect/>
+          </a:stretch>
+        </p:blipFill>
+        <p:spPr bwMode="auto">
+          <a:xfrm>
+            <a:off x="7347208" y="4797938"/>
+            <a:ext cx="4286250" cy="1762126"/>
+          </a:xfrm>
+          <a:prstGeom prst="rect">
+            <a:avLst/>
+          </a:prstGeom>
+          <a:noFill/>
+          <a:extLst>
+            <a:ext uri="{909E8E84-426E-40DD-AFC4-6F175D3DCCD1}">
+              <a14:hiddenFill xmlns:a14="http://schemas.microsoft.com/office/drawing/2010/main">
+                <a:solidFill>
+                  <a:srgbClr val="FFFFFF"/>
+                </a:solidFill>
+              </a14:hiddenFill>
+            </a:ext>
+          </a:extLst>
+        </p:spPr>
+      </p:pic>
     </p:spTree>
     <p:extLst>
       <p:ext uri="{BB962C8B-B14F-4D97-AF65-F5344CB8AC3E}">
@@ -8145,8 +8399,81 @@
           <a:p>
             <a:endParaRPr lang="es-ES" sz="2400" dirty="0"/>
           </a:p>
-        </p:txBody>
-      </p:sp>
+          <a:p>
+            <a:endParaRPr lang="es-ES" sz="2400" dirty="0" smtClean="0"/>
+          </a:p>
+          <a:p>
+            <a:endParaRPr lang="es-ES" sz="2400" dirty="0"/>
+          </a:p>
+          <a:p>
+            <a:endParaRPr lang="es-ES" sz="2400" dirty="0" smtClean="0"/>
+          </a:p>
+          <a:p>
+            <a:r>
+              <a:rPr lang="es-ES" sz="2400" dirty="0" smtClean="0"/>
+              <a:t>Marketplace: en el Marketplace al igual que en la </a:t>
+            </a:r>
+            <a:r>
+              <a:rPr lang="es-ES" sz="2400" dirty="0" err="1" smtClean="0"/>
+              <a:t>Asset</a:t>
+            </a:r>
+            <a:r>
+              <a:rPr lang="es-ES" sz="2400" dirty="0" smtClean="0"/>
+              <a:t> Store de </a:t>
+            </a:r>
+            <a:r>
+              <a:rPr lang="es-ES" sz="2400" dirty="0" err="1" smtClean="0"/>
+              <a:t>Unity</a:t>
+            </a:r>
+            <a:r>
+              <a:rPr lang="es-ES" sz="2400" dirty="0" smtClean="0"/>
+              <a:t> encontramos todo tipo de material creado por la comunidad para implementarlo en nuestros proyectos.</a:t>
+            </a:r>
+            <a:endParaRPr lang="es-ES" sz="2400" dirty="0"/>
+          </a:p>
+        </p:txBody>
+      </p:sp>
+      <p:pic>
+        <p:nvPicPr>
+          <p:cNvPr id="6146" name="Picture 2" descr="https://cdn2.unrealengine.com/blog/MarketplaceMain-770x250-519143712.png"/>
+          <p:cNvPicPr>
+            <a:picLocks noChangeAspect="1" noChangeArrowheads="1"/>
+          </p:cNvPicPr>
+          <p:nvPr/>
+        </p:nvPicPr>
+        <p:blipFill>
+          <a:blip r:embed="rId2">
+            <a:extLst>
+              <a:ext uri="{28A0092B-C50C-407E-A947-70E740481C1C}">
+                <a14:useLocalDpi xmlns:a14="http://schemas.microsoft.com/office/drawing/2010/main" val="0"/>
+              </a:ext>
+            </a:extLst>
+          </a:blip>
+          <a:srcRect/>
+          <a:stretch>
+            <a:fillRect/>
+          </a:stretch>
+        </p:blipFill>
+        <p:spPr bwMode="auto">
+          <a:xfrm>
+            <a:off x="7027559" y="4973376"/>
+            <a:ext cx="4239998" cy="1376623"/>
+          </a:xfrm>
+          <a:prstGeom prst="rect">
+            <a:avLst/>
+          </a:prstGeom>
+          <a:noFill/>
+          <a:extLst>
+            <a:ext uri="{909E8E84-426E-40DD-AFC4-6F175D3DCCD1}">
+              <a14:hiddenFill xmlns:a14="http://schemas.microsoft.com/office/drawing/2010/main">
+                <a:solidFill>
+                  <a:srgbClr val="FFFFFF"/>
+                </a:solidFill>
+              </a14:hiddenFill>
+            </a:ext>
+          </a:extLst>
+        </p:spPr>
+      </p:pic>
     </p:spTree>
     <p:extLst>
       <p:ext uri="{BB962C8B-B14F-4D97-AF65-F5344CB8AC3E}">
@@ -9842,20 +10169,955 @@
       </p:sp>
       <p:sp>
         <p:nvSpPr>
-          <p:cNvPr id="3" name="Marcador de contenido 2"/>
-          <p:cNvSpPr>
-            <a:spLocks noGrp="1"/>
-          </p:cNvSpPr>
-          <p:nvPr>
-            <p:ph idx="1"/>
-          </p:nvPr>
-        </p:nvSpPr>
-        <p:spPr/>
-        <p:txBody>
-          <a:bodyPr/>
-          <a:lstStyle/>
-          <a:p>
-            <a:endParaRPr lang="es-ES"/>
+          <p:cNvPr id="4" name="Marcador de contenido 2"/>
+          <p:cNvSpPr txBox="1">
+            <a:spLocks/>
+          </p:cNvSpPr>
+          <p:nvPr/>
+        </p:nvSpPr>
+        <p:spPr>
+          <a:xfrm>
+            <a:off x="913795" y="3749147"/>
+            <a:ext cx="5769527" cy="2565156"/>
+          </a:xfrm>
+          <a:prstGeom prst="rect">
+            <a:avLst/>
+          </a:prstGeom>
+          <a:effectLst>
+            <a:outerShdw blurRad="25400" dir="17880000">
+              <a:srgbClr val="000000">
+                <a:alpha val="46000"/>
+              </a:srgbClr>
+            </a:outerShdw>
+          </a:effectLst>
+        </p:spPr>
+        <p:txBody>
+          <a:bodyPr vert="horz" lIns="91440" tIns="45720" rIns="91440" bIns="45720" rtlCol="0" anchor="t">
+            <a:normAutofit lnSpcReduction="10000"/>
+          </a:bodyPr>
+          <a:lstStyle>
+            <a:lvl1pPr marL="342900" indent="-306000" algn="l" defTabSz="457200" rtl="0" eaLnBrk="1" latinLnBrk="0" hangingPunct="1">
+              <a:spcBef>
+                <a:spcPct val="20000"/>
+              </a:spcBef>
+              <a:spcAft>
+                <a:spcPts val="600"/>
+              </a:spcAft>
+              <a:buClr>
+                <a:schemeClr val="tx2"/>
+              </a:buClr>
+              <a:buSzPct val="70000"/>
+              <a:buFont typeface="Wingdings 2" charset="2"/>
+              <a:buChar char=""/>
+              <a:defRPr sz="2000" kern="1200">
+                <a:ln>
+                  <a:solidFill>
+                    <a:schemeClr val="bg1">
+                      <a:lumMod val="75000"/>
+                      <a:lumOff val="25000"/>
+                      <a:alpha val="10000"/>
+                    </a:schemeClr>
+                  </a:solidFill>
+                </a:ln>
+                <a:solidFill>
+                  <a:schemeClr val="tx2"/>
+                </a:solidFill>
+                <a:effectLst>
+                  <a:outerShdw blurRad="9525" dist="25400" dir="14640000" algn="tl" rotWithShape="0">
+                    <a:schemeClr val="bg1">
+                      <a:alpha val="30000"/>
+                    </a:schemeClr>
+                  </a:outerShdw>
+                </a:effectLst>
+                <a:latin typeface="+mn-lt"/>
+                <a:ea typeface="+mn-ea"/>
+                <a:cs typeface="+mn-cs"/>
+              </a:defRPr>
+            </a:lvl1pPr>
+            <a:lvl2pPr marL="720000" indent="-270000" algn="l" defTabSz="457200" rtl="0" eaLnBrk="1" latinLnBrk="0" hangingPunct="1">
+              <a:spcBef>
+                <a:spcPct val="20000"/>
+              </a:spcBef>
+              <a:spcAft>
+                <a:spcPts val="600"/>
+              </a:spcAft>
+              <a:buClr>
+                <a:schemeClr val="tx2"/>
+              </a:buClr>
+              <a:buSzPct val="70000"/>
+              <a:buFont typeface="Wingdings 2" charset="2"/>
+              <a:buChar char=""/>
+              <a:defRPr sz="1800" kern="1200">
+                <a:ln>
+                  <a:solidFill>
+                    <a:schemeClr val="bg1">
+                      <a:lumMod val="75000"/>
+                      <a:lumOff val="25000"/>
+                      <a:alpha val="10000"/>
+                    </a:schemeClr>
+                  </a:solidFill>
+                </a:ln>
+                <a:solidFill>
+                  <a:schemeClr val="tx2"/>
+                </a:solidFill>
+                <a:effectLst>
+                  <a:outerShdw blurRad="9525" dist="25400" dir="14640000" algn="tl" rotWithShape="0">
+                    <a:schemeClr val="bg1">
+                      <a:alpha val="30000"/>
+                    </a:schemeClr>
+                  </a:outerShdw>
+                </a:effectLst>
+                <a:latin typeface="+mn-lt"/>
+                <a:ea typeface="+mn-ea"/>
+                <a:cs typeface="+mn-cs"/>
+              </a:defRPr>
+            </a:lvl2pPr>
+            <a:lvl3pPr marL="1026000" indent="-216000" algn="l" defTabSz="457200" rtl="0" eaLnBrk="1" latinLnBrk="0" hangingPunct="1">
+              <a:spcBef>
+                <a:spcPct val="20000"/>
+              </a:spcBef>
+              <a:spcAft>
+                <a:spcPts val="600"/>
+              </a:spcAft>
+              <a:buClr>
+                <a:schemeClr val="tx2"/>
+              </a:buClr>
+              <a:buSzPct val="70000"/>
+              <a:buFont typeface="Wingdings 2" charset="2"/>
+              <a:buChar char=""/>
+              <a:defRPr sz="1600" kern="1200">
+                <a:ln>
+                  <a:solidFill>
+                    <a:schemeClr val="bg1">
+                      <a:lumMod val="75000"/>
+                      <a:lumOff val="25000"/>
+                      <a:alpha val="10000"/>
+                    </a:schemeClr>
+                  </a:solidFill>
+                </a:ln>
+                <a:solidFill>
+                  <a:schemeClr val="tx2"/>
+                </a:solidFill>
+                <a:effectLst>
+                  <a:outerShdw blurRad="9525" dist="25400" dir="14640000" algn="tl" rotWithShape="0">
+                    <a:schemeClr val="bg1">
+                      <a:alpha val="30000"/>
+                    </a:schemeClr>
+                  </a:outerShdw>
+                </a:effectLst>
+                <a:latin typeface="+mn-lt"/>
+                <a:ea typeface="+mn-ea"/>
+                <a:cs typeface="+mn-cs"/>
+              </a:defRPr>
+            </a:lvl3pPr>
+            <a:lvl4pPr marL="1386000" indent="-216000" algn="l" defTabSz="457200" rtl="0" eaLnBrk="1" latinLnBrk="0" hangingPunct="1">
+              <a:spcBef>
+                <a:spcPct val="20000"/>
+              </a:spcBef>
+              <a:spcAft>
+                <a:spcPts val="600"/>
+              </a:spcAft>
+              <a:buClr>
+                <a:schemeClr val="tx2"/>
+              </a:buClr>
+              <a:buSzPct val="70000"/>
+              <a:buFont typeface="Wingdings 2" charset="2"/>
+              <a:buChar char=""/>
+              <a:defRPr sz="1400" kern="1200">
+                <a:ln>
+                  <a:solidFill>
+                    <a:schemeClr val="bg1">
+                      <a:lumMod val="75000"/>
+                      <a:lumOff val="25000"/>
+                      <a:alpha val="10000"/>
+                    </a:schemeClr>
+                  </a:solidFill>
+                </a:ln>
+                <a:solidFill>
+                  <a:schemeClr val="tx2"/>
+                </a:solidFill>
+                <a:effectLst>
+                  <a:outerShdw blurRad="9525" dist="25400" dir="14640000" algn="tl" rotWithShape="0">
+                    <a:schemeClr val="bg1">
+                      <a:alpha val="30000"/>
+                    </a:schemeClr>
+                  </a:outerShdw>
+                </a:effectLst>
+                <a:latin typeface="+mn-lt"/>
+                <a:ea typeface="+mn-ea"/>
+                <a:cs typeface="+mn-cs"/>
+              </a:defRPr>
+            </a:lvl4pPr>
+            <a:lvl5pPr marL="1674000" indent="-216000" algn="l" defTabSz="457200" rtl="0" eaLnBrk="1" latinLnBrk="0" hangingPunct="1">
+              <a:spcBef>
+                <a:spcPct val="20000"/>
+              </a:spcBef>
+              <a:spcAft>
+                <a:spcPts val="600"/>
+              </a:spcAft>
+              <a:buClr>
+                <a:schemeClr val="tx2"/>
+              </a:buClr>
+              <a:buSzPct val="70000"/>
+              <a:buFont typeface="Wingdings 2" charset="2"/>
+              <a:buChar char=""/>
+              <a:defRPr sz="1400" kern="1200">
+                <a:ln>
+                  <a:solidFill>
+                    <a:schemeClr val="bg1">
+                      <a:lumMod val="75000"/>
+                      <a:lumOff val="25000"/>
+                      <a:alpha val="10000"/>
+                    </a:schemeClr>
+                  </a:solidFill>
+                </a:ln>
+                <a:solidFill>
+                  <a:schemeClr val="tx2"/>
+                </a:solidFill>
+                <a:effectLst>
+                  <a:outerShdw blurRad="9525" dist="25400" dir="14640000" algn="tl" rotWithShape="0">
+                    <a:schemeClr val="bg1">
+                      <a:alpha val="30000"/>
+                    </a:schemeClr>
+                  </a:outerShdw>
+                </a:effectLst>
+                <a:latin typeface="+mn-lt"/>
+                <a:ea typeface="+mn-ea"/>
+                <a:cs typeface="+mn-cs"/>
+              </a:defRPr>
+            </a:lvl5pPr>
+            <a:lvl6pPr marL="2014600" indent="-228600" algn="l" defTabSz="457200" rtl="0" eaLnBrk="1" latinLnBrk="0" hangingPunct="1">
+              <a:spcBef>
+                <a:spcPct val="20000"/>
+              </a:spcBef>
+              <a:spcAft>
+                <a:spcPts val="600"/>
+              </a:spcAft>
+              <a:buClr>
+                <a:schemeClr val="tx2"/>
+              </a:buClr>
+              <a:buSzPct val="70000"/>
+              <a:buFont typeface="Wingdings 2" charset="2"/>
+              <a:buChar char=""/>
+              <a:defRPr sz="1400" kern="1200">
+                <a:ln>
+                  <a:solidFill>
+                    <a:schemeClr val="bg1">
+                      <a:lumMod val="75000"/>
+                      <a:lumOff val="25000"/>
+                      <a:alpha val="10000"/>
+                    </a:schemeClr>
+                  </a:solidFill>
+                </a:ln>
+                <a:solidFill>
+                  <a:schemeClr val="tx2"/>
+                </a:solidFill>
+                <a:effectLst>
+                  <a:outerShdw blurRad="9525" dist="25400" dir="14640000" algn="tl" rotWithShape="0">
+                    <a:schemeClr val="bg1">
+                      <a:alpha val="30000"/>
+                    </a:schemeClr>
+                  </a:outerShdw>
+                </a:effectLst>
+                <a:latin typeface="+mn-lt"/>
+                <a:ea typeface="+mn-ea"/>
+                <a:cs typeface="+mn-cs"/>
+              </a:defRPr>
+            </a:lvl6pPr>
+            <a:lvl7pPr marL="2401800" indent="-228600" algn="l" defTabSz="457200" rtl="0" eaLnBrk="1" latinLnBrk="0" hangingPunct="1">
+              <a:spcBef>
+                <a:spcPct val="20000"/>
+              </a:spcBef>
+              <a:spcAft>
+                <a:spcPts val="600"/>
+              </a:spcAft>
+              <a:buClr>
+                <a:schemeClr val="tx2"/>
+              </a:buClr>
+              <a:buSzPct val="70000"/>
+              <a:buFont typeface="Wingdings 2" charset="2"/>
+              <a:buChar char=""/>
+              <a:defRPr sz="1400" kern="1200">
+                <a:ln>
+                  <a:solidFill>
+                    <a:schemeClr val="bg1">
+                      <a:lumMod val="75000"/>
+                      <a:lumOff val="25000"/>
+                      <a:alpha val="10000"/>
+                    </a:schemeClr>
+                  </a:solidFill>
+                </a:ln>
+                <a:solidFill>
+                  <a:schemeClr val="tx2"/>
+                </a:solidFill>
+                <a:effectLst>
+                  <a:outerShdw blurRad="9525" dist="25400" dir="14640000" algn="tl" rotWithShape="0">
+                    <a:schemeClr val="bg1">
+                      <a:alpha val="30000"/>
+                    </a:schemeClr>
+                  </a:outerShdw>
+                </a:effectLst>
+                <a:latin typeface="+mn-lt"/>
+                <a:ea typeface="+mn-ea"/>
+                <a:cs typeface="+mn-cs"/>
+              </a:defRPr>
+            </a:lvl7pPr>
+            <a:lvl8pPr marL="2789000" indent="-228600" algn="l" defTabSz="457200" rtl="0" eaLnBrk="1" latinLnBrk="0" hangingPunct="1">
+              <a:spcBef>
+                <a:spcPct val="20000"/>
+              </a:spcBef>
+              <a:spcAft>
+                <a:spcPts val="600"/>
+              </a:spcAft>
+              <a:buClr>
+                <a:schemeClr val="tx2"/>
+              </a:buClr>
+              <a:buSzPct val="70000"/>
+              <a:buFont typeface="Wingdings 2" charset="2"/>
+              <a:buChar char=""/>
+              <a:defRPr sz="1400" kern="1200">
+                <a:ln>
+                  <a:solidFill>
+                    <a:schemeClr val="bg1">
+                      <a:lumMod val="75000"/>
+                      <a:lumOff val="25000"/>
+                      <a:alpha val="10000"/>
+                    </a:schemeClr>
+                  </a:solidFill>
+                </a:ln>
+                <a:solidFill>
+                  <a:schemeClr val="tx2"/>
+                </a:solidFill>
+                <a:effectLst>
+                  <a:outerShdw blurRad="9525" dist="25400" dir="14640000" algn="tl" rotWithShape="0">
+                    <a:schemeClr val="bg1">
+                      <a:alpha val="30000"/>
+                    </a:schemeClr>
+                  </a:outerShdw>
+                </a:effectLst>
+                <a:latin typeface="+mn-lt"/>
+                <a:ea typeface="+mn-ea"/>
+                <a:cs typeface="+mn-cs"/>
+              </a:defRPr>
+            </a:lvl8pPr>
+            <a:lvl9pPr marL="3106200" indent="-228600" algn="l" defTabSz="457200" rtl="0" eaLnBrk="1" latinLnBrk="0" hangingPunct="1">
+              <a:spcBef>
+                <a:spcPct val="20000"/>
+              </a:spcBef>
+              <a:spcAft>
+                <a:spcPts val="600"/>
+              </a:spcAft>
+              <a:buClr>
+                <a:schemeClr val="tx2"/>
+              </a:buClr>
+              <a:buSzPct val="70000"/>
+              <a:buFont typeface="Wingdings 2" charset="2"/>
+              <a:buChar char=""/>
+              <a:defRPr sz="1400" kern="1200">
+                <a:ln>
+                  <a:solidFill>
+                    <a:schemeClr val="bg1">
+                      <a:lumMod val="75000"/>
+                      <a:lumOff val="25000"/>
+                      <a:alpha val="10000"/>
+                    </a:schemeClr>
+                  </a:solidFill>
+                </a:ln>
+                <a:solidFill>
+                  <a:schemeClr val="tx2"/>
+                </a:solidFill>
+                <a:effectLst>
+                  <a:outerShdw blurRad="9525" dist="25400" dir="14640000" algn="tl" rotWithShape="0">
+                    <a:schemeClr val="bg1">
+                      <a:alpha val="30000"/>
+                    </a:schemeClr>
+                  </a:outerShdw>
+                </a:effectLst>
+                <a:latin typeface="+mn-lt"/>
+                <a:ea typeface="+mn-ea"/>
+                <a:cs typeface="+mn-cs"/>
+              </a:defRPr>
+            </a:lvl9pPr>
+          </a:lstStyle>
+          <a:p>
+            <a:pPr marL="36900" indent="0">
+              <a:buFont typeface="Wingdings 2" charset="2"/>
+              <a:buNone/>
+            </a:pPr>
+            <a:r>
+              <a:rPr lang="es-ES_tradnl" sz="2400" b="1" dirty="0" smtClean="0">
+                <a:effectLst/>
+              </a:rPr>
+              <a:t>Master en Desarrollo de Videojuegos </a:t>
+            </a:r>
+            <a:r>
+              <a:rPr lang="es-ES_tradnl" sz="2400" b="1" dirty="0" err="1" smtClean="0">
+                <a:effectLst/>
+              </a:rPr>
+              <a:t>Games</a:t>
+            </a:r>
+            <a:r>
+              <a:rPr lang="es-ES_tradnl" sz="2400" b="1" dirty="0" smtClean="0">
+                <a:effectLst/>
+              </a:rPr>
+              <a:t> UPM</a:t>
+            </a:r>
+            <a:endParaRPr lang="es-ES_tradnl" b="1" dirty="0" smtClean="0">
+              <a:effectLst/>
+            </a:endParaRPr>
+          </a:p>
+          <a:p>
+            <a:r>
+              <a:rPr lang="es-ES_tradnl" b="1" dirty="0" err="1" smtClean="0">
+                <a:effectLst/>
+              </a:rPr>
+              <a:t>Dise</a:t>
+            </a:r>
+            <a:r>
+              <a:rPr lang="es-ES" b="1" dirty="0" err="1" smtClean="0">
+                <a:effectLst/>
+              </a:rPr>
+              <a:t>ño</a:t>
+            </a:r>
+            <a:endParaRPr lang="es-ES_tradnl" b="1" dirty="0" smtClean="0">
+              <a:effectLst/>
+            </a:endParaRPr>
+          </a:p>
+          <a:p>
+            <a:r>
+              <a:rPr lang="es-ES" b="1" dirty="0" smtClean="0">
+                <a:effectLst/>
+              </a:rPr>
+              <a:t>Programación</a:t>
+            </a:r>
+          </a:p>
+          <a:p>
+            <a:r>
+              <a:rPr lang="es-ES" b="1" dirty="0" smtClean="0">
+                <a:effectLst/>
+              </a:rPr>
+              <a:t>Inteligencia Artificial</a:t>
+            </a:r>
+          </a:p>
+          <a:p>
+            <a:r>
+              <a:rPr lang="es-ES" b="1" dirty="0" err="1" smtClean="0">
+                <a:effectLst/>
+              </a:rPr>
+              <a:t>Musica</a:t>
+            </a:r>
+            <a:r>
+              <a:rPr lang="es-ES" b="1" dirty="0" smtClean="0">
+                <a:effectLst/>
+              </a:rPr>
+              <a:t> y FX</a:t>
+            </a:r>
+            <a:endParaRPr lang="es-ES_tradnl" b="1" dirty="0" smtClean="0">
+              <a:effectLst/>
+            </a:endParaRPr>
+          </a:p>
+        </p:txBody>
+      </p:sp>
+      <p:pic>
+        <p:nvPicPr>
+          <p:cNvPr id="1026" name="Picture 2" descr="Master en diseño y desarrollo de videojuegos"/>
+          <p:cNvPicPr>
+            <a:picLocks noChangeAspect="1" noChangeArrowheads="1"/>
+          </p:cNvPicPr>
+          <p:nvPr/>
+        </p:nvPicPr>
+        <p:blipFill>
+          <a:blip r:embed="rId2">
+            <a:extLst>
+              <a:ext uri="{28A0092B-C50C-407E-A947-70E740481C1C}">
+                <a14:useLocalDpi xmlns:a14="http://schemas.microsoft.com/office/drawing/2010/main" val="0"/>
+              </a:ext>
+            </a:extLst>
+          </a:blip>
+          <a:srcRect/>
+          <a:stretch>
+            <a:fillRect/>
+          </a:stretch>
+        </p:blipFill>
+        <p:spPr bwMode="auto">
+          <a:xfrm>
+            <a:off x="-684685" y="1467665"/>
+            <a:ext cx="8667750" cy="2476501"/>
+          </a:xfrm>
+          <a:prstGeom prst="rect">
+            <a:avLst/>
+          </a:prstGeom>
+          <a:noFill/>
+          <a:extLst>
+            <a:ext uri="{909E8E84-426E-40DD-AFC4-6F175D3DCCD1}">
+              <a14:hiddenFill xmlns:a14="http://schemas.microsoft.com/office/drawing/2010/main">
+                <a:solidFill>
+                  <a:srgbClr val="FFFFFF"/>
+                </a:solidFill>
+              </a14:hiddenFill>
+            </a:ext>
+          </a:extLst>
+        </p:spPr>
+      </p:pic>
+      <p:pic>
+        <p:nvPicPr>
+          <p:cNvPr id="5" name="Imagen 4"/>
+          <p:cNvPicPr>
+            <a:picLocks noChangeAspect="1"/>
+          </p:cNvPicPr>
+          <p:nvPr/>
+        </p:nvPicPr>
+        <p:blipFill>
+          <a:blip r:embed="rId3"/>
+          <a:stretch>
+            <a:fillRect/>
+          </a:stretch>
+        </p:blipFill>
+        <p:spPr>
+          <a:xfrm>
+            <a:off x="7484840" y="1389777"/>
+            <a:ext cx="3948413" cy="2632275"/>
+          </a:xfrm>
+          <a:prstGeom prst="rect">
+            <a:avLst/>
+          </a:prstGeom>
+          <a:ln>
+            <a:noFill/>
+          </a:ln>
+          <a:effectLst>
+            <a:softEdge rad="112500"/>
+          </a:effectLst>
+        </p:spPr>
+      </p:pic>
+      <p:sp>
+        <p:nvSpPr>
+          <p:cNvPr id="8" name="Marcador de contenido 2"/>
+          <p:cNvSpPr txBox="1">
+            <a:spLocks/>
+          </p:cNvSpPr>
+          <p:nvPr/>
+        </p:nvSpPr>
+        <p:spPr>
+          <a:xfrm>
+            <a:off x="6882714" y="3983597"/>
+            <a:ext cx="5167560" cy="2565156"/>
+          </a:xfrm>
+          <a:prstGeom prst="rect">
+            <a:avLst/>
+          </a:prstGeom>
+          <a:effectLst>
+            <a:outerShdw blurRad="25400" dir="17880000">
+              <a:srgbClr val="000000">
+                <a:alpha val="46000"/>
+              </a:srgbClr>
+            </a:outerShdw>
+          </a:effectLst>
+        </p:spPr>
+        <p:txBody>
+          <a:bodyPr vert="horz" lIns="91440" tIns="45720" rIns="91440" bIns="45720" rtlCol="0" anchor="t">
+            <a:normAutofit lnSpcReduction="10000"/>
+          </a:bodyPr>
+          <a:lstStyle>
+            <a:lvl1pPr marL="342900" indent="-306000" algn="l" defTabSz="457200" rtl="0" eaLnBrk="1" latinLnBrk="0" hangingPunct="1">
+              <a:spcBef>
+                <a:spcPct val="20000"/>
+              </a:spcBef>
+              <a:spcAft>
+                <a:spcPts val="600"/>
+              </a:spcAft>
+              <a:buClr>
+                <a:schemeClr val="tx2"/>
+              </a:buClr>
+              <a:buSzPct val="70000"/>
+              <a:buFont typeface="Wingdings 2" charset="2"/>
+              <a:buChar char=""/>
+              <a:defRPr sz="2000" kern="1200">
+                <a:ln>
+                  <a:solidFill>
+                    <a:schemeClr val="bg1">
+                      <a:lumMod val="75000"/>
+                      <a:lumOff val="25000"/>
+                      <a:alpha val="10000"/>
+                    </a:schemeClr>
+                  </a:solidFill>
+                </a:ln>
+                <a:solidFill>
+                  <a:schemeClr val="tx2"/>
+                </a:solidFill>
+                <a:effectLst>
+                  <a:outerShdw blurRad="9525" dist="25400" dir="14640000" algn="tl" rotWithShape="0">
+                    <a:schemeClr val="bg1">
+                      <a:alpha val="30000"/>
+                    </a:schemeClr>
+                  </a:outerShdw>
+                </a:effectLst>
+                <a:latin typeface="+mn-lt"/>
+                <a:ea typeface="+mn-ea"/>
+                <a:cs typeface="+mn-cs"/>
+              </a:defRPr>
+            </a:lvl1pPr>
+            <a:lvl2pPr marL="720000" indent="-270000" algn="l" defTabSz="457200" rtl="0" eaLnBrk="1" latinLnBrk="0" hangingPunct="1">
+              <a:spcBef>
+                <a:spcPct val="20000"/>
+              </a:spcBef>
+              <a:spcAft>
+                <a:spcPts val="600"/>
+              </a:spcAft>
+              <a:buClr>
+                <a:schemeClr val="tx2"/>
+              </a:buClr>
+              <a:buSzPct val="70000"/>
+              <a:buFont typeface="Wingdings 2" charset="2"/>
+              <a:buChar char=""/>
+              <a:defRPr sz="1800" kern="1200">
+                <a:ln>
+                  <a:solidFill>
+                    <a:schemeClr val="bg1">
+                      <a:lumMod val="75000"/>
+                      <a:lumOff val="25000"/>
+                      <a:alpha val="10000"/>
+                    </a:schemeClr>
+                  </a:solidFill>
+                </a:ln>
+                <a:solidFill>
+                  <a:schemeClr val="tx2"/>
+                </a:solidFill>
+                <a:effectLst>
+                  <a:outerShdw blurRad="9525" dist="25400" dir="14640000" algn="tl" rotWithShape="0">
+                    <a:schemeClr val="bg1">
+                      <a:alpha val="30000"/>
+                    </a:schemeClr>
+                  </a:outerShdw>
+                </a:effectLst>
+                <a:latin typeface="+mn-lt"/>
+                <a:ea typeface="+mn-ea"/>
+                <a:cs typeface="+mn-cs"/>
+              </a:defRPr>
+            </a:lvl2pPr>
+            <a:lvl3pPr marL="1026000" indent="-216000" algn="l" defTabSz="457200" rtl="0" eaLnBrk="1" latinLnBrk="0" hangingPunct="1">
+              <a:spcBef>
+                <a:spcPct val="20000"/>
+              </a:spcBef>
+              <a:spcAft>
+                <a:spcPts val="600"/>
+              </a:spcAft>
+              <a:buClr>
+                <a:schemeClr val="tx2"/>
+              </a:buClr>
+              <a:buSzPct val="70000"/>
+              <a:buFont typeface="Wingdings 2" charset="2"/>
+              <a:buChar char=""/>
+              <a:defRPr sz="1600" kern="1200">
+                <a:ln>
+                  <a:solidFill>
+                    <a:schemeClr val="bg1">
+                      <a:lumMod val="75000"/>
+                      <a:lumOff val="25000"/>
+                      <a:alpha val="10000"/>
+                    </a:schemeClr>
+                  </a:solidFill>
+                </a:ln>
+                <a:solidFill>
+                  <a:schemeClr val="tx2"/>
+                </a:solidFill>
+                <a:effectLst>
+                  <a:outerShdw blurRad="9525" dist="25400" dir="14640000" algn="tl" rotWithShape="0">
+                    <a:schemeClr val="bg1">
+                      <a:alpha val="30000"/>
+                    </a:schemeClr>
+                  </a:outerShdw>
+                </a:effectLst>
+                <a:latin typeface="+mn-lt"/>
+                <a:ea typeface="+mn-ea"/>
+                <a:cs typeface="+mn-cs"/>
+              </a:defRPr>
+            </a:lvl3pPr>
+            <a:lvl4pPr marL="1386000" indent="-216000" algn="l" defTabSz="457200" rtl="0" eaLnBrk="1" latinLnBrk="0" hangingPunct="1">
+              <a:spcBef>
+                <a:spcPct val="20000"/>
+              </a:spcBef>
+              <a:spcAft>
+                <a:spcPts val="600"/>
+              </a:spcAft>
+              <a:buClr>
+                <a:schemeClr val="tx2"/>
+              </a:buClr>
+              <a:buSzPct val="70000"/>
+              <a:buFont typeface="Wingdings 2" charset="2"/>
+              <a:buChar char=""/>
+              <a:defRPr sz="1400" kern="1200">
+                <a:ln>
+                  <a:solidFill>
+                    <a:schemeClr val="bg1">
+                      <a:lumMod val="75000"/>
+                      <a:lumOff val="25000"/>
+                      <a:alpha val="10000"/>
+                    </a:schemeClr>
+                  </a:solidFill>
+                </a:ln>
+                <a:solidFill>
+                  <a:schemeClr val="tx2"/>
+                </a:solidFill>
+                <a:effectLst>
+                  <a:outerShdw blurRad="9525" dist="25400" dir="14640000" algn="tl" rotWithShape="0">
+                    <a:schemeClr val="bg1">
+                      <a:alpha val="30000"/>
+                    </a:schemeClr>
+                  </a:outerShdw>
+                </a:effectLst>
+                <a:latin typeface="+mn-lt"/>
+                <a:ea typeface="+mn-ea"/>
+                <a:cs typeface="+mn-cs"/>
+              </a:defRPr>
+            </a:lvl4pPr>
+            <a:lvl5pPr marL="1674000" indent="-216000" algn="l" defTabSz="457200" rtl="0" eaLnBrk="1" latinLnBrk="0" hangingPunct="1">
+              <a:spcBef>
+                <a:spcPct val="20000"/>
+              </a:spcBef>
+              <a:spcAft>
+                <a:spcPts val="600"/>
+              </a:spcAft>
+              <a:buClr>
+                <a:schemeClr val="tx2"/>
+              </a:buClr>
+              <a:buSzPct val="70000"/>
+              <a:buFont typeface="Wingdings 2" charset="2"/>
+              <a:buChar char=""/>
+              <a:defRPr sz="1400" kern="1200">
+                <a:ln>
+                  <a:solidFill>
+                    <a:schemeClr val="bg1">
+                      <a:lumMod val="75000"/>
+                      <a:lumOff val="25000"/>
+                      <a:alpha val="10000"/>
+                    </a:schemeClr>
+                  </a:solidFill>
+                </a:ln>
+                <a:solidFill>
+                  <a:schemeClr val="tx2"/>
+                </a:solidFill>
+                <a:effectLst>
+                  <a:outerShdw blurRad="9525" dist="25400" dir="14640000" algn="tl" rotWithShape="0">
+                    <a:schemeClr val="bg1">
+                      <a:alpha val="30000"/>
+                    </a:schemeClr>
+                  </a:outerShdw>
+                </a:effectLst>
+                <a:latin typeface="+mn-lt"/>
+                <a:ea typeface="+mn-ea"/>
+                <a:cs typeface="+mn-cs"/>
+              </a:defRPr>
+            </a:lvl5pPr>
+            <a:lvl6pPr marL="2014600" indent="-228600" algn="l" defTabSz="457200" rtl="0" eaLnBrk="1" latinLnBrk="0" hangingPunct="1">
+              <a:spcBef>
+                <a:spcPct val="20000"/>
+              </a:spcBef>
+              <a:spcAft>
+                <a:spcPts val="600"/>
+              </a:spcAft>
+              <a:buClr>
+                <a:schemeClr val="tx2"/>
+              </a:buClr>
+              <a:buSzPct val="70000"/>
+              <a:buFont typeface="Wingdings 2" charset="2"/>
+              <a:buChar char=""/>
+              <a:defRPr sz="1400" kern="1200">
+                <a:ln>
+                  <a:solidFill>
+                    <a:schemeClr val="bg1">
+                      <a:lumMod val="75000"/>
+                      <a:lumOff val="25000"/>
+                      <a:alpha val="10000"/>
+                    </a:schemeClr>
+                  </a:solidFill>
+                </a:ln>
+                <a:solidFill>
+                  <a:schemeClr val="tx2"/>
+                </a:solidFill>
+                <a:effectLst>
+                  <a:outerShdw blurRad="9525" dist="25400" dir="14640000" algn="tl" rotWithShape="0">
+                    <a:schemeClr val="bg1">
+                      <a:alpha val="30000"/>
+                    </a:schemeClr>
+                  </a:outerShdw>
+                </a:effectLst>
+                <a:latin typeface="+mn-lt"/>
+                <a:ea typeface="+mn-ea"/>
+                <a:cs typeface="+mn-cs"/>
+              </a:defRPr>
+            </a:lvl6pPr>
+            <a:lvl7pPr marL="2401800" indent="-228600" algn="l" defTabSz="457200" rtl="0" eaLnBrk="1" latinLnBrk="0" hangingPunct="1">
+              <a:spcBef>
+                <a:spcPct val="20000"/>
+              </a:spcBef>
+              <a:spcAft>
+                <a:spcPts val="600"/>
+              </a:spcAft>
+              <a:buClr>
+                <a:schemeClr val="tx2"/>
+              </a:buClr>
+              <a:buSzPct val="70000"/>
+              <a:buFont typeface="Wingdings 2" charset="2"/>
+              <a:buChar char=""/>
+              <a:defRPr sz="1400" kern="1200">
+                <a:ln>
+                  <a:solidFill>
+                    <a:schemeClr val="bg1">
+                      <a:lumMod val="75000"/>
+                      <a:lumOff val="25000"/>
+                      <a:alpha val="10000"/>
+                    </a:schemeClr>
+                  </a:solidFill>
+                </a:ln>
+                <a:solidFill>
+                  <a:schemeClr val="tx2"/>
+                </a:solidFill>
+                <a:effectLst>
+                  <a:outerShdw blurRad="9525" dist="25400" dir="14640000" algn="tl" rotWithShape="0">
+                    <a:schemeClr val="bg1">
+                      <a:alpha val="30000"/>
+                    </a:schemeClr>
+                  </a:outerShdw>
+                </a:effectLst>
+                <a:latin typeface="+mn-lt"/>
+                <a:ea typeface="+mn-ea"/>
+                <a:cs typeface="+mn-cs"/>
+              </a:defRPr>
+            </a:lvl7pPr>
+            <a:lvl8pPr marL="2789000" indent="-228600" algn="l" defTabSz="457200" rtl="0" eaLnBrk="1" latinLnBrk="0" hangingPunct="1">
+              <a:spcBef>
+                <a:spcPct val="20000"/>
+              </a:spcBef>
+              <a:spcAft>
+                <a:spcPts val="600"/>
+              </a:spcAft>
+              <a:buClr>
+                <a:schemeClr val="tx2"/>
+              </a:buClr>
+              <a:buSzPct val="70000"/>
+              <a:buFont typeface="Wingdings 2" charset="2"/>
+              <a:buChar char=""/>
+              <a:defRPr sz="1400" kern="1200">
+                <a:ln>
+                  <a:solidFill>
+                    <a:schemeClr val="bg1">
+                      <a:lumMod val="75000"/>
+                      <a:lumOff val="25000"/>
+                      <a:alpha val="10000"/>
+                    </a:schemeClr>
+                  </a:solidFill>
+                </a:ln>
+                <a:solidFill>
+                  <a:schemeClr val="tx2"/>
+                </a:solidFill>
+                <a:effectLst>
+                  <a:outerShdw blurRad="9525" dist="25400" dir="14640000" algn="tl" rotWithShape="0">
+                    <a:schemeClr val="bg1">
+                      <a:alpha val="30000"/>
+                    </a:schemeClr>
+                  </a:outerShdw>
+                </a:effectLst>
+                <a:latin typeface="+mn-lt"/>
+                <a:ea typeface="+mn-ea"/>
+                <a:cs typeface="+mn-cs"/>
+              </a:defRPr>
+            </a:lvl8pPr>
+            <a:lvl9pPr marL="3106200" indent="-228600" algn="l" defTabSz="457200" rtl="0" eaLnBrk="1" latinLnBrk="0" hangingPunct="1">
+              <a:spcBef>
+                <a:spcPct val="20000"/>
+              </a:spcBef>
+              <a:spcAft>
+                <a:spcPts val="600"/>
+              </a:spcAft>
+              <a:buClr>
+                <a:schemeClr val="tx2"/>
+              </a:buClr>
+              <a:buSzPct val="70000"/>
+              <a:buFont typeface="Wingdings 2" charset="2"/>
+              <a:buChar char=""/>
+              <a:defRPr sz="1400" kern="1200">
+                <a:ln>
+                  <a:solidFill>
+                    <a:schemeClr val="bg1">
+                      <a:lumMod val="75000"/>
+                      <a:lumOff val="25000"/>
+                      <a:alpha val="10000"/>
+                    </a:schemeClr>
+                  </a:solidFill>
+                </a:ln>
+                <a:solidFill>
+                  <a:schemeClr val="tx2"/>
+                </a:solidFill>
+                <a:effectLst>
+                  <a:outerShdw blurRad="9525" dist="25400" dir="14640000" algn="tl" rotWithShape="0">
+                    <a:schemeClr val="bg1">
+                      <a:alpha val="30000"/>
+                    </a:schemeClr>
+                  </a:outerShdw>
+                </a:effectLst>
+                <a:latin typeface="+mn-lt"/>
+                <a:ea typeface="+mn-ea"/>
+                <a:cs typeface="+mn-cs"/>
+              </a:defRPr>
+            </a:lvl9pPr>
+          </a:lstStyle>
+          <a:p>
+            <a:pPr marL="36900" indent="0">
+              <a:buFont typeface="Wingdings 2" charset="2"/>
+              <a:buNone/>
+            </a:pPr>
+            <a:r>
+              <a:rPr lang="es-ES_tradnl" sz="2400" b="1" dirty="0" smtClean="0">
+                <a:effectLst/>
+              </a:rPr>
+              <a:t>Grado en Desarrollo de Videojuegos</a:t>
+            </a:r>
+            <a:endParaRPr lang="es-ES_tradnl" b="1" dirty="0" smtClean="0">
+              <a:effectLst/>
+            </a:endParaRPr>
+          </a:p>
+          <a:p>
+            <a:r>
+              <a:rPr lang="es-ES_tradnl" b="1" dirty="0" smtClean="0">
+                <a:effectLst/>
+              </a:rPr>
+              <a:t>Carrera enfocada al desarrollo</a:t>
+            </a:r>
+          </a:p>
+          <a:p>
+            <a:r>
+              <a:rPr lang="es-ES" b="1" dirty="0" smtClean="0">
+                <a:effectLst/>
+              </a:rPr>
+              <a:t>Desarrollo</a:t>
+            </a:r>
+          </a:p>
+          <a:p>
+            <a:r>
+              <a:rPr lang="es-ES" b="1" dirty="0" smtClean="0">
+                <a:effectLst/>
+              </a:rPr>
+              <a:t>Arte</a:t>
+            </a:r>
+          </a:p>
+          <a:p>
+            <a:r>
+              <a:rPr lang="es-ES" b="1" dirty="0" smtClean="0">
+                <a:effectLst/>
+              </a:rPr>
+              <a:t>Motores Gráficos</a:t>
+            </a:r>
+          </a:p>
+          <a:p>
+            <a:r>
+              <a:rPr lang="es-ES" b="1" dirty="0" smtClean="0">
+                <a:effectLst/>
+              </a:rPr>
+              <a:t>Algoritmos</a:t>
+            </a:r>
+            <a:endParaRPr lang="es-ES_tradnl" b="1" dirty="0" smtClean="0">
+              <a:effectLst/>
+            </a:endParaRPr>
           </a:p>
         </p:txBody>
       </p:sp>
@@ -9930,22 +11192,951 @@
           </a:p>
         </p:txBody>
       </p:sp>
-      <p:sp>
-        <p:nvSpPr>
-          <p:cNvPr id="3" name="Marcador de contenido 2"/>
-          <p:cNvSpPr>
-            <a:spLocks noGrp="1"/>
-          </p:cNvSpPr>
-          <p:nvPr>
-            <p:ph idx="1"/>
-          </p:nvPr>
-        </p:nvSpPr>
-        <p:spPr/>
-        <p:txBody>
-          <a:bodyPr/>
-          <a:lstStyle/>
-          <a:p>
-            <a:endParaRPr lang="es-ES"/>
+      <p:pic>
+        <p:nvPicPr>
+          <p:cNvPr id="3074" name="Picture 2" descr="http://marketblog.envato.com/wp-content/uploads/2013/04/3dmotive.jpg"/>
+          <p:cNvPicPr>
+            <a:picLocks noChangeAspect="1" noChangeArrowheads="1"/>
+          </p:cNvPicPr>
+          <p:nvPr/>
+        </p:nvPicPr>
+        <p:blipFill>
+          <a:blip r:embed="rId2">
+            <a:extLst>
+              <a:ext uri="{28A0092B-C50C-407E-A947-70E740481C1C}">
+                <a14:useLocalDpi xmlns:a14="http://schemas.microsoft.com/office/drawing/2010/main" val="0"/>
+              </a:ext>
+            </a:extLst>
+          </a:blip>
+          <a:srcRect/>
+          <a:stretch>
+            <a:fillRect/>
+          </a:stretch>
+        </p:blipFill>
+        <p:spPr bwMode="auto">
+          <a:xfrm>
+            <a:off x="1650742" y="1508898"/>
+            <a:ext cx="2857500" cy="1905000"/>
+          </a:xfrm>
+          <a:prstGeom prst="rect">
+            <a:avLst/>
+          </a:prstGeom>
+          <a:noFill/>
+          <a:extLst>
+            <a:ext uri="{909E8E84-426E-40DD-AFC4-6F175D3DCCD1}">
+              <a14:hiddenFill xmlns:a14="http://schemas.microsoft.com/office/drawing/2010/main">
+                <a:solidFill>
+                  <a:srgbClr val="FFFFFF"/>
+                </a:solidFill>
+              </a14:hiddenFill>
+            </a:ext>
+          </a:extLst>
+        </p:spPr>
+      </p:pic>
+      <p:pic>
+        <p:nvPicPr>
+          <p:cNvPr id="3076" name="Picture 4" descr="http://lynda.uiowa.edu/files/lynda.uiowa.edu/files/styles/large/public/lynda_logo1r-p_1x1.gif?itok=tgMeqWz3"/>
+          <p:cNvPicPr>
+            <a:picLocks noChangeAspect="1" noChangeArrowheads="1"/>
+          </p:cNvPicPr>
+          <p:nvPr/>
+        </p:nvPicPr>
+        <p:blipFill>
+          <a:blip r:embed="rId3">
+            <a:extLst>
+              <a:ext uri="{28A0092B-C50C-407E-A947-70E740481C1C}">
+                <a14:useLocalDpi xmlns:a14="http://schemas.microsoft.com/office/drawing/2010/main" val="0"/>
+              </a:ext>
+            </a:extLst>
+          </a:blip>
+          <a:srcRect/>
+          <a:stretch>
+            <a:fillRect/>
+          </a:stretch>
+        </p:blipFill>
+        <p:spPr bwMode="auto">
+          <a:xfrm>
+            <a:off x="8340621" y="1365422"/>
+            <a:ext cx="2272027" cy="2272027"/>
+          </a:xfrm>
+          <a:prstGeom prst="rect">
+            <a:avLst/>
+          </a:prstGeom>
+          <a:noFill/>
+          <a:extLst>
+            <a:ext uri="{909E8E84-426E-40DD-AFC4-6F175D3DCCD1}">
+              <a14:hiddenFill xmlns:a14="http://schemas.microsoft.com/office/drawing/2010/main">
+                <a:solidFill>
+                  <a:srgbClr val="FFFFFF"/>
+                </a:solidFill>
+              </a14:hiddenFill>
+            </a:ext>
+          </a:extLst>
+        </p:spPr>
+      </p:pic>
+      <p:sp>
+        <p:nvSpPr>
+          <p:cNvPr id="6" name="Marcador de contenido 2"/>
+          <p:cNvSpPr txBox="1">
+            <a:spLocks/>
+          </p:cNvSpPr>
+          <p:nvPr/>
+        </p:nvSpPr>
+        <p:spPr>
+          <a:xfrm>
+            <a:off x="913795" y="3749147"/>
+            <a:ext cx="5769527" cy="2565156"/>
+          </a:xfrm>
+          <a:prstGeom prst="rect">
+            <a:avLst/>
+          </a:prstGeom>
+          <a:effectLst>
+            <a:outerShdw blurRad="25400" dir="17880000">
+              <a:srgbClr val="000000">
+                <a:alpha val="46000"/>
+              </a:srgbClr>
+            </a:outerShdw>
+          </a:effectLst>
+        </p:spPr>
+        <p:txBody>
+          <a:bodyPr vert="horz" lIns="91440" tIns="45720" rIns="91440" bIns="45720" rtlCol="0" anchor="t">
+            <a:normAutofit/>
+          </a:bodyPr>
+          <a:lstStyle>
+            <a:lvl1pPr marL="342900" indent="-306000" algn="l" defTabSz="457200" rtl="0" eaLnBrk="1" latinLnBrk="0" hangingPunct="1">
+              <a:spcBef>
+                <a:spcPct val="20000"/>
+              </a:spcBef>
+              <a:spcAft>
+                <a:spcPts val="600"/>
+              </a:spcAft>
+              <a:buClr>
+                <a:schemeClr val="tx2"/>
+              </a:buClr>
+              <a:buSzPct val="70000"/>
+              <a:buFont typeface="Wingdings 2" charset="2"/>
+              <a:buChar char=""/>
+              <a:defRPr sz="2000" kern="1200">
+                <a:ln>
+                  <a:solidFill>
+                    <a:schemeClr val="bg1">
+                      <a:lumMod val="75000"/>
+                      <a:lumOff val="25000"/>
+                      <a:alpha val="10000"/>
+                    </a:schemeClr>
+                  </a:solidFill>
+                </a:ln>
+                <a:solidFill>
+                  <a:schemeClr val="tx2"/>
+                </a:solidFill>
+                <a:effectLst>
+                  <a:outerShdw blurRad="9525" dist="25400" dir="14640000" algn="tl" rotWithShape="0">
+                    <a:schemeClr val="bg1">
+                      <a:alpha val="30000"/>
+                    </a:schemeClr>
+                  </a:outerShdw>
+                </a:effectLst>
+                <a:latin typeface="+mn-lt"/>
+                <a:ea typeface="+mn-ea"/>
+                <a:cs typeface="+mn-cs"/>
+              </a:defRPr>
+            </a:lvl1pPr>
+            <a:lvl2pPr marL="720000" indent="-270000" algn="l" defTabSz="457200" rtl="0" eaLnBrk="1" latinLnBrk="0" hangingPunct="1">
+              <a:spcBef>
+                <a:spcPct val="20000"/>
+              </a:spcBef>
+              <a:spcAft>
+                <a:spcPts val="600"/>
+              </a:spcAft>
+              <a:buClr>
+                <a:schemeClr val="tx2"/>
+              </a:buClr>
+              <a:buSzPct val="70000"/>
+              <a:buFont typeface="Wingdings 2" charset="2"/>
+              <a:buChar char=""/>
+              <a:defRPr sz="1800" kern="1200">
+                <a:ln>
+                  <a:solidFill>
+                    <a:schemeClr val="bg1">
+                      <a:lumMod val="75000"/>
+                      <a:lumOff val="25000"/>
+                      <a:alpha val="10000"/>
+                    </a:schemeClr>
+                  </a:solidFill>
+                </a:ln>
+                <a:solidFill>
+                  <a:schemeClr val="tx2"/>
+                </a:solidFill>
+                <a:effectLst>
+                  <a:outerShdw blurRad="9525" dist="25400" dir="14640000" algn="tl" rotWithShape="0">
+                    <a:schemeClr val="bg1">
+                      <a:alpha val="30000"/>
+                    </a:schemeClr>
+                  </a:outerShdw>
+                </a:effectLst>
+                <a:latin typeface="+mn-lt"/>
+                <a:ea typeface="+mn-ea"/>
+                <a:cs typeface="+mn-cs"/>
+              </a:defRPr>
+            </a:lvl2pPr>
+            <a:lvl3pPr marL="1026000" indent="-216000" algn="l" defTabSz="457200" rtl="0" eaLnBrk="1" latinLnBrk="0" hangingPunct="1">
+              <a:spcBef>
+                <a:spcPct val="20000"/>
+              </a:spcBef>
+              <a:spcAft>
+                <a:spcPts val="600"/>
+              </a:spcAft>
+              <a:buClr>
+                <a:schemeClr val="tx2"/>
+              </a:buClr>
+              <a:buSzPct val="70000"/>
+              <a:buFont typeface="Wingdings 2" charset="2"/>
+              <a:buChar char=""/>
+              <a:defRPr sz="1600" kern="1200">
+                <a:ln>
+                  <a:solidFill>
+                    <a:schemeClr val="bg1">
+                      <a:lumMod val="75000"/>
+                      <a:lumOff val="25000"/>
+                      <a:alpha val="10000"/>
+                    </a:schemeClr>
+                  </a:solidFill>
+                </a:ln>
+                <a:solidFill>
+                  <a:schemeClr val="tx2"/>
+                </a:solidFill>
+                <a:effectLst>
+                  <a:outerShdw blurRad="9525" dist="25400" dir="14640000" algn="tl" rotWithShape="0">
+                    <a:schemeClr val="bg1">
+                      <a:alpha val="30000"/>
+                    </a:schemeClr>
+                  </a:outerShdw>
+                </a:effectLst>
+                <a:latin typeface="+mn-lt"/>
+                <a:ea typeface="+mn-ea"/>
+                <a:cs typeface="+mn-cs"/>
+              </a:defRPr>
+            </a:lvl3pPr>
+            <a:lvl4pPr marL="1386000" indent="-216000" algn="l" defTabSz="457200" rtl="0" eaLnBrk="1" latinLnBrk="0" hangingPunct="1">
+              <a:spcBef>
+                <a:spcPct val="20000"/>
+              </a:spcBef>
+              <a:spcAft>
+                <a:spcPts val="600"/>
+              </a:spcAft>
+              <a:buClr>
+                <a:schemeClr val="tx2"/>
+              </a:buClr>
+              <a:buSzPct val="70000"/>
+              <a:buFont typeface="Wingdings 2" charset="2"/>
+              <a:buChar char=""/>
+              <a:defRPr sz="1400" kern="1200">
+                <a:ln>
+                  <a:solidFill>
+                    <a:schemeClr val="bg1">
+                      <a:lumMod val="75000"/>
+                      <a:lumOff val="25000"/>
+                      <a:alpha val="10000"/>
+                    </a:schemeClr>
+                  </a:solidFill>
+                </a:ln>
+                <a:solidFill>
+                  <a:schemeClr val="tx2"/>
+                </a:solidFill>
+                <a:effectLst>
+                  <a:outerShdw blurRad="9525" dist="25400" dir="14640000" algn="tl" rotWithShape="0">
+                    <a:schemeClr val="bg1">
+                      <a:alpha val="30000"/>
+                    </a:schemeClr>
+                  </a:outerShdw>
+                </a:effectLst>
+                <a:latin typeface="+mn-lt"/>
+                <a:ea typeface="+mn-ea"/>
+                <a:cs typeface="+mn-cs"/>
+              </a:defRPr>
+            </a:lvl4pPr>
+            <a:lvl5pPr marL="1674000" indent="-216000" algn="l" defTabSz="457200" rtl="0" eaLnBrk="1" latinLnBrk="0" hangingPunct="1">
+              <a:spcBef>
+                <a:spcPct val="20000"/>
+              </a:spcBef>
+              <a:spcAft>
+                <a:spcPts val="600"/>
+              </a:spcAft>
+              <a:buClr>
+                <a:schemeClr val="tx2"/>
+              </a:buClr>
+              <a:buSzPct val="70000"/>
+              <a:buFont typeface="Wingdings 2" charset="2"/>
+              <a:buChar char=""/>
+              <a:defRPr sz="1400" kern="1200">
+                <a:ln>
+                  <a:solidFill>
+                    <a:schemeClr val="bg1">
+                      <a:lumMod val="75000"/>
+                      <a:lumOff val="25000"/>
+                      <a:alpha val="10000"/>
+                    </a:schemeClr>
+                  </a:solidFill>
+                </a:ln>
+                <a:solidFill>
+                  <a:schemeClr val="tx2"/>
+                </a:solidFill>
+                <a:effectLst>
+                  <a:outerShdw blurRad="9525" dist="25400" dir="14640000" algn="tl" rotWithShape="0">
+                    <a:schemeClr val="bg1">
+                      <a:alpha val="30000"/>
+                    </a:schemeClr>
+                  </a:outerShdw>
+                </a:effectLst>
+                <a:latin typeface="+mn-lt"/>
+                <a:ea typeface="+mn-ea"/>
+                <a:cs typeface="+mn-cs"/>
+              </a:defRPr>
+            </a:lvl5pPr>
+            <a:lvl6pPr marL="2014600" indent="-228600" algn="l" defTabSz="457200" rtl="0" eaLnBrk="1" latinLnBrk="0" hangingPunct="1">
+              <a:spcBef>
+                <a:spcPct val="20000"/>
+              </a:spcBef>
+              <a:spcAft>
+                <a:spcPts val="600"/>
+              </a:spcAft>
+              <a:buClr>
+                <a:schemeClr val="tx2"/>
+              </a:buClr>
+              <a:buSzPct val="70000"/>
+              <a:buFont typeface="Wingdings 2" charset="2"/>
+              <a:buChar char=""/>
+              <a:defRPr sz="1400" kern="1200">
+                <a:ln>
+                  <a:solidFill>
+                    <a:schemeClr val="bg1">
+                      <a:lumMod val="75000"/>
+                      <a:lumOff val="25000"/>
+                      <a:alpha val="10000"/>
+                    </a:schemeClr>
+                  </a:solidFill>
+                </a:ln>
+                <a:solidFill>
+                  <a:schemeClr val="tx2"/>
+                </a:solidFill>
+                <a:effectLst>
+                  <a:outerShdw blurRad="9525" dist="25400" dir="14640000" algn="tl" rotWithShape="0">
+                    <a:schemeClr val="bg1">
+                      <a:alpha val="30000"/>
+                    </a:schemeClr>
+                  </a:outerShdw>
+                </a:effectLst>
+                <a:latin typeface="+mn-lt"/>
+                <a:ea typeface="+mn-ea"/>
+                <a:cs typeface="+mn-cs"/>
+              </a:defRPr>
+            </a:lvl6pPr>
+            <a:lvl7pPr marL="2401800" indent="-228600" algn="l" defTabSz="457200" rtl="0" eaLnBrk="1" latinLnBrk="0" hangingPunct="1">
+              <a:spcBef>
+                <a:spcPct val="20000"/>
+              </a:spcBef>
+              <a:spcAft>
+                <a:spcPts val="600"/>
+              </a:spcAft>
+              <a:buClr>
+                <a:schemeClr val="tx2"/>
+              </a:buClr>
+              <a:buSzPct val="70000"/>
+              <a:buFont typeface="Wingdings 2" charset="2"/>
+              <a:buChar char=""/>
+              <a:defRPr sz="1400" kern="1200">
+                <a:ln>
+                  <a:solidFill>
+                    <a:schemeClr val="bg1">
+                      <a:lumMod val="75000"/>
+                      <a:lumOff val="25000"/>
+                      <a:alpha val="10000"/>
+                    </a:schemeClr>
+                  </a:solidFill>
+                </a:ln>
+                <a:solidFill>
+                  <a:schemeClr val="tx2"/>
+                </a:solidFill>
+                <a:effectLst>
+                  <a:outerShdw blurRad="9525" dist="25400" dir="14640000" algn="tl" rotWithShape="0">
+                    <a:schemeClr val="bg1">
+                      <a:alpha val="30000"/>
+                    </a:schemeClr>
+                  </a:outerShdw>
+                </a:effectLst>
+                <a:latin typeface="+mn-lt"/>
+                <a:ea typeface="+mn-ea"/>
+                <a:cs typeface="+mn-cs"/>
+              </a:defRPr>
+            </a:lvl7pPr>
+            <a:lvl8pPr marL="2789000" indent="-228600" algn="l" defTabSz="457200" rtl="0" eaLnBrk="1" latinLnBrk="0" hangingPunct="1">
+              <a:spcBef>
+                <a:spcPct val="20000"/>
+              </a:spcBef>
+              <a:spcAft>
+                <a:spcPts val="600"/>
+              </a:spcAft>
+              <a:buClr>
+                <a:schemeClr val="tx2"/>
+              </a:buClr>
+              <a:buSzPct val="70000"/>
+              <a:buFont typeface="Wingdings 2" charset="2"/>
+              <a:buChar char=""/>
+              <a:defRPr sz="1400" kern="1200">
+                <a:ln>
+                  <a:solidFill>
+                    <a:schemeClr val="bg1">
+                      <a:lumMod val="75000"/>
+                      <a:lumOff val="25000"/>
+                      <a:alpha val="10000"/>
+                    </a:schemeClr>
+                  </a:solidFill>
+                </a:ln>
+                <a:solidFill>
+                  <a:schemeClr val="tx2"/>
+                </a:solidFill>
+                <a:effectLst>
+                  <a:outerShdw blurRad="9525" dist="25400" dir="14640000" algn="tl" rotWithShape="0">
+                    <a:schemeClr val="bg1">
+                      <a:alpha val="30000"/>
+                    </a:schemeClr>
+                  </a:outerShdw>
+                </a:effectLst>
+                <a:latin typeface="+mn-lt"/>
+                <a:ea typeface="+mn-ea"/>
+                <a:cs typeface="+mn-cs"/>
+              </a:defRPr>
+            </a:lvl8pPr>
+            <a:lvl9pPr marL="3106200" indent="-228600" algn="l" defTabSz="457200" rtl="0" eaLnBrk="1" latinLnBrk="0" hangingPunct="1">
+              <a:spcBef>
+                <a:spcPct val="20000"/>
+              </a:spcBef>
+              <a:spcAft>
+                <a:spcPts val="600"/>
+              </a:spcAft>
+              <a:buClr>
+                <a:schemeClr val="tx2"/>
+              </a:buClr>
+              <a:buSzPct val="70000"/>
+              <a:buFont typeface="Wingdings 2" charset="2"/>
+              <a:buChar char=""/>
+              <a:defRPr sz="1400" kern="1200">
+                <a:ln>
+                  <a:solidFill>
+                    <a:schemeClr val="bg1">
+                      <a:lumMod val="75000"/>
+                      <a:lumOff val="25000"/>
+                      <a:alpha val="10000"/>
+                    </a:schemeClr>
+                  </a:solidFill>
+                </a:ln>
+                <a:solidFill>
+                  <a:schemeClr val="tx2"/>
+                </a:solidFill>
+                <a:effectLst>
+                  <a:outerShdw blurRad="9525" dist="25400" dir="14640000" algn="tl" rotWithShape="0">
+                    <a:schemeClr val="bg1">
+                      <a:alpha val="30000"/>
+                    </a:schemeClr>
+                  </a:outerShdw>
+                </a:effectLst>
+                <a:latin typeface="+mn-lt"/>
+                <a:ea typeface="+mn-ea"/>
+                <a:cs typeface="+mn-cs"/>
+              </a:defRPr>
+            </a:lvl9pPr>
+          </a:lstStyle>
+          <a:p>
+            <a:pPr marL="36900" indent="0">
+              <a:buFont typeface="Wingdings 2" charset="2"/>
+              <a:buNone/>
+            </a:pPr>
+            <a:r>
+              <a:rPr lang="es-ES_tradnl" sz="2400" b="1" dirty="0" smtClean="0">
+                <a:effectLst/>
+              </a:rPr>
+              <a:t>Introducción a Unity5</a:t>
+            </a:r>
+            <a:endParaRPr lang="es-ES_tradnl" b="1" dirty="0" smtClean="0">
+              <a:effectLst/>
+            </a:endParaRPr>
+          </a:p>
+          <a:p>
+            <a:r>
+              <a:rPr lang="es-ES_tradnl" b="1" dirty="0" smtClean="0">
+                <a:effectLst/>
+              </a:rPr>
+              <a:t>Enfocado a Principiantes</a:t>
+            </a:r>
+          </a:p>
+          <a:p>
+            <a:r>
+              <a:rPr lang="es-ES" b="1" dirty="0" smtClean="0">
+                <a:effectLst/>
+              </a:rPr>
+              <a:t>Sin experiencia requerida</a:t>
+            </a:r>
+          </a:p>
+          <a:p>
+            <a:r>
+              <a:rPr lang="es-ES" b="1" dirty="0" smtClean="0">
+                <a:effectLst/>
+              </a:rPr>
+              <a:t>Ejemplos claros y concisos</a:t>
+            </a:r>
+          </a:p>
+          <a:p>
+            <a:r>
+              <a:rPr lang="es-ES" b="1" dirty="0" smtClean="0">
+                <a:effectLst/>
+              </a:rPr>
+              <a:t>Desde lo simple hasta lo complejo</a:t>
+            </a:r>
+            <a:endParaRPr lang="es-ES_tradnl" b="1" dirty="0" smtClean="0">
+              <a:effectLst/>
+            </a:endParaRPr>
+          </a:p>
+        </p:txBody>
+      </p:sp>
+      <p:sp>
+        <p:nvSpPr>
+          <p:cNvPr id="7" name="Marcador de contenido 2"/>
+          <p:cNvSpPr txBox="1">
+            <a:spLocks/>
+          </p:cNvSpPr>
+          <p:nvPr/>
+        </p:nvSpPr>
+        <p:spPr>
+          <a:xfrm>
+            <a:off x="6591870" y="3829221"/>
+            <a:ext cx="5769527" cy="2565156"/>
+          </a:xfrm>
+          <a:prstGeom prst="rect">
+            <a:avLst/>
+          </a:prstGeom>
+          <a:effectLst>
+            <a:outerShdw blurRad="25400" dir="17880000">
+              <a:srgbClr val="000000">
+                <a:alpha val="46000"/>
+              </a:srgbClr>
+            </a:outerShdw>
+          </a:effectLst>
+        </p:spPr>
+        <p:txBody>
+          <a:bodyPr vert="horz" lIns="91440" tIns="45720" rIns="91440" bIns="45720" rtlCol="0" anchor="t">
+            <a:normAutofit/>
+          </a:bodyPr>
+          <a:lstStyle>
+            <a:lvl1pPr marL="342900" indent="-306000" algn="l" defTabSz="457200" rtl="0" eaLnBrk="1" latinLnBrk="0" hangingPunct="1">
+              <a:spcBef>
+                <a:spcPct val="20000"/>
+              </a:spcBef>
+              <a:spcAft>
+                <a:spcPts val="600"/>
+              </a:spcAft>
+              <a:buClr>
+                <a:schemeClr val="tx2"/>
+              </a:buClr>
+              <a:buSzPct val="70000"/>
+              <a:buFont typeface="Wingdings 2" charset="2"/>
+              <a:buChar char=""/>
+              <a:defRPr sz="2000" kern="1200">
+                <a:ln>
+                  <a:solidFill>
+                    <a:schemeClr val="bg1">
+                      <a:lumMod val="75000"/>
+                      <a:lumOff val="25000"/>
+                      <a:alpha val="10000"/>
+                    </a:schemeClr>
+                  </a:solidFill>
+                </a:ln>
+                <a:solidFill>
+                  <a:schemeClr val="tx2"/>
+                </a:solidFill>
+                <a:effectLst>
+                  <a:outerShdw blurRad="9525" dist="25400" dir="14640000" algn="tl" rotWithShape="0">
+                    <a:schemeClr val="bg1">
+                      <a:alpha val="30000"/>
+                    </a:schemeClr>
+                  </a:outerShdw>
+                </a:effectLst>
+                <a:latin typeface="+mn-lt"/>
+                <a:ea typeface="+mn-ea"/>
+                <a:cs typeface="+mn-cs"/>
+              </a:defRPr>
+            </a:lvl1pPr>
+            <a:lvl2pPr marL="720000" indent="-270000" algn="l" defTabSz="457200" rtl="0" eaLnBrk="1" latinLnBrk="0" hangingPunct="1">
+              <a:spcBef>
+                <a:spcPct val="20000"/>
+              </a:spcBef>
+              <a:spcAft>
+                <a:spcPts val="600"/>
+              </a:spcAft>
+              <a:buClr>
+                <a:schemeClr val="tx2"/>
+              </a:buClr>
+              <a:buSzPct val="70000"/>
+              <a:buFont typeface="Wingdings 2" charset="2"/>
+              <a:buChar char=""/>
+              <a:defRPr sz="1800" kern="1200">
+                <a:ln>
+                  <a:solidFill>
+                    <a:schemeClr val="bg1">
+                      <a:lumMod val="75000"/>
+                      <a:lumOff val="25000"/>
+                      <a:alpha val="10000"/>
+                    </a:schemeClr>
+                  </a:solidFill>
+                </a:ln>
+                <a:solidFill>
+                  <a:schemeClr val="tx2"/>
+                </a:solidFill>
+                <a:effectLst>
+                  <a:outerShdw blurRad="9525" dist="25400" dir="14640000" algn="tl" rotWithShape="0">
+                    <a:schemeClr val="bg1">
+                      <a:alpha val="30000"/>
+                    </a:schemeClr>
+                  </a:outerShdw>
+                </a:effectLst>
+                <a:latin typeface="+mn-lt"/>
+                <a:ea typeface="+mn-ea"/>
+                <a:cs typeface="+mn-cs"/>
+              </a:defRPr>
+            </a:lvl2pPr>
+            <a:lvl3pPr marL="1026000" indent="-216000" algn="l" defTabSz="457200" rtl="0" eaLnBrk="1" latinLnBrk="0" hangingPunct="1">
+              <a:spcBef>
+                <a:spcPct val="20000"/>
+              </a:spcBef>
+              <a:spcAft>
+                <a:spcPts val="600"/>
+              </a:spcAft>
+              <a:buClr>
+                <a:schemeClr val="tx2"/>
+              </a:buClr>
+              <a:buSzPct val="70000"/>
+              <a:buFont typeface="Wingdings 2" charset="2"/>
+              <a:buChar char=""/>
+              <a:defRPr sz="1600" kern="1200">
+                <a:ln>
+                  <a:solidFill>
+                    <a:schemeClr val="bg1">
+                      <a:lumMod val="75000"/>
+                      <a:lumOff val="25000"/>
+                      <a:alpha val="10000"/>
+                    </a:schemeClr>
+                  </a:solidFill>
+                </a:ln>
+                <a:solidFill>
+                  <a:schemeClr val="tx2"/>
+                </a:solidFill>
+                <a:effectLst>
+                  <a:outerShdw blurRad="9525" dist="25400" dir="14640000" algn="tl" rotWithShape="0">
+                    <a:schemeClr val="bg1">
+                      <a:alpha val="30000"/>
+                    </a:schemeClr>
+                  </a:outerShdw>
+                </a:effectLst>
+                <a:latin typeface="+mn-lt"/>
+                <a:ea typeface="+mn-ea"/>
+                <a:cs typeface="+mn-cs"/>
+              </a:defRPr>
+            </a:lvl3pPr>
+            <a:lvl4pPr marL="1386000" indent="-216000" algn="l" defTabSz="457200" rtl="0" eaLnBrk="1" latinLnBrk="0" hangingPunct="1">
+              <a:spcBef>
+                <a:spcPct val="20000"/>
+              </a:spcBef>
+              <a:spcAft>
+                <a:spcPts val="600"/>
+              </a:spcAft>
+              <a:buClr>
+                <a:schemeClr val="tx2"/>
+              </a:buClr>
+              <a:buSzPct val="70000"/>
+              <a:buFont typeface="Wingdings 2" charset="2"/>
+              <a:buChar char=""/>
+              <a:defRPr sz="1400" kern="1200">
+                <a:ln>
+                  <a:solidFill>
+                    <a:schemeClr val="bg1">
+                      <a:lumMod val="75000"/>
+                      <a:lumOff val="25000"/>
+                      <a:alpha val="10000"/>
+                    </a:schemeClr>
+                  </a:solidFill>
+                </a:ln>
+                <a:solidFill>
+                  <a:schemeClr val="tx2"/>
+                </a:solidFill>
+                <a:effectLst>
+                  <a:outerShdw blurRad="9525" dist="25400" dir="14640000" algn="tl" rotWithShape="0">
+                    <a:schemeClr val="bg1">
+                      <a:alpha val="30000"/>
+                    </a:schemeClr>
+                  </a:outerShdw>
+                </a:effectLst>
+                <a:latin typeface="+mn-lt"/>
+                <a:ea typeface="+mn-ea"/>
+                <a:cs typeface="+mn-cs"/>
+              </a:defRPr>
+            </a:lvl4pPr>
+            <a:lvl5pPr marL="1674000" indent="-216000" algn="l" defTabSz="457200" rtl="0" eaLnBrk="1" latinLnBrk="0" hangingPunct="1">
+              <a:spcBef>
+                <a:spcPct val="20000"/>
+              </a:spcBef>
+              <a:spcAft>
+                <a:spcPts val="600"/>
+              </a:spcAft>
+              <a:buClr>
+                <a:schemeClr val="tx2"/>
+              </a:buClr>
+              <a:buSzPct val="70000"/>
+              <a:buFont typeface="Wingdings 2" charset="2"/>
+              <a:buChar char=""/>
+              <a:defRPr sz="1400" kern="1200">
+                <a:ln>
+                  <a:solidFill>
+                    <a:schemeClr val="bg1">
+                      <a:lumMod val="75000"/>
+                      <a:lumOff val="25000"/>
+                      <a:alpha val="10000"/>
+                    </a:schemeClr>
+                  </a:solidFill>
+                </a:ln>
+                <a:solidFill>
+                  <a:schemeClr val="tx2"/>
+                </a:solidFill>
+                <a:effectLst>
+                  <a:outerShdw blurRad="9525" dist="25400" dir="14640000" algn="tl" rotWithShape="0">
+                    <a:schemeClr val="bg1">
+                      <a:alpha val="30000"/>
+                    </a:schemeClr>
+                  </a:outerShdw>
+                </a:effectLst>
+                <a:latin typeface="+mn-lt"/>
+                <a:ea typeface="+mn-ea"/>
+                <a:cs typeface="+mn-cs"/>
+              </a:defRPr>
+            </a:lvl5pPr>
+            <a:lvl6pPr marL="2014600" indent="-228600" algn="l" defTabSz="457200" rtl="0" eaLnBrk="1" latinLnBrk="0" hangingPunct="1">
+              <a:spcBef>
+                <a:spcPct val="20000"/>
+              </a:spcBef>
+              <a:spcAft>
+                <a:spcPts val="600"/>
+              </a:spcAft>
+              <a:buClr>
+                <a:schemeClr val="tx2"/>
+              </a:buClr>
+              <a:buSzPct val="70000"/>
+              <a:buFont typeface="Wingdings 2" charset="2"/>
+              <a:buChar char=""/>
+              <a:defRPr sz="1400" kern="1200">
+                <a:ln>
+                  <a:solidFill>
+                    <a:schemeClr val="bg1">
+                      <a:lumMod val="75000"/>
+                      <a:lumOff val="25000"/>
+                      <a:alpha val="10000"/>
+                    </a:schemeClr>
+                  </a:solidFill>
+                </a:ln>
+                <a:solidFill>
+                  <a:schemeClr val="tx2"/>
+                </a:solidFill>
+                <a:effectLst>
+                  <a:outerShdw blurRad="9525" dist="25400" dir="14640000" algn="tl" rotWithShape="0">
+                    <a:schemeClr val="bg1">
+                      <a:alpha val="30000"/>
+                    </a:schemeClr>
+                  </a:outerShdw>
+                </a:effectLst>
+                <a:latin typeface="+mn-lt"/>
+                <a:ea typeface="+mn-ea"/>
+                <a:cs typeface="+mn-cs"/>
+              </a:defRPr>
+            </a:lvl6pPr>
+            <a:lvl7pPr marL="2401800" indent="-228600" algn="l" defTabSz="457200" rtl="0" eaLnBrk="1" latinLnBrk="0" hangingPunct="1">
+              <a:spcBef>
+                <a:spcPct val="20000"/>
+              </a:spcBef>
+              <a:spcAft>
+                <a:spcPts val="600"/>
+              </a:spcAft>
+              <a:buClr>
+                <a:schemeClr val="tx2"/>
+              </a:buClr>
+              <a:buSzPct val="70000"/>
+              <a:buFont typeface="Wingdings 2" charset="2"/>
+              <a:buChar char=""/>
+              <a:defRPr sz="1400" kern="1200">
+                <a:ln>
+                  <a:solidFill>
+                    <a:schemeClr val="bg1">
+                      <a:lumMod val="75000"/>
+                      <a:lumOff val="25000"/>
+                      <a:alpha val="10000"/>
+                    </a:schemeClr>
+                  </a:solidFill>
+                </a:ln>
+                <a:solidFill>
+                  <a:schemeClr val="tx2"/>
+                </a:solidFill>
+                <a:effectLst>
+                  <a:outerShdw blurRad="9525" dist="25400" dir="14640000" algn="tl" rotWithShape="0">
+                    <a:schemeClr val="bg1">
+                      <a:alpha val="30000"/>
+                    </a:schemeClr>
+                  </a:outerShdw>
+                </a:effectLst>
+                <a:latin typeface="+mn-lt"/>
+                <a:ea typeface="+mn-ea"/>
+                <a:cs typeface="+mn-cs"/>
+              </a:defRPr>
+            </a:lvl7pPr>
+            <a:lvl8pPr marL="2789000" indent="-228600" algn="l" defTabSz="457200" rtl="0" eaLnBrk="1" latinLnBrk="0" hangingPunct="1">
+              <a:spcBef>
+                <a:spcPct val="20000"/>
+              </a:spcBef>
+              <a:spcAft>
+                <a:spcPts val="600"/>
+              </a:spcAft>
+              <a:buClr>
+                <a:schemeClr val="tx2"/>
+              </a:buClr>
+              <a:buSzPct val="70000"/>
+              <a:buFont typeface="Wingdings 2" charset="2"/>
+              <a:buChar char=""/>
+              <a:defRPr sz="1400" kern="1200">
+                <a:ln>
+                  <a:solidFill>
+                    <a:schemeClr val="bg1">
+                      <a:lumMod val="75000"/>
+                      <a:lumOff val="25000"/>
+                      <a:alpha val="10000"/>
+                    </a:schemeClr>
+                  </a:solidFill>
+                </a:ln>
+                <a:solidFill>
+                  <a:schemeClr val="tx2"/>
+                </a:solidFill>
+                <a:effectLst>
+                  <a:outerShdw blurRad="9525" dist="25400" dir="14640000" algn="tl" rotWithShape="0">
+                    <a:schemeClr val="bg1">
+                      <a:alpha val="30000"/>
+                    </a:schemeClr>
+                  </a:outerShdw>
+                </a:effectLst>
+                <a:latin typeface="+mn-lt"/>
+                <a:ea typeface="+mn-ea"/>
+                <a:cs typeface="+mn-cs"/>
+              </a:defRPr>
+            </a:lvl8pPr>
+            <a:lvl9pPr marL="3106200" indent="-228600" algn="l" defTabSz="457200" rtl="0" eaLnBrk="1" latinLnBrk="0" hangingPunct="1">
+              <a:spcBef>
+                <a:spcPct val="20000"/>
+              </a:spcBef>
+              <a:spcAft>
+                <a:spcPts val="600"/>
+              </a:spcAft>
+              <a:buClr>
+                <a:schemeClr val="tx2"/>
+              </a:buClr>
+              <a:buSzPct val="70000"/>
+              <a:buFont typeface="Wingdings 2" charset="2"/>
+              <a:buChar char=""/>
+              <a:defRPr sz="1400" kern="1200">
+                <a:ln>
+                  <a:solidFill>
+                    <a:schemeClr val="bg1">
+                      <a:lumMod val="75000"/>
+                      <a:lumOff val="25000"/>
+                      <a:alpha val="10000"/>
+                    </a:schemeClr>
+                  </a:solidFill>
+                </a:ln>
+                <a:solidFill>
+                  <a:schemeClr val="tx2"/>
+                </a:solidFill>
+                <a:effectLst>
+                  <a:outerShdw blurRad="9525" dist="25400" dir="14640000" algn="tl" rotWithShape="0">
+                    <a:schemeClr val="bg1">
+                      <a:alpha val="30000"/>
+                    </a:schemeClr>
+                  </a:outerShdw>
+                </a:effectLst>
+                <a:latin typeface="+mn-lt"/>
+                <a:ea typeface="+mn-ea"/>
+                <a:cs typeface="+mn-cs"/>
+              </a:defRPr>
+            </a:lvl9pPr>
+          </a:lstStyle>
+          <a:p>
+            <a:pPr marL="36900" indent="0">
+              <a:buFont typeface="Wingdings 2" charset="2"/>
+              <a:buNone/>
+            </a:pPr>
+            <a:r>
+              <a:rPr lang="es-ES_tradnl" sz="2400" b="1" dirty="0" smtClean="0">
+                <a:effectLst/>
+              </a:rPr>
+              <a:t>Unity5 2D: </a:t>
+            </a:r>
+            <a:r>
+              <a:rPr lang="es-ES_tradnl" sz="2400" b="1" dirty="0" err="1" smtClean="0">
+                <a:effectLst/>
+              </a:rPr>
+              <a:t>Optimizing</a:t>
+            </a:r>
+            <a:r>
+              <a:rPr lang="es-ES_tradnl" sz="2400" b="1" dirty="0" smtClean="0">
+                <a:effectLst/>
+              </a:rPr>
+              <a:t> </a:t>
+            </a:r>
+            <a:r>
+              <a:rPr lang="es-ES_tradnl" sz="2400" b="1" dirty="0" err="1" smtClean="0">
+                <a:effectLst/>
+              </a:rPr>
+              <a:t>Graphics</a:t>
+            </a:r>
+            <a:endParaRPr lang="es-ES_tradnl" b="1" dirty="0" smtClean="0">
+              <a:effectLst/>
+            </a:endParaRPr>
+          </a:p>
+          <a:p>
+            <a:r>
+              <a:rPr lang="es-ES_tradnl" b="1" dirty="0" smtClean="0">
+                <a:effectLst/>
+              </a:rPr>
+              <a:t>Usuarios Intermedios</a:t>
+            </a:r>
+          </a:p>
+          <a:p>
+            <a:r>
+              <a:rPr lang="es-ES" b="1" dirty="0" smtClean="0">
+                <a:effectLst/>
+              </a:rPr>
+              <a:t>Optimizar el rendimiento gráfico</a:t>
+            </a:r>
+          </a:p>
+          <a:p>
+            <a:r>
+              <a:rPr lang="es-ES" b="1" dirty="0" smtClean="0">
+                <a:effectLst/>
+              </a:rPr>
+              <a:t>Mejorar interfaz de usuario</a:t>
+            </a:r>
+          </a:p>
+          <a:p>
+            <a:r>
+              <a:rPr lang="es-ES" b="1" dirty="0" smtClean="0">
+                <a:effectLst/>
+              </a:rPr>
+              <a:t>Ajustar texturas</a:t>
+            </a:r>
+            <a:endParaRPr lang="es-ES_tradnl" b="1" dirty="0" smtClean="0">
+              <a:effectLst/>
+            </a:endParaRPr>
           </a:p>
         </p:txBody>
       </p:sp>
@@ -10020,22 +12211,986 @@
           </a:p>
         </p:txBody>
       </p:sp>
-      <p:sp>
-        <p:nvSpPr>
-          <p:cNvPr id="3" name="Marcador de contenido 2"/>
-          <p:cNvSpPr>
-            <a:spLocks noGrp="1"/>
-          </p:cNvSpPr>
+      <p:pic>
+        <p:nvPicPr>
+          <p:cNvPr id="4098" name="Picture 2" descr="http://i50.fastpic.ru/big/2012/1206/07/680c2d720c63855cff25d7548974e607.jpg"/>
+          <p:cNvPicPr>
+            <a:picLocks noGrp="1" noChangeAspect="1" noChangeArrowheads="1"/>
+          </p:cNvPicPr>
           <p:nvPr>
             <p:ph idx="1"/>
           </p:nvPr>
-        </p:nvSpPr>
-        <p:spPr/>
-        <p:txBody>
-          <a:bodyPr/>
-          <a:lstStyle/>
-          <a:p>
-            <a:endParaRPr lang="es-ES"/>
+        </p:nvPicPr>
+        <p:blipFill>
+          <a:blip r:embed="rId2">
+            <a:extLst>
+              <a:ext uri="{28A0092B-C50C-407E-A947-70E740481C1C}">
+                <a14:useLocalDpi xmlns:a14="http://schemas.microsoft.com/office/drawing/2010/main" val="0"/>
+              </a:ext>
+            </a:extLst>
+          </a:blip>
+          <a:srcRect/>
+          <a:stretch>
+            <a:fillRect/>
+          </a:stretch>
+        </p:blipFill>
+        <p:spPr bwMode="auto">
+          <a:xfrm>
+            <a:off x="913795" y="1258439"/>
+            <a:ext cx="3870109" cy="2405918"/>
+          </a:xfrm>
+          <a:prstGeom prst="rect">
+            <a:avLst/>
+          </a:prstGeom>
+          <a:noFill/>
+          <a:extLst>
+            <a:ext uri="{909E8E84-426E-40DD-AFC4-6F175D3DCCD1}">
+              <a14:hiddenFill xmlns:a14="http://schemas.microsoft.com/office/drawing/2010/main">
+                <a:solidFill>
+                  <a:srgbClr val="FFFFFF"/>
+                </a:solidFill>
+              </a14:hiddenFill>
+            </a:ext>
+          </a:extLst>
+        </p:spPr>
+      </p:pic>
+      <p:pic>
+        <p:nvPicPr>
+          <p:cNvPr id="4100" name="Picture 4" descr="http://1.bp.blogspot.com/-JfSZKD7qsgM/Vq1d5Pm4W3I/AAAAAAAAAcI/DEsKxt3X-lU/s1600/dribble800x600.gif"/>
+          <p:cNvPicPr>
+            <a:picLocks noChangeAspect="1" noChangeArrowheads="1" noCrop="1"/>
+          </p:cNvPicPr>
+          <p:nvPr/>
+        </p:nvPicPr>
+        <p:blipFill>
+          <a:blip r:embed="rId3">
+            <a:extLst>
+              <a:ext uri="{28A0092B-C50C-407E-A947-70E740481C1C}">
+                <a14:useLocalDpi xmlns:a14="http://schemas.microsoft.com/office/drawing/2010/main" val="0"/>
+              </a:ext>
+            </a:extLst>
+          </a:blip>
+          <a:srcRect/>
+          <a:stretch>
+            <a:fillRect/>
+          </a:stretch>
+        </p:blipFill>
+        <p:spPr bwMode="auto">
+          <a:xfrm>
+            <a:off x="7734386" y="1258439"/>
+            <a:ext cx="2883243" cy="2162432"/>
+          </a:xfrm>
+          <a:prstGeom prst="rect">
+            <a:avLst/>
+          </a:prstGeom>
+          <a:noFill/>
+          <a:extLst>
+            <a:ext uri="{909E8E84-426E-40DD-AFC4-6F175D3DCCD1}">
+              <a14:hiddenFill xmlns:a14="http://schemas.microsoft.com/office/drawing/2010/main">
+                <a:solidFill>
+                  <a:srgbClr val="FFFFFF"/>
+                </a:solidFill>
+              </a14:hiddenFill>
+            </a:ext>
+          </a:extLst>
+        </p:spPr>
+      </p:pic>
+      <p:sp>
+        <p:nvSpPr>
+          <p:cNvPr id="6" name="Marcador de contenido 2"/>
+          <p:cNvSpPr txBox="1">
+            <a:spLocks/>
+          </p:cNvSpPr>
+          <p:nvPr/>
+        </p:nvSpPr>
+        <p:spPr>
+          <a:xfrm>
+            <a:off x="440190" y="3749146"/>
+            <a:ext cx="5769527" cy="2565156"/>
+          </a:xfrm>
+          <a:prstGeom prst="rect">
+            <a:avLst/>
+          </a:prstGeom>
+          <a:effectLst>
+            <a:outerShdw blurRad="25400" dir="17880000">
+              <a:srgbClr val="000000">
+                <a:alpha val="46000"/>
+              </a:srgbClr>
+            </a:outerShdw>
+          </a:effectLst>
+        </p:spPr>
+        <p:txBody>
+          <a:bodyPr vert="horz" lIns="91440" tIns="45720" rIns="91440" bIns="45720" rtlCol="0" anchor="t">
+            <a:normAutofit/>
+          </a:bodyPr>
+          <a:lstStyle>
+            <a:lvl1pPr marL="342900" indent="-306000" algn="l" defTabSz="457200" rtl="0" eaLnBrk="1" latinLnBrk="0" hangingPunct="1">
+              <a:spcBef>
+                <a:spcPct val="20000"/>
+              </a:spcBef>
+              <a:spcAft>
+                <a:spcPts val="600"/>
+              </a:spcAft>
+              <a:buClr>
+                <a:schemeClr val="tx2"/>
+              </a:buClr>
+              <a:buSzPct val="70000"/>
+              <a:buFont typeface="Wingdings 2" charset="2"/>
+              <a:buChar char=""/>
+              <a:defRPr sz="2000" kern="1200">
+                <a:ln>
+                  <a:solidFill>
+                    <a:schemeClr val="bg1">
+                      <a:lumMod val="75000"/>
+                      <a:lumOff val="25000"/>
+                      <a:alpha val="10000"/>
+                    </a:schemeClr>
+                  </a:solidFill>
+                </a:ln>
+                <a:solidFill>
+                  <a:schemeClr val="tx2"/>
+                </a:solidFill>
+                <a:effectLst>
+                  <a:outerShdw blurRad="9525" dist="25400" dir="14640000" algn="tl" rotWithShape="0">
+                    <a:schemeClr val="bg1">
+                      <a:alpha val="30000"/>
+                    </a:schemeClr>
+                  </a:outerShdw>
+                </a:effectLst>
+                <a:latin typeface="+mn-lt"/>
+                <a:ea typeface="+mn-ea"/>
+                <a:cs typeface="+mn-cs"/>
+              </a:defRPr>
+            </a:lvl1pPr>
+            <a:lvl2pPr marL="720000" indent="-270000" algn="l" defTabSz="457200" rtl="0" eaLnBrk="1" latinLnBrk="0" hangingPunct="1">
+              <a:spcBef>
+                <a:spcPct val="20000"/>
+              </a:spcBef>
+              <a:spcAft>
+                <a:spcPts val="600"/>
+              </a:spcAft>
+              <a:buClr>
+                <a:schemeClr val="tx2"/>
+              </a:buClr>
+              <a:buSzPct val="70000"/>
+              <a:buFont typeface="Wingdings 2" charset="2"/>
+              <a:buChar char=""/>
+              <a:defRPr sz="1800" kern="1200">
+                <a:ln>
+                  <a:solidFill>
+                    <a:schemeClr val="bg1">
+                      <a:lumMod val="75000"/>
+                      <a:lumOff val="25000"/>
+                      <a:alpha val="10000"/>
+                    </a:schemeClr>
+                  </a:solidFill>
+                </a:ln>
+                <a:solidFill>
+                  <a:schemeClr val="tx2"/>
+                </a:solidFill>
+                <a:effectLst>
+                  <a:outerShdw blurRad="9525" dist="25400" dir="14640000" algn="tl" rotWithShape="0">
+                    <a:schemeClr val="bg1">
+                      <a:alpha val="30000"/>
+                    </a:schemeClr>
+                  </a:outerShdw>
+                </a:effectLst>
+                <a:latin typeface="+mn-lt"/>
+                <a:ea typeface="+mn-ea"/>
+                <a:cs typeface="+mn-cs"/>
+              </a:defRPr>
+            </a:lvl2pPr>
+            <a:lvl3pPr marL="1026000" indent="-216000" algn="l" defTabSz="457200" rtl="0" eaLnBrk="1" latinLnBrk="0" hangingPunct="1">
+              <a:spcBef>
+                <a:spcPct val="20000"/>
+              </a:spcBef>
+              <a:spcAft>
+                <a:spcPts val="600"/>
+              </a:spcAft>
+              <a:buClr>
+                <a:schemeClr val="tx2"/>
+              </a:buClr>
+              <a:buSzPct val="70000"/>
+              <a:buFont typeface="Wingdings 2" charset="2"/>
+              <a:buChar char=""/>
+              <a:defRPr sz="1600" kern="1200">
+                <a:ln>
+                  <a:solidFill>
+                    <a:schemeClr val="bg1">
+                      <a:lumMod val="75000"/>
+                      <a:lumOff val="25000"/>
+                      <a:alpha val="10000"/>
+                    </a:schemeClr>
+                  </a:solidFill>
+                </a:ln>
+                <a:solidFill>
+                  <a:schemeClr val="tx2"/>
+                </a:solidFill>
+                <a:effectLst>
+                  <a:outerShdw blurRad="9525" dist="25400" dir="14640000" algn="tl" rotWithShape="0">
+                    <a:schemeClr val="bg1">
+                      <a:alpha val="30000"/>
+                    </a:schemeClr>
+                  </a:outerShdw>
+                </a:effectLst>
+                <a:latin typeface="+mn-lt"/>
+                <a:ea typeface="+mn-ea"/>
+                <a:cs typeface="+mn-cs"/>
+              </a:defRPr>
+            </a:lvl3pPr>
+            <a:lvl4pPr marL="1386000" indent="-216000" algn="l" defTabSz="457200" rtl="0" eaLnBrk="1" latinLnBrk="0" hangingPunct="1">
+              <a:spcBef>
+                <a:spcPct val="20000"/>
+              </a:spcBef>
+              <a:spcAft>
+                <a:spcPts val="600"/>
+              </a:spcAft>
+              <a:buClr>
+                <a:schemeClr val="tx2"/>
+              </a:buClr>
+              <a:buSzPct val="70000"/>
+              <a:buFont typeface="Wingdings 2" charset="2"/>
+              <a:buChar char=""/>
+              <a:defRPr sz="1400" kern="1200">
+                <a:ln>
+                  <a:solidFill>
+                    <a:schemeClr val="bg1">
+                      <a:lumMod val="75000"/>
+                      <a:lumOff val="25000"/>
+                      <a:alpha val="10000"/>
+                    </a:schemeClr>
+                  </a:solidFill>
+                </a:ln>
+                <a:solidFill>
+                  <a:schemeClr val="tx2"/>
+                </a:solidFill>
+                <a:effectLst>
+                  <a:outerShdw blurRad="9525" dist="25400" dir="14640000" algn="tl" rotWithShape="0">
+                    <a:schemeClr val="bg1">
+                      <a:alpha val="30000"/>
+                    </a:schemeClr>
+                  </a:outerShdw>
+                </a:effectLst>
+                <a:latin typeface="+mn-lt"/>
+                <a:ea typeface="+mn-ea"/>
+                <a:cs typeface="+mn-cs"/>
+              </a:defRPr>
+            </a:lvl4pPr>
+            <a:lvl5pPr marL="1674000" indent="-216000" algn="l" defTabSz="457200" rtl="0" eaLnBrk="1" latinLnBrk="0" hangingPunct="1">
+              <a:spcBef>
+                <a:spcPct val="20000"/>
+              </a:spcBef>
+              <a:spcAft>
+                <a:spcPts val="600"/>
+              </a:spcAft>
+              <a:buClr>
+                <a:schemeClr val="tx2"/>
+              </a:buClr>
+              <a:buSzPct val="70000"/>
+              <a:buFont typeface="Wingdings 2" charset="2"/>
+              <a:buChar char=""/>
+              <a:defRPr sz="1400" kern="1200">
+                <a:ln>
+                  <a:solidFill>
+                    <a:schemeClr val="bg1">
+                      <a:lumMod val="75000"/>
+                      <a:lumOff val="25000"/>
+                      <a:alpha val="10000"/>
+                    </a:schemeClr>
+                  </a:solidFill>
+                </a:ln>
+                <a:solidFill>
+                  <a:schemeClr val="tx2"/>
+                </a:solidFill>
+                <a:effectLst>
+                  <a:outerShdw blurRad="9525" dist="25400" dir="14640000" algn="tl" rotWithShape="0">
+                    <a:schemeClr val="bg1">
+                      <a:alpha val="30000"/>
+                    </a:schemeClr>
+                  </a:outerShdw>
+                </a:effectLst>
+                <a:latin typeface="+mn-lt"/>
+                <a:ea typeface="+mn-ea"/>
+                <a:cs typeface="+mn-cs"/>
+              </a:defRPr>
+            </a:lvl5pPr>
+            <a:lvl6pPr marL="2014600" indent="-228600" algn="l" defTabSz="457200" rtl="0" eaLnBrk="1" latinLnBrk="0" hangingPunct="1">
+              <a:spcBef>
+                <a:spcPct val="20000"/>
+              </a:spcBef>
+              <a:spcAft>
+                <a:spcPts val="600"/>
+              </a:spcAft>
+              <a:buClr>
+                <a:schemeClr val="tx2"/>
+              </a:buClr>
+              <a:buSzPct val="70000"/>
+              <a:buFont typeface="Wingdings 2" charset="2"/>
+              <a:buChar char=""/>
+              <a:defRPr sz="1400" kern="1200">
+                <a:ln>
+                  <a:solidFill>
+                    <a:schemeClr val="bg1">
+                      <a:lumMod val="75000"/>
+                      <a:lumOff val="25000"/>
+                      <a:alpha val="10000"/>
+                    </a:schemeClr>
+                  </a:solidFill>
+                </a:ln>
+                <a:solidFill>
+                  <a:schemeClr val="tx2"/>
+                </a:solidFill>
+                <a:effectLst>
+                  <a:outerShdw blurRad="9525" dist="25400" dir="14640000" algn="tl" rotWithShape="0">
+                    <a:schemeClr val="bg1">
+                      <a:alpha val="30000"/>
+                    </a:schemeClr>
+                  </a:outerShdw>
+                </a:effectLst>
+                <a:latin typeface="+mn-lt"/>
+                <a:ea typeface="+mn-ea"/>
+                <a:cs typeface="+mn-cs"/>
+              </a:defRPr>
+            </a:lvl6pPr>
+            <a:lvl7pPr marL="2401800" indent="-228600" algn="l" defTabSz="457200" rtl="0" eaLnBrk="1" latinLnBrk="0" hangingPunct="1">
+              <a:spcBef>
+                <a:spcPct val="20000"/>
+              </a:spcBef>
+              <a:spcAft>
+                <a:spcPts val="600"/>
+              </a:spcAft>
+              <a:buClr>
+                <a:schemeClr val="tx2"/>
+              </a:buClr>
+              <a:buSzPct val="70000"/>
+              <a:buFont typeface="Wingdings 2" charset="2"/>
+              <a:buChar char=""/>
+              <a:defRPr sz="1400" kern="1200">
+                <a:ln>
+                  <a:solidFill>
+                    <a:schemeClr val="bg1">
+                      <a:lumMod val="75000"/>
+                      <a:lumOff val="25000"/>
+                      <a:alpha val="10000"/>
+                    </a:schemeClr>
+                  </a:solidFill>
+                </a:ln>
+                <a:solidFill>
+                  <a:schemeClr val="tx2"/>
+                </a:solidFill>
+                <a:effectLst>
+                  <a:outerShdw blurRad="9525" dist="25400" dir="14640000" algn="tl" rotWithShape="0">
+                    <a:schemeClr val="bg1">
+                      <a:alpha val="30000"/>
+                    </a:schemeClr>
+                  </a:outerShdw>
+                </a:effectLst>
+                <a:latin typeface="+mn-lt"/>
+                <a:ea typeface="+mn-ea"/>
+                <a:cs typeface="+mn-cs"/>
+              </a:defRPr>
+            </a:lvl7pPr>
+            <a:lvl8pPr marL="2789000" indent="-228600" algn="l" defTabSz="457200" rtl="0" eaLnBrk="1" latinLnBrk="0" hangingPunct="1">
+              <a:spcBef>
+                <a:spcPct val="20000"/>
+              </a:spcBef>
+              <a:spcAft>
+                <a:spcPts val="600"/>
+              </a:spcAft>
+              <a:buClr>
+                <a:schemeClr val="tx2"/>
+              </a:buClr>
+              <a:buSzPct val="70000"/>
+              <a:buFont typeface="Wingdings 2" charset="2"/>
+              <a:buChar char=""/>
+              <a:defRPr sz="1400" kern="1200">
+                <a:ln>
+                  <a:solidFill>
+                    <a:schemeClr val="bg1">
+                      <a:lumMod val="75000"/>
+                      <a:lumOff val="25000"/>
+                      <a:alpha val="10000"/>
+                    </a:schemeClr>
+                  </a:solidFill>
+                </a:ln>
+                <a:solidFill>
+                  <a:schemeClr val="tx2"/>
+                </a:solidFill>
+                <a:effectLst>
+                  <a:outerShdw blurRad="9525" dist="25400" dir="14640000" algn="tl" rotWithShape="0">
+                    <a:schemeClr val="bg1">
+                      <a:alpha val="30000"/>
+                    </a:schemeClr>
+                  </a:outerShdw>
+                </a:effectLst>
+                <a:latin typeface="+mn-lt"/>
+                <a:ea typeface="+mn-ea"/>
+                <a:cs typeface="+mn-cs"/>
+              </a:defRPr>
+            </a:lvl8pPr>
+            <a:lvl9pPr marL="3106200" indent="-228600" algn="l" defTabSz="457200" rtl="0" eaLnBrk="1" latinLnBrk="0" hangingPunct="1">
+              <a:spcBef>
+                <a:spcPct val="20000"/>
+              </a:spcBef>
+              <a:spcAft>
+                <a:spcPts val="600"/>
+              </a:spcAft>
+              <a:buClr>
+                <a:schemeClr val="tx2"/>
+              </a:buClr>
+              <a:buSzPct val="70000"/>
+              <a:buFont typeface="Wingdings 2" charset="2"/>
+              <a:buChar char=""/>
+              <a:defRPr sz="1400" kern="1200">
+                <a:ln>
+                  <a:solidFill>
+                    <a:schemeClr val="bg1">
+                      <a:lumMod val="75000"/>
+                      <a:lumOff val="25000"/>
+                      <a:alpha val="10000"/>
+                    </a:schemeClr>
+                  </a:solidFill>
+                </a:ln>
+                <a:solidFill>
+                  <a:schemeClr val="tx2"/>
+                </a:solidFill>
+                <a:effectLst>
+                  <a:outerShdw blurRad="9525" dist="25400" dir="14640000" algn="tl" rotWithShape="0">
+                    <a:schemeClr val="bg1">
+                      <a:alpha val="30000"/>
+                    </a:schemeClr>
+                  </a:outerShdw>
+                </a:effectLst>
+                <a:latin typeface="+mn-lt"/>
+                <a:ea typeface="+mn-ea"/>
+                <a:cs typeface="+mn-cs"/>
+              </a:defRPr>
+            </a:lvl9pPr>
+          </a:lstStyle>
+          <a:p>
+            <a:pPr marL="36900" indent="0">
+              <a:buFont typeface="Wingdings 2" charset="2"/>
+              <a:buNone/>
+            </a:pPr>
+            <a:r>
+              <a:rPr lang="es-ES_tradnl" sz="2400" b="1" dirty="0" err="1" smtClean="0">
+                <a:effectLst/>
+              </a:rPr>
+              <a:t>Creating</a:t>
+            </a:r>
+            <a:r>
+              <a:rPr lang="es-ES_tradnl" sz="2400" b="1" dirty="0" smtClean="0">
+                <a:effectLst/>
+              </a:rPr>
+              <a:t> a </a:t>
+            </a:r>
+            <a:r>
+              <a:rPr lang="es-ES_tradnl" sz="2400" b="1" dirty="0" err="1" smtClean="0">
+                <a:effectLst/>
+              </a:rPr>
+              <a:t>Space</a:t>
+            </a:r>
+            <a:r>
+              <a:rPr lang="es-ES_tradnl" sz="2400" b="1" dirty="0" smtClean="0">
+                <a:effectLst/>
+              </a:rPr>
+              <a:t> Flight Simulator</a:t>
+            </a:r>
+            <a:endParaRPr lang="es-ES_tradnl" b="1" dirty="0" smtClean="0">
+              <a:effectLst/>
+            </a:endParaRPr>
+          </a:p>
+          <a:p>
+            <a:r>
+              <a:rPr lang="es-ES" b="1" dirty="0" smtClean="0">
+                <a:effectLst/>
+              </a:rPr>
+              <a:t>Usuarios intermedios</a:t>
+            </a:r>
+            <a:endParaRPr lang="es-ES_tradnl" b="1" dirty="0" smtClean="0">
+              <a:effectLst/>
+            </a:endParaRPr>
+          </a:p>
+          <a:p>
+            <a:r>
+              <a:rPr lang="es-ES" b="1" dirty="0" smtClean="0">
+                <a:effectLst/>
+              </a:rPr>
+              <a:t>Sistema de físicas</a:t>
+            </a:r>
+          </a:p>
+          <a:p>
+            <a:r>
+              <a:rPr lang="es-ES" b="1" dirty="0" smtClean="0">
+                <a:effectLst/>
+              </a:rPr>
+              <a:t>Programación de Componentes</a:t>
+            </a:r>
+          </a:p>
+          <a:p>
+            <a:r>
+              <a:rPr lang="es-ES" b="1" dirty="0" smtClean="0">
+                <a:effectLst/>
+              </a:rPr>
+              <a:t>Creación de un Simulador Espacial</a:t>
+            </a:r>
+            <a:endParaRPr lang="es-ES_tradnl" b="1" dirty="0" smtClean="0">
+              <a:effectLst/>
+            </a:endParaRPr>
+          </a:p>
+        </p:txBody>
+      </p:sp>
+      <p:sp>
+        <p:nvSpPr>
+          <p:cNvPr id="7" name="Marcador de contenido 2"/>
+          <p:cNvSpPr txBox="1">
+            <a:spLocks/>
+          </p:cNvSpPr>
+          <p:nvPr/>
+        </p:nvSpPr>
+        <p:spPr>
+          <a:xfrm>
+            <a:off x="6422473" y="3749146"/>
+            <a:ext cx="5769527" cy="2565156"/>
+          </a:xfrm>
+          <a:prstGeom prst="rect">
+            <a:avLst/>
+          </a:prstGeom>
+          <a:effectLst>
+            <a:outerShdw blurRad="25400" dir="17880000">
+              <a:srgbClr val="000000">
+                <a:alpha val="46000"/>
+              </a:srgbClr>
+            </a:outerShdw>
+          </a:effectLst>
+        </p:spPr>
+        <p:txBody>
+          <a:bodyPr vert="horz" lIns="91440" tIns="45720" rIns="91440" bIns="45720" rtlCol="0" anchor="t">
+            <a:normAutofit/>
+          </a:bodyPr>
+          <a:lstStyle>
+            <a:lvl1pPr marL="342900" indent="-306000" algn="l" defTabSz="457200" rtl="0" eaLnBrk="1" latinLnBrk="0" hangingPunct="1">
+              <a:spcBef>
+                <a:spcPct val="20000"/>
+              </a:spcBef>
+              <a:spcAft>
+                <a:spcPts val="600"/>
+              </a:spcAft>
+              <a:buClr>
+                <a:schemeClr val="tx2"/>
+              </a:buClr>
+              <a:buSzPct val="70000"/>
+              <a:buFont typeface="Wingdings 2" charset="2"/>
+              <a:buChar char=""/>
+              <a:defRPr sz="2000" kern="1200">
+                <a:ln>
+                  <a:solidFill>
+                    <a:schemeClr val="bg1">
+                      <a:lumMod val="75000"/>
+                      <a:lumOff val="25000"/>
+                      <a:alpha val="10000"/>
+                    </a:schemeClr>
+                  </a:solidFill>
+                </a:ln>
+                <a:solidFill>
+                  <a:schemeClr val="tx2"/>
+                </a:solidFill>
+                <a:effectLst>
+                  <a:outerShdw blurRad="9525" dist="25400" dir="14640000" algn="tl" rotWithShape="0">
+                    <a:schemeClr val="bg1">
+                      <a:alpha val="30000"/>
+                    </a:schemeClr>
+                  </a:outerShdw>
+                </a:effectLst>
+                <a:latin typeface="+mn-lt"/>
+                <a:ea typeface="+mn-ea"/>
+                <a:cs typeface="+mn-cs"/>
+              </a:defRPr>
+            </a:lvl1pPr>
+            <a:lvl2pPr marL="720000" indent="-270000" algn="l" defTabSz="457200" rtl="0" eaLnBrk="1" latinLnBrk="0" hangingPunct="1">
+              <a:spcBef>
+                <a:spcPct val="20000"/>
+              </a:spcBef>
+              <a:spcAft>
+                <a:spcPts val="600"/>
+              </a:spcAft>
+              <a:buClr>
+                <a:schemeClr val="tx2"/>
+              </a:buClr>
+              <a:buSzPct val="70000"/>
+              <a:buFont typeface="Wingdings 2" charset="2"/>
+              <a:buChar char=""/>
+              <a:defRPr sz="1800" kern="1200">
+                <a:ln>
+                  <a:solidFill>
+                    <a:schemeClr val="bg1">
+                      <a:lumMod val="75000"/>
+                      <a:lumOff val="25000"/>
+                      <a:alpha val="10000"/>
+                    </a:schemeClr>
+                  </a:solidFill>
+                </a:ln>
+                <a:solidFill>
+                  <a:schemeClr val="tx2"/>
+                </a:solidFill>
+                <a:effectLst>
+                  <a:outerShdw blurRad="9525" dist="25400" dir="14640000" algn="tl" rotWithShape="0">
+                    <a:schemeClr val="bg1">
+                      <a:alpha val="30000"/>
+                    </a:schemeClr>
+                  </a:outerShdw>
+                </a:effectLst>
+                <a:latin typeface="+mn-lt"/>
+                <a:ea typeface="+mn-ea"/>
+                <a:cs typeface="+mn-cs"/>
+              </a:defRPr>
+            </a:lvl2pPr>
+            <a:lvl3pPr marL="1026000" indent="-216000" algn="l" defTabSz="457200" rtl="0" eaLnBrk="1" latinLnBrk="0" hangingPunct="1">
+              <a:spcBef>
+                <a:spcPct val="20000"/>
+              </a:spcBef>
+              <a:spcAft>
+                <a:spcPts val="600"/>
+              </a:spcAft>
+              <a:buClr>
+                <a:schemeClr val="tx2"/>
+              </a:buClr>
+              <a:buSzPct val="70000"/>
+              <a:buFont typeface="Wingdings 2" charset="2"/>
+              <a:buChar char=""/>
+              <a:defRPr sz="1600" kern="1200">
+                <a:ln>
+                  <a:solidFill>
+                    <a:schemeClr val="bg1">
+                      <a:lumMod val="75000"/>
+                      <a:lumOff val="25000"/>
+                      <a:alpha val="10000"/>
+                    </a:schemeClr>
+                  </a:solidFill>
+                </a:ln>
+                <a:solidFill>
+                  <a:schemeClr val="tx2"/>
+                </a:solidFill>
+                <a:effectLst>
+                  <a:outerShdw blurRad="9525" dist="25400" dir="14640000" algn="tl" rotWithShape="0">
+                    <a:schemeClr val="bg1">
+                      <a:alpha val="30000"/>
+                    </a:schemeClr>
+                  </a:outerShdw>
+                </a:effectLst>
+                <a:latin typeface="+mn-lt"/>
+                <a:ea typeface="+mn-ea"/>
+                <a:cs typeface="+mn-cs"/>
+              </a:defRPr>
+            </a:lvl3pPr>
+            <a:lvl4pPr marL="1386000" indent="-216000" algn="l" defTabSz="457200" rtl="0" eaLnBrk="1" latinLnBrk="0" hangingPunct="1">
+              <a:spcBef>
+                <a:spcPct val="20000"/>
+              </a:spcBef>
+              <a:spcAft>
+                <a:spcPts val="600"/>
+              </a:spcAft>
+              <a:buClr>
+                <a:schemeClr val="tx2"/>
+              </a:buClr>
+              <a:buSzPct val="70000"/>
+              <a:buFont typeface="Wingdings 2" charset="2"/>
+              <a:buChar char=""/>
+              <a:defRPr sz="1400" kern="1200">
+                <a:ln>
+                  <a:solidFill>
+                    <a:schemeClr val="bg1">
+                      <a:lumMod val="75000"/>
+                      <a:lumOff val="25000"/>
+                      <a:alpha val="10000"/>
+                    </a:schemeClr>
+                  </a:solidFill>
+                </a:ln>
+                <a:solidFill>
+                  <a:schemeClr val="tx2"/>
+                </a:solidFill>
+                <a:effectLst>
+                  <a:outerShdw blurRad="9525" dist="25400" dir="14640000" algn="tl" rotWithShape="0">
+                    <a:schemeClr val="bg1">
+                      <a:alpha val="30000"/>
+                    </a:schemeClr>
+                  </a:outerShdw>
+                </a:effectLst>
+                <a:latin typeface="+mn-lt"/>
+                <a:ea typeface="+mn-ea"/>
+                <a:cs typeface="+mn-cs"/>
+              </a:defRPr>
+            </a:lvl4pPr>
+            <a:lvl5pPr marL="1674000" indent="-216000" algn="l" defTabSz="457200" rtl="0" eaLnBrk="1" latinLnBrk="0" hangingPunct="1">
+              <a:spcBef>
+                <a:spcPct val="20000"/>
+              </a:spcBef>
+              <a:spcAft>
+                <a:spcPts val="600"/>
+              </a:spcAft>
+              <a:buClr>
+                <a:schemeClr val="tx2"/>
+              </a:buClr>
+              <a:buSzPct val="70000"/>
+              <a:buFont typeface="Wingdings 2" charset="2"/>
+              <a:buChar char=""/>
+              <a:defRPr sz="1400" kern="1200">
+                <a:ln>
+                  <a:solidFill>
+                    <a:schemeClr val="bg1">
+                      <a:lumMod val="75000"/>
+                      <a:lumOff val="25000"/>
+                      <a:alpha val="10000"/>
+                    </a:schemeClr>
+                  </a:solidFill>
+                </a:ln>
+                <a:solidFill>
+                  <a:schemeClr val="tx2"/>
+                </a:solidFill>
+                <a:effectLst>
+                  <a:outerShdw blurRad="9525" dist="25400" dir="14640000" algn="tl" rotWithShape="0">
+                    <a:schemeClr val="bg1">
+                      <a:alpha val="30000"/>
+                    </a:schemeClr>
+                  </a:outerShdw>
+                </a:effectLst>
+                <a:latin typeface="+mn-lt"/>
+                <a:ea typeface="+mn-ea"/>
+                <a:cs typeface="+mn-cs"/>
+              </a:defRPr>
+            </a:lvl5pPr>
+            <a:lvl6pPr marL="2014600" indent="-228600" algn="l" defTabSz="457200" rtl="0" eaLnBrk="1" latinLnBrk="0" hangingPunct="1">
+              <a:spcBef>
+                <a:spcPct val="20000"/>
+              </a:spcBef>
+              <a:spcAft>
+                <a:spcPts val="600"/>
+              </a:spcAft>
+              <a:buClr>
+                <a:schemeClr val="tx2"/>
+              </a:buClr>
+              <a:buSzPct val="70000"/>
+              <a:buFont typeface="Wingdings 2" charset="2"/>
+              <a:buChar char=""/>
+              <a:defRPr sz="1400" kern="1200">
+                <a:ln>
+                  <a:solidFill>
+                    <a:schemeClr val="bg1">
+                      <a:lumMod val="75000"/>
+                      <a:lumOff val="25000"/>
+                      <a:alpha val="10000"/>
+                    </a:schemeClr>
+                  </a:solidFill>
+                </a:ln>
+                <a:solidFill>
+                  <a:schemeClr val="tx2"/>
+                </a:solidFill>
+                <a:effectLst>
+                  <a:outerShdw blurRad="9525" dist="25400" dir="14640000" algn="tl" rotWithShape="0">
+                    <a:schemeClr val="bg1">
+                      <a:alpha val="30000"/>
+                    </a:schemeClr>
+                  </a:outerShdw>
+                </a:effectLst>
+                <a:latin typeface="+mn-lt"/>
+                <a:ea typeface="+mn-ea"/>
+                <a:cs typeface="+mn-cs"/>
+              </a:defRPr>
+            </a:lvl6pPr>
+            <a:lvl7pPr marL="2401800" indent="-228600" algn="l" defTabSz="457200" rtl="0" eaLnBrk="1" latinLnBrk="0" hangingPunct="1">
+              <a:spcBef>
+                <a:spcPct val="20000"/>
+              </a:spcBef>
+              <a:spcAft>
+                <a:spcPts val="600"/>
+              </a:spcAft>
+              <a:buClr>
+                <a:schemeClr val="tx2"/>
+              </a:buClr>
+              <a:buSzPct val="70000"/>
+              <a:buFont typeface="Wingdings 2" charset="2"/>
+              <a:buChar char=""/>
+              <a:defRPr sz="1400" kern="1200">
+                <a:ln>
+                  <a:solidFill>
+                    <a:schemeClr val="bg1">
+                      <a:lumMod val="75000"/>
+                      <a:lumOff val="25000"/>
+                      <a:alpha val="10000"/>
+                    </a:schemeClr>
+                  </a:solidFill>
+                </a:ln>
+                <a:solidFill>
+                  <a:schemeClr val="tx2"/>
+                </a:solidFill>
+                <a:effectLst>
+                  <a:outerShdw blurRad="9525" dist="25400" dir="14640000" algn="tl" rotWithShape="0">
+                    <a:schemeClr val="bg1">
+                      <a:alpha val="30000"/>
+                    </a:schemeClr>
+                  </a:outerShdw>
+                </a:effectLst>
+                <a:latin typeface="+mn-lt"/>
+                <a:ea typeface="+mn-ea"/>
+                <a:cs typeface="+mn-cs"/>
+              </a:defRPr>
+            </a:lvl7pPr>
+            <a:lvl8pPr marL="2789000" indent="-228600" algn="l" defTabSz="457200" rtl="0" eaLnBrk="1" latinLnBrk="0" hangingPunct="1">
+              <a:spcBef>
+                <a:spcPct val="20000"/>
+              </a:spcBef>
+              <a:spcAft>
+                <a:spcPts val="600"/>
+              </a:spcAft>
+              <a:buClr>
+                <a:schemeClr val="tx2"/>
+              </a:buClr>
+              <a:buSzPct val="70000"/>
+              <a:buFont typeface="Wingdings 2" charset="2"/>
+              <a:buChar char=""/>
+              <a:defRPr sz="1400" kern="1200">
+                <a:ln>
+                  <a:solidFill>
+                    <a:schemeClr val="bg1">
+                      <a:lumMod val="75000"/>
+                      <a:lumOff val="25000"/>
+                      <a:alpha val="10000"/>
+                    </a:schemeClr>
+                  </a:solidFill>
+                </a:ln>
+                <a:solidFill>
+                  <a:schemeClr val="tx2"/>
+                </a:solidFill>
+                <a:effectLst>
+                  <a:outerShdw blurRad="9525" dist="25400" dir="14640000" algn="tl" rotWithShape="0">
+                    <a:schemeClr val="bg1">
+                      <a:alpha val="30000"/>
+                    </a:schemeClr>
+                  </a:outerShdw>
+                </a:effectLst>
+                <a:latin typeface="+mn-lt"/>
+                <a:ea typeface="+mn-ea"/>
+                <a:cs typeface="+mn-cs"/>
+              </a:defRPr>
+            </a:lvl8pPr>
+            <a:lvl9pPr marL="3106200" indent="-228600" algn="l" defTabSz="457200" rtl="0" eaLnBrk="1" latinLnBrk="0" hangingPunct="1">
+              <a:spcBef>
+                <a:spcPct val="20000"/>
+              </a:spcBef>
+              <a:spcAft>
+                <a:spcPts val="600"/>
+              </a:spcAft>
+              <a:buClr>
+                <a:schemeClr val="tx2"/>
+              </a:buClr>
+              <a:buSzPct val="70000"/>
+              <a:buFont typeface="Wingdings 2" charset="2"/>
+              <a:buChar char=""/>
+              <a:defRPr sz="1400" kern="1200">
+                <a:ln>
+                  <a:solidFill>
+                    <a:schemeClr val="bg1">
+                      <a:lumMod val="75000"/>
+                      <a:lumOff val="25000"/>
+                      <a:alpha val="10000"/>
+                    </a:schemeClr>
+                  </a:solidFill>
+                </a:ln>
+                <a:solidFill>
+                  <a:schemeClr val="tx2"/>
+                </a:solidFill>
+                <a:effectLst>
+                  <a:outerShdw blurRad="9525" dist="25400" dir="14640000" algn="tl" rotWithShape="0">
+                    <a:schemeClr val="bg1">
+                      <a:alpha val="30000"/>
+                    </a:schemeClr>
+                  </a:outerShdw>
+                </a:effectLst>
+                <a:latin typeface="+mn-lt"/>
+                <a:ea typeface="+mn-ea"/>
+                <a:cs typeface="+mn-cs"/>
+              </a:defRPr>
+            </a:lvl9pPr>
+          </a:lstStyle>
+          <a:p>
+            <a:pPr marL="36900" indent="0">
+              <a:buFont typeface="Wingdings 2" charset="2"/>
+              <a:buNone/>
+            </a:pPr>
+            <a:r>
+              <a:rPr lang="es-ES_tradnl" sz="2400" b="1" dirty="0" err="1" smtClean="0">
+                <a:effectLst/>
+              </a:rPr>
+              <a:t>Intro</a:t>
+            </a:r>
+            <a:r>
+              <a:rPr lang="es-ES_tradnl" sz="2400" b="1" dirty="0" smtClean="0">
+                <a:effectLst/>
+              </a:rPr>
+              <a:t> to </a:t>
+            </a:r>
+            <a:r>
+              <a:rPr lang="es-ES_tradnl" sz="2400" b="1" dirty="0" err="1" smtClean="0">
+                <a:effectLst/>
+              </a:rPr>
+              <a:t>Unreal</a:t>
+            </a:r>
+            <a:r>
+              <a:rPr lang="es-ES_tradnl" sz="2400" b="1" dirty="0" smtClean="0">
+                <a:effectLst/>
+              </a:rPr>
+              <a:t> </a:t>
+            </a:r>
+            <a:r>
+              <a:rPr lang="es-ES_tradnl" sz="2400" b="1" dirty="0" err="1" smtClean="0">
+                <a:effectLst/>
+              </a:rPr>
+              <a:t>Engine</a:t>
+            </a:r>
+            <a:r>
+              <a:rPr lang="es-ES_tradnl" sz="2400" b="1" dirty="0" smtClean="0">
+                <a:effectLst/>
+              </a:rPr>
+              <a:t> 4</a:t>
+            </a:r>
+            <a:endParaRPr lang="es-ES_tradnl" b="1" dirty="0" smtClean="0">
+              <a:effectLst/>
+            </a:endParaRPr>
+          </a:p>
+          <a:p>
+            <a:r>
+              <a:rPr lang="es-ES_tradnl" b="1" dirty="0" smtClean="0">
+                <a:effectLst/>
+              </a:rPr>
+              <a:t>Enfocado a Principiantes</a:t>
+            </a:r>
+          </a:p>
+          <a:p>
+            <a:r>
+              <a:rPr lang="es-ES" b="1" dirty="0" smtClean="0">
+                <a:effectLst/>
+              </a:rPr>
+              <a:t>Visión básica del motor</a:t>
+            </a:r>
+          </a:p>
+          <a:p>
+            <a:r>
+              <a:rPr lang="es-ES" b="1" dirty="0" smtClean="0">
+                <a:effectLst/>
+              </a:rPr>
+              <a:t>Interfaz de Usuario</a:t>
+            </a:r>
+          </a:p>
+          <a:p>
+            <a:r>
+              <a:rPr lang="es-ES" b="1" dirty="0" smtClean="0">
+                <a:effectLst/>
+              </a:rPr>
+              <a:t>Creación de niveles</a:t>
+            </a:r>
+            <a:endParaRPr lang="es-ES_tradnl" b="1" dirty="0" smtClean="0">
+              <a:effectLst/>
+            </a:endParaRPr>
           </a:p>
         </p:txBody>
       </p:sp>
